--- a/_3_Friction_between_ball_and_spiral/_3_2_Friction_Distribution_between_twisted_Spiral_Torus/プレゼンテーション1.pptx
+++ b/_3_Friction_between_ball_and_spiral/_3_2_Friction_Distribution_between_twisted_Spiral_Torus/プレゼンテーション1.pptx
@@ -6,6 +6,10 @@
   </p:sldMasterIdLst>
   <p:sldIdLst>
     <p:sldId id="256" r:id="rId2"/>
+    <p:sldId id="257" r:id="rId3"/>
+    <p:sldId id="258" r:id="rId4"/>
+    <p:sldId id="259" r:id="rId5"/>
+    <p:sldId id="260" r:id="rId6"/>
   </p:sldIdLst>
   <p:sldSz cx="9144000" cy="6858000" type="screen4x3"/>
   <p:notesSz cx="6858000" cy="9144000"/>
@@ -288,7 +292,7 @@
           <a:p>
             <a:fld id="{CDA2332C-A173-4004-AB01-9BE118A92616}" type="datetimeFigureOut">
               <a:rPr kumimoji="1" lang="ja-JP" altLang="en-US" smtClean="0"/>
-              <a:t>2021/7/4</a:t>
+              <a:t>2021/7/10</a:t>
             </a:fld>
             <a:endParaRPr kumimoji="1" lang="ja-JP" altLang="en-US"/>
           </a:p>
@@ -490,7 +494,7 @@
           <a:p>
             <a:fld id="{CDA2332C-A173-4004-AB01-9BE118A92616}" type="datetimeFigureOut">
               <a:rPr kumimoji="1" lang="ja-JP" altLang="en-US" smtClean="0"/>
-              <a:t>2021/7/4</a:t>
+              <a:t>2021/7/10</a:t>
             </a:fld>
             <a:endParaRPr kumimoji="1" lang="ja-JP" altLang="en-US"/>
           </a:p>
@@ -702,7 +706,7 @@
           <a:p>
             <a:fld id="{CDA2332C-A173-4004-AB01-9BE118A92616}" type="datetimeFigureOut">
               <a:rPr kumimoji="1" lang="ja-JP" altLang="en-US" smtClean="0"/>
-              <a:t>2021/7/4</a:t>
+              <a:t>2021/7/10</a:t>
             </a:fld>
             <a:endParaRPr kumimoji="1" lang="ja-JP" altLang="en-US"/>
           </a:p>
@@ -904,7 +908,7 @@
           <a:p>
             <a:fld id="{CDA2332C-A173-4004-AB01-9BE118A92616}" type="datetimeFigureOut">
               <a:rPr kumimoji="1" lang="ja-JP" altLang="en-US" smtClean="0"/>
-              <a:t>2021/7/4</a:t>
+              <a:t>2021/7/10</a:t>
             </a:fld>
             <a:endParaRPr kumimoji="1" lang="ja-JP" altLang="en-US"/>
           </a:p>
@@ -1150,7 +1154,7 @@
           <a:p>
             <a:fld id="{CDA2332C-A173-4004-AB01-9BE118A92616}" type="datetimeFigureOut">
               <a:rPr kumimoji="1" lang="ja-JP" altLang="en-US" smtClean="0"/>
-              <a:t>2021/7/4</a:t>
+              <a:t>2021/7/10</a:t>
             </a:fld>
             <a:endParaRPr kumimoji="1" lang="ja-JP" altLang="en-US"/>
           </a:p>
@@ -1502,7 +1506,7 @@
           <a:p>
             <a:fld id="{CDA2332C-A173-4004-AB01-9BE118A92616}" type="datetimeFigureOut">
               <a:rPr kumimoji="1" lang="ja-JP" altLang="en-US" smtClean="0"/>
-              <a:t>2021/7/4</a:t>
+              <a:t>2021/7/10</a:t>
             </a:fld>
             <a:endParaRPr kumimoji="1" lang="ja-JP" altLang="en-US"/>
           </a:p>
@@ -1988,7 +1992,7 @@
           <a:p>
             <a:fld id="{CDA2332C-A173-4004-AB01-9BE118A92616}" type="datetimeFigureOut">
               <a:rPr kumimoji="1" lang="ja-JP" altLang="en-US" smtClean="0"/>
-              <a:t>2021/7/4</a:t>
+              <a:t>2021/7/10</a:t>
             </a:fld>
             <a:endParaRPr kumimoji="1" lang="ja-JP" altLang="en-US"/>
           </a:p>
@@ -2106,7 +2110,7 @@
           <a:p>
             <a:fld id="{CDA2332C-A173-4004-AB01-9BE118A92616}" type="datetimeFigureOut">
               <a:rPr kumimoji="1" lang="ja-JP" altLang="en-US" smtClean="0"/>
-              <a:t>2021/7/4</a:t>
+              <a:t>2021/7/10</a:t>
             </a:fld>
             <a:endParaRPr kumimoji="1" lang="ja-JP" altLang="en-US"/>
           </a:p>
@@ -2201,7 +2205,7 @@
           <a:p>
             <a:fld id="{CDA2332C-A173-4004-AB01-9BE118A92616}" type="datetimeFigureOut">
               <a:rPr kumimoji="1" lang="ja-JP" altLang="en-US" smtClean="0"/>
-              <a:t>2021/7/4</a:t>
+              <a:t>2021/7/10</a:t>
             </a:fld>
             <a:endParaRPr kumimoji="1" lang="ja-JP" altLang="en-US"/>
           </a:p>
@@ -2510,7 +2514,7 @@
           <a:p>
             <a:fld id="{CDA2332C-A173-4004-AB01-9BE118A92616}" type="datetimeFigureOut">
               <a:rPr kumimoji="1" lang="ja-JP" altLang="en-US" smtClean="0"/>
-              <a:t>2021/7/4</a:t>
+              <a:t>2021/7/10</a:t>
             </a:fld>
             <a:endParaRPr kumimoji="1" lang="ja-JP" altLang="en-US"/>
           </a:p>
@@ -2763,7 +2767,7 @@
           <a:p>
             <a:fld id="{CDA2332C-A173-4004-AB01-9BE118A92616}" type="datetimeFigureOut">
               <a:rPr kumimoji="1" lang="ja-JP" altLang="en-US" smtClean="0"/>
-              <a:t>2021/7/4</a:t>
+              <a:t>2021/7/10</a:t>
             </a:fld>
             <a:endParaRPr kumimoji="1" lang="ja-JP" altLang="en-US"/>
           </a:p>
@@ -3008,7 +3012,7 @@
           <a:p>
             <a:fld id="{CDA2332C-A173-4004-AB01-9BE118A92616}" type="datetimeFigureOut">
               <a:rPr kumimoji="1" lang="ja-JP" altLang="en-US" smtClean="0"/>
-              <a:t>2021/7/4</a:t>
+              <a:t>2021/7/10</a:t>
             </a:fld>
             <a:endParaRPr kumimoji="1" lang="ja-JP" altLang="en-US"/>
           </a:p>
@@ -3799,6 +3803,4648 @@
 </p:sld>
 </file>
 
+<file path=ppt/slides/slide2.xml><?xml version="1.0" encoding="utf-8"?>
+<p:sld xmlns:a="http://schemas.openxmlformats.org/drawingml/2006/main" xmlns:r="http://schemas.openxmlformats.org/officeDocument/2006/relationships" xmlns:p="http://schemas.openxmlformats.org/presentationml/2006/main">
+  <p:cSld>
+    <p:spTree>
+      <p:nvGrpSpPr>
+        <p:cNvPr id="1" name=""/>
+        <p:cNvGrpSpPr/>
+        <p:nvPr/>
+      </p:nvGrpSpPr>
+      <p:grpSpPr>
+        <a:xfrm>
+          <a:off x="0" y="0"/>
+          <a:ext cx="0" cy="0"/>
+          <a:chOff x="0" y="0"/>
+          <a:chExt cx="0" cy="0"/>
+        </a:xfrm>
+      </p:grpSpPr>
+      <p:pic>
+        <p:nvPicPr>
+          <p:cNvPr id="1026" name="Picture 2" descr="https://wiki.anton-paar.com/fileadmin/wiki/images/tribology/Fig_5.jpg"/>
+          <p:cNvPicPr>
+            <a:picLocks noChangeAspect="1" noChangeArrowheads="1"/>
+          </p:cNvPicPr>
+          <p:nvPr/>
+        </p:nvPicPr>
+        <p:blipFill>
+          <a:blip r:embed="rId2">
+            <a:extLst>
+              <a:ext uri="{28A0092B-C50C-407E-A947-70E740481C1C}">
+                <a14:useLocalDpi xmlns:a14="http://schemas.microsoft.com/office/drawing/2010/main" val="0"/>
+              </a:ext>
+            </a:extLst>
+          </a:blip>
+          <a:srcRect/>
+          <a:stretch>
+            <a:fillRect/>
+          </a:stretch>
+        </p:blipFill>
+        <p:spPr bwMode="auto">
+          <a:xfrm>
+            <a:off x="2411724" y="8563"/>
+            <a:ext cx="4320000" cy="3605475"/>
+          </a:xfrm>
+          <a:prstGeom prst="rect">
+            <a:avLst/>
+          </a:prstGeom>
+          <a:noFill/>
+          <a:extLst>
+            <a:ext uri="{909E8E84-426E-40DD-AFC4-6F175D3DCCD1}">
+              <a14:hiddenFill xmlns:a14="http://schemas.microsoft.com/office/drawing/2010/main">
+                <a:solidFill>
+                  <a:srgbClr val="FFFFFF"/>
+                </a:solidFill>
+              </a14:hiddenFill>
+            </a:ext>
+          </a:extLst>
+        </p:spPr>
+      </p:pic>
+      <p:pic>
+        <p:nvPicPr>
+          <p:cNvPr id="1028" name="Picture 4" descr="Friction/Traction Behavior of EHL | SpringerLink"/>
+          <p:cNvPicPr>
+            <a:picLocks noChangeAspect="1" noChangeArrowheads="1"/>
+          </p:cNvPicPr>
+          <p:nvPr/>
+        </p:nvPicPr>
+        <p:blipFill>
+          <a:blip r:embed="rId3">
+            <a:extLst>
+              <a:ext uri="{28A0092B-C50C-407E-A947-70E740481C1C}">
+                <a14:useLocalDpi xmlns:a14="http://schemas.microsoft.com/office/drawing/2010/main" val="0"/>
+              </a:ext>
+            </a:extLst>
+          </a:blip>
+          <a:srcRect/>
+          <a:stretch>
+            <a:fillRect/>
+          </a:stretch>
+        </p:blipFill>
+        <p:spPr bwMode="auto">
+          <a:xfrm>
+            <a:off x="4572000" y="3969069"/>
+            <a:ext cx="4473000" cy="2520000"/>
+          </a:xfrm>
+          <a:prstGeom prst="rect">
+            <a:avLst/>
+          </a:prstGeom>
+          <a:noFill/>
+          <a:extLst>
+            <a:ext uri="{909E8E84-426E-40DD-AFC4-6F175D3DCCD1}">
+              <a14:hiddenFill xmlns:a14="http://schemas.microsoft.com/office/drawing/2010/main">
+                <a:solidFill>
+                  <a:srgbClr val="FFFFFF"/>
+                </a:solidFill>
+              </a14:hiddenFill>
+            </a:ext>
+          </a:extLst>
+        </p:spPr>
+      </p:pic>
+    </p:spTree>
+    <p:extLst>
+      <p:ext uri="{BB962C8B-B14F-4D97-AF65-F5344CB8AC3E}">
+        <p14:creationId xmlns:p14="http://schemas.microsoft.com/office/powerpoint/2010/main" val="3166074999"/>
+      </p:ext>
+    </p:extLst>
+  </p:cSld>
+  <p:clrMapOvr>
+    <a:masterClrMapping/>
+  </p:clrMapOvr>
+</p:sld>
+</file>
+
+<file path=ppt/slides/slide3.xml><?xml version="1.0" encoding="utf-8"?>
+<p:sld xmlns:a="http://schemas.openxmlformats.org/drawingml/2006/main" xmlns:r="http://schemas.openxmlformats.org/officeDocument/2006/relationships" xmlns:p="http://schemas.openxmlformats.org/presentationml/2006/main">
+  <p:cSld>
+    <p:spTree>
+      <p:nvGrpSpPr>
+        <p:cNvPr id="1" name=""/>
+        <p:cNvGrpSpPr/>
+        <p:nvPr/>
+      </p:nvGrpSpPr>
+      <p:grpSpPr>
+        <a:xfrm>
+          <a:off x="0" y="0"/>
+          <a:ext cx="0" cy="0"/>
+          <a:chOff x="0" y="0"/>
+          <a:chExt cx="0" cy="0"/>
+        </a:xfrm>
+      </p:grpSpPr>
+      <p:grpSp>
+        <p:nvGrpSpPr>
+          <p:cNvPr id="36" name="グループ化 35"/>
+          <p:cNvGrpSpPr/>
+          <p:nvPr/>
+        </p:nvGrpSpPr>
+        <p:grpSpPr>
+          <a:xfrm>
+            <a:off x="2051675" y="188586"/>
+            <a:ext cx="5040647" cy="5040645"/>
+            <a:chOff x="1331585" y="188586"/>
+            <a:chExt cx="5040647" cy="5040645"/>
+          </a:xfrm>
+        </p:grpSpPr>
+        <p:grpSp>
+          <p:nvGrpSpPr>
+            <p:cNvPr id="7" name="グループ化 6"/>
+            <p:cNvGrpSpPr/>
+            <p:nvPr/>
+          </p:nvGrpSpPr>
+          <p:grpSpPr>
+            <a:xfrm>
+              <a:off x="1331585" y="188586"/>
+              <a:ext cx="3600462" cy="5040645"/>
+              <a:chOff x="1331585" y="188586"/>
+              <a:chExt cx="3600462" cy="5040645"/>
+            </a:xfrm>
+          </p:grpSpPr>
+          <p:sp>
+            <p:nvSpPr>
+              <p:cNvPr id="3" name="円弧 2"/>
+              <p:cNvSpPr/>
+              <p:nvPr/>
+            </p:nvSpPr>
+            <p:spPr>
+              <a:xfrm>
+                <a:off x="1331585" y="1628770"/>
+                <a:ext cx="3600461" cy="3600461"/>
+              </a:xfrm>
+              <a:prstGeom prst="arc">
+                <a:avLst>
+                  <a:gd name="adj1" fmla="val 17937390"/>
+                  <a:gd name="adj2" fmla="val 20207625"/>
+                </a:avLst>
+              </a:prstGeom>
+              <a:ln w="38100">
+                <a:solidFill>
+                  <a:schemeClr val="tx1"/>
+                </a:solidFill>
+              </a:ln>
+            </p:spPr>
+            <p:style>
+              <a:lnRef idx="1">
+                <a:schemeClr val="accent1"/>
+              </a:lnRef>
+              <a:fillRef idx="0">
+                <a:schemeClr val="accent1"/>
+              </a:fillRef>
+              <a:effectRef idx="0">
+                <a:schemeClr val="accent1"/>
+              </a:effectRef>
+              <a:fontRef idx="minor">
+                <a:schemeClr val="tx1"/>
+              </a:fontRef>
+            </p:style>
+            <p:txBody>
+              <a:bodyPr rtlCol="0" anchor="ctr"/>
+              <a:lstStyle/>
+              <a:p>
+                <a:pPr algn="ctr"/>
+                <a:endParaRPr kumimoji="1" lang="ja-JP" altLang="en-US"/>
+              </a:p>
+            </p:txBody>
+          </p:sp>
+          <p:sp>
+            <p:nvSpPr>
+              <p:cNvPr id="4" name="円弧 3"/>
+              <p:cNvSpPr/>
+              <p:nvPr/>
+            </p:nvSpPr>
+            <p:spPr>
+              <a:xfrm flipV="1">
+                <a:off x="1331586" y="188586"/>
+                <a:ext cx="3600461" cy="3600461"/>
+              </a:xfrm>
+              <a:prstGeom prst="arc">
+                <a:avLst>
+                  <a:gd name="adj1" fmla="val 17941978"/>
+                  <a:gd name="adj2" fmla="val 20207625"/>
+                </a:avLst>
+              </a:prstGeom>
+              <a:ln w="38100">
+                <a:solidFill>
+                  <a:schemeClr val="tx1"/>
+                </a:solidFill>
+              </a:ln>
+            </p:spPr>
+            <p:style>
+              <a:lnRef idx="1">
+                <a:schemeClr val="accent1"/>
+              </a:lnRef>
+              <a:fillRef idx="0">
+                <a:schemeClr val="accent1"/>
+              </a:fillRef>
+              <a:effectRef idx="0">
+                <a:schemeClr val="accent1"/>
+              </a:effectRef>
+              <a:fontRef idx="minor">
+                <a:schemeClr val="tx1"/>
+              </a:fontRef>
+            </p:style>
+            <p:txBody>
+              <a:bodyPr rtlCol="0" anchor="ctr"/>
+              <a:lstStyle/>
+              <a:p>
+                <a:pPr algn="ctr"/>
+                <a:endParaRPr kumimoji="1" lang="ja-JP" altLang="en-US"/>
+              </a:p>
+            </p:txBody>
+          </p:sp>
+        </p:grpSp>
+        <p:grpSp>
+          <p:nvGrpSpPr>
+            <p:cNvPr id="8" name="グループ化 7"/>
+            <p:cNvGrpSpPr/>
+            <p:nvPr/>
+          </p:nvGrpSpPr>
+          <p:grpSpPr>
+            <a:xfrm flipH="1">
+              <a:off x="2771770" y="188586"/>
+              <a:ext cx="3600462" cy="5040645"/>
+              <a:chOff x="1331585" y="188586"/>
+              <a:chExt cx="3600462" cy="5040645"/>
+            </a:xfrm>
+          </p:grpSpPr>
+          <p:sp>
+            <p:nvSpPr>
+              <p:cNvPr id="9" name="円弧 8"/>
+              <p:cNvSpPr/>
+              <p:nvPr/>
+            </p:nvSpPr>
+            <p:spPr>
+              <a:xfrm>
+                <a:off x="1331585" y="1628770"/>
+                <a:ext cx="3600461" cy="3600461"/>
+              </a:xfrm>
+              <a:prstGeom prst="arc">
+                <a:avLst>
+                  <a:gd name="adj1" fmla="val 17937390"/>
+                  <a:gd name="adj2" fmla="val 20207625"/>
+                </a:avLst>
+              </a:prstGeom>
+              <a:ln w="38100">
+                <a:solidFill>
+                  <a:schemeClr val="tx1"/>
+                </a:solidFill>
+              </a:ln>
+            </p:spPr>
+            <p:style>
+              <a:lnRef idx="1">
+                <a:schemeClr val="accent1"/>
+              </a:lnRef>
+              <a:fillRef idx="0">
+                <a:schemeClr val="accent1"/>
+              </a:fillRef>
+              <a:effectRef idx="0">
+                <a:schemeClr val="accent1"/>
+              </a:effectRef>
+              <a:fontRef idx="minor">
+                <a:schemeClr val="tx1"/>
+              </a:fontRef>
+            </p:style>
+            <p:txBody>
+              <a:bodyPr rtlCol="0" anchor="ctr"/>
+              <a:lstStyle/>
+              <a:p>
+                <a:pPr algn="ctr"/>
+                <a:endParaRPr kumimoji="1" lang="ja-JP" altLang="en-US"/>
+              </a:p>
+            </p:txBody>
+          </p:sp>
+          <p:sp>
+            <p:nvSpPr>
+              <p:cNvPr id="10" name="円弧 9"/>
+              <p:cNvSpPr/>
+              <p:nvPr/>
+            </p:nvSpPr>
+            <p:spPr>
+              <a:xfrm flipV="1">
+                <a:off x="1331586" y="188586"/>
+                <a:ext cx="3600461" cy="3600461"/>
+              </a:xfrm>
+              <a:prstGeom prst="arc">
+                <a:avLst>
+                  <a:gd name="adj1" fmla="val 17941978"/>
+                  <a:gd name="adj2" fmla="val 20207625"/>
+                </a:avLst>
+              </a:prstGeom>
+              <a:ln w="38100">
+                <a:solidFill>
+                  <a:schemeClr val="tx1"/>
+                </a:solidFill>
+              </a:ln>
+            </p:spPr>
+            <p:style>
+              <a:lnRef idx="1">
+                <a:schemeClr val="accent1"/>
+              </a:lnRef>
+              <a:fillRef idx="0">
+                <a:schemeClr val="accent1"/>
+              </a:fillRef>
+              <a:effectRef idx="0">
+                <a:schemeClr val="accent1"/>
+              </a:effectRef>
+              <a:fontRef idx="minor">
+                <a:schemeClr val="tx1"/>
+              </a:fontRef>
+            </p:style>
+            <p:txBody>
+              <a:bodyPr rtlCol="0" anchor="ctr"/>
+              <a:lstStyle/>
+              <a:p>
+                <a:pPr algn="ctr"/>
+                <a:endParaRPr kumimoji="1" lang="ja-JP" altLang="en-US"/>
+              </a:p>
+            </p:txBody>
+          </p:sp>
+        </p:grpSp>
+        <p:cxnSp>
+          <p:nvCxnSpPr>
+            <p:cNvPr id="12" name="直線矢印コネクタ 11"/>
+            <p:cNvCxnSpPr>
+              <a:stCxn id="2" idx="1"/>
+            </p:cNvCxnSpPr>
+            <p:nvPr/>
+          </p:nvCxnSpPr>
+          <p:spPr>
+            <a:xfrm>
+              <a:off x="3342726" y="2199726"/>
+              <a:ext cx="329159" cy="329159"/>
+            </a:xfrm>
+            <a:prstGeom prst="straightConnector1">
+              <a:avLst/>
+            </a:prstGeom>
+            <a:ln w="38100">
+              <a:solidFill>
+                <a:srgbClr val="FF0000"/>
+              </a:solidFill>
+              <a:headEnd type="none" w="med" len="med"/>
+              <a:tailEnd type="triangle" w="med" len="med"/>
+            </a:ln>
+          </p:spPr>
+          <p:style>
+            <a:lnRef idx="1">
+              <a:schemeClr val="accent1"/>
+            </a:lnRef>
+            <a:fillRef idx="0">
+              <a:schemeClr val="accent1"/>
+            </a:fillRef>
+            <a:effectRef idx="0">
+              <a:schemeClr val="accent1"/>
+            </a:effectRef>
+            <a:fontRef idx="minor">
+              <a:schemeClr val="tx1"/>
+            </a:fontRef>
+          </p:style>
+        </p:cxnSp>
+        <p:cxnSp>
+          <p:nvCxnSpPr>
+            <p:cNvPr id="23" name="直線矢印コネクタ 22"/>
+            <p:cNvCxnSpPr>
+              <a:stCxn id="2" idx="5"/>
+            </p:cNvCxnSpPr>
+            <p:nvPr/>
+          </p:nvCxnSpPr>
+          <p:spPr>
+            <a:xfrm flipH="1" flipV="1">
+              <a:off x="4031931" y="2888931"/>
+              <a:ext cx="329159" cy="329159"/>
+            </a:xfrm>
+            <a:prstGeom prst="straightConnector1">
+              <a:avLst/>
+            </a:prstGeom>
+            <a:ln w="38100">
+              <a:solidFill>
+                <a:srgbClr val="FF0000"/>
+              </a:solidFill>
+              <a:headEnd type="none" w="med" len="med"/>
+              <a:tailEnd type="triangle" w="med" len="med"/>
+            </a:ln>
+          </p:spPr>
+          <p:style>
+            <a:lnRef idx="1">
+              <a:schemeClr val="accent1"/>
+            </a:lnRef>
+            <a:fillRef idx="0">
+              <a:schemeClr val="accent1"/>
+            </a:fillRef>
+            <a:effectRef idx="0">
+              <a:schemeClr val="accent1"/>
+            </a:effectRef>
+            <a:fontRef idx="minor">
+              <a:schemeClr val="tx1"/>
+            </a:fontRef>
+          </p:style>
+        </p:cxnSp>
+        <p:sp>
+          <p:nvSpPr>
+            <p:cNvPr id="2" name="円/楕円 1"/>
+            <p:cNvSpPr/>
+            <p:nvPr/>
+          </p:nvSpPr>
+          <p:spPr>
+            <a:xfrm>
+              <a:off x="3131816" y="1988816"/>
+              <a:ext cx="1440184" cy="1440184"/>
+            </a:xfrm>
+            <a:prstGeom prst="ellipse">
+              <a:avLst/>
+            </a:prstGeom>
+            <a:noFill/>
+            <a:ln>
+              <a:solidFill>
+                <a:schemeClr val="bg1">
+                  <a:lumMod val="50000"/>
+                </a:schemeClr>
+              </a:solidFill>
+            </a:ln>
+          </p:spPr>
+          <p:style>
+            <a:lnRef idx="2">
+              <a:schemeClr val="accent1">
+                <a:shade val="50000"/>
+              </a:schemeClr>
+            </a:lnRef>
+            <a:fillRef idx="1">
+              <a:schemeClr val="accent1"/>
+            </a:fillRef>
+            <a:effectRef idx="0">
+              <a:schemeClr val="accent1"/>
+            </a:effectRef>
+            <a:fontRef idx="minor">
+              <a:schemeClr val="lt1"/>
+            </a:fontRef>
+          </p:style>
+          <p:txBody>
+            <a:bodyPr rtlCol="0" anchor="ctr"/>
+            <a:lstStyle/>
+            <a:p>
+              <a:pPr algn="ctr"/>
+              <a:endParaRPr kumimoji="1" lang="ja-JP" altLang="en-US"/>
+            </a:p>
+          </p:txBody>
+        </p:sp>
+        <p:cxnSp>
+          <p:nvCxnSpPr>
+            <p:cNvPr id="28" name="直線矢印コネクタ 27"/>
+            <p:cNvCxnSpPr/>
+            <p:nvPr/>
+          </p:nvCxnSpPr>
+          <p:spPr>
+            <a:xfrm>
+              <a:off x="4211954" y="3779714"/>
+              <a:ext cx="360046" cy="0"/>
+            </a:xfrm>
+            <a:prstGeom prst="straightConnector1">
+              <a:avLst/>
+            </a:prstGeom>
+            <a:ln w="38100">
+              <a:solidFill>
+                <a:srgbClr val="FF0000"/>
+              </a:solidFill>
+              <a:headEnd type="none" w="med" len="med"/>
+              <a:tailEnd type="triangle" w="med" len="med"/>
+            </a:ln>
+          </p:spPr>
+          <p:style>
+            <a:lnRef idx="1">
+              <a:schemeClr val="accent1"/>
+            </a:lnRef>
+            <a:fillRef idx="0">
+              <a:schemeClr val="accent1"/>
+            </a:fillRef>
+            <a:effectRef idx="0">
+              <a:schemeClr val="accent1"/>
+            </a:effectRef>
+            <a:fontRef idx="minor">
+              <a:schemeClr val="tx1"/>
+            </a:fontRef>
+          </p:style>
+        </p:cxnSp>
+        <p:sp>
+          <p:nvSpPr>
+            <p:cNvPr id="30" name="テキスト ボックス 29"/>
+            <p:cNvSpPr txBox="1"/>
+            <p:nvPr/>
+          </p:nvSpPr>
+          <p:spPr>
+            <a:xfrm>
+              <a:off x="4572000" y="3599691"/>
+              <a:ext cx="992579" cy="360000"/>
+            </a:xfrm>
+            <a:prstGeom prst="rect">
+              <a:avLst/>
+            </a:prstGeom>
+            <a:noFill/>
+          </p:spPr>
+          <p:txBody>
+            <a:bodyPr wrap="none" rtlCol="0">
+              <a:spAutoFit/>
+            </a:bodyPr>
+            <a:lstStyle/>
+            <a:p>
+              <a:r>
+                <a:rPr kumimoji="1" lang="en-US" altLang="ja-JP" i="1" dirty="0" err="1" smtClean="0">
+                  <a:latin typeface="Times New Roman" panose="02020603050405020304" pitchFamily="18" charset="0"/>
+                  <a:cs typeface="Times New Roman" panose="02020603050405020304" pitchFamily="18" charset="0"/>
+                </a:rPr>
+                <a:t>Hertzian</a:t>
+              </a:r>
+              <a:endParaRPr kumimoji="1" lang="ja-JP" altLang="en-US" i="1" dirty="0">
+                <a:latin typeface="Times New Roman" panose="02020603050405020304" pitchFamily="18" charset="0"/>
+                <a:cs typeface="Times New Roman" panose="02020603050405020304" pitchFamily="18" charset="0"/>
+              </a:endParaRPr>
+            </a:p>
+          </p:txBody>
+        </p:sp>
+        <p:cxnSp>
+          <p:nvCxnSpPr>
+            <p:cNvPr id="31" name="直線矢印コネクタ 30"/>
+            <p:cNvCxnSpPr/>
+            <p:nvPr/>
+          </p:nvCxnSpPr>
+          <p:spPr>
+            <a:xfrm>
+              <a:off x="4211954" y="4139806"/>
+              <a:ext cx="360046" cy="0"/>
+            </a:xfrm>
+            <a:prstGeom prst="straightConnector1">
+              <a:avLst/>
+            </a:prstGeom>
+            <a:ln w="38100">
+              <a:solidFill>
+                <a:srgbClr val="0000FF"/>
+              </a:solidFill>
+              <a:headEnd type="none" w="med" len="med"/>
+              <a:tailEnd type="triangle" w="med" len="med"/>
+            </a:ln>
+          </p:spPr>
+          <p:style>
+            <a:lnRef idx="1">
+              <a:schemeClr val="accent1"/>
+            </a:lnRef>
+            <a:fillRef idx="0">
+              <a:schemeClr val="accent1"/>
+            </a:fillRef>
+            <a:effectRef idx="0">
+              <a:schemeClr val="accent1"/>
+            </a:effectRef>
+            <a:fontRef idx="minor">
+              <a:schemeClr val="tx1"/>
+            </a:fontRef>
+          </p:style>
+        </p:cxnSp>
+        <p:sp>
+          <p:nvSpPr>
+            <p:cNvPr id="32" name="テキスト ボックス 31"/>
+            <p:cNvSpPr txBox="1"/>
+            <p:nvPr/>
+          </p:nvSpPr>
+          <p:spPr>
+            <a:xfrm>
+              <a:off x="4572000" y="3959783"/>
+              <a:ext cx="1031051" cy="369332"/>
+            </a:xfrm>
+            <a:prstGeom prst="rect">
+              <a:avLst/>
+            </a:prstGeom>
+            <a:noFill/>
+          </p:spPr>
+          <p:txBody>
+            <a:bodyPr wrap="none" rtlCol="0">
+              <a:spAutoFit/>
+            </a:bodyPr>
+            <a:lstStyle/>
+            <a:p>
+              <a:r>
+                <a:rPr lang="en-US" altLang="ja-JP" i="1" dirty="0" smtClean="0">
+                  <a:latin typeface="Times New Roman" panose="02020603050405020304" pitchFamily="18" charset="0"/>
+                  <a:cs typeface="Times New Roman" panose="02020603050405020304" pitchFamily="18" charset="0"/>
+                </a:rPr>
+                <a:t>Coulomb</a:t>
+              </a:r>
+              <a:endParaRPr kumimoji="1" lang="ja-JP" altLang="en-US" i="1" dirty="0">
+                <a:latin typeface="Times New Roman" panose="02020603050405020304" pitchFamily="18" charset="0"/>
+                <a:cs typeface="Times New Roman" panose="02020603050405020304" pitchFamily="18" charset="0"/>
+              </a:endParaRPr>
+            </a:p>
+          </p:txBody>
+        </p:sp>
+      </p:grpSp>
+      <p:grpSp>
+        <p:nvGrpSpPr>
+          <p:cNvPr id="37" name="グループ化 36"/>
+          <p:cNvGrpSpPr/>
+          <p:nvPr/>
+        </p:nvGrpSpPr>
+        <p:grpSpPr>
+          <a:xfrm>
+            <a:off x="4932044" y="188586"/>
+            <a:ext cx="5040647" cy="5040645"/>
+            <a:chOff x="1331585" y="188586"/>
+            <a:chExt cx="5040647" cy="5040645"/>
+          </a:xfrm>
+        </p:grpSpPr>
+        <p:sp>
+          <p:nvSpPr>
+            <p:cNvPr id="42" name="円/楕円 41"/>
+            <p:cNvSpPr/>
+            <p:nvPr/>
+          </p:nvSpPr>
+          <p:spPr>
+            <a:xfrm>
+              <a:off x="3131816" y="1988816"/>
+              <a:ext cx="1440184" cy="1440184"/>
+            </a:xfrm>
+            <a:prstGeom prst="ellipse">
+              <a:avLst/>
+            </a:prstGeom>
+            <a:noFill/>
+            <a:ln>
+              <a:solidFill>
+                <a:schemeClr val="bg1">
+                  <a:lumMod val="50000"/>
+                </a:schemeClr>
+              </a:solidFill>
+            </a:ln>
+          </p:spPr>
+          <p:style>
+            <a:lnRef idx="2">
+              <a:schemeClr val="accent1">
+                <a:shade val="50000"/>
+              </a:schemeClr>
+            </a:lnRef>
+            <a:fillRef idx="1">
+              <a:schemeClr val="accent1"/>
+            </a:fillRef>
+            <a:effectRef idx="0">
+              <a:schemeClr val="accent1"/>
+            </a:effectRef>
+            <a:fontRef idx="minor">
+              <a:schemeClr val="lt1"/>
+            </a:fontRef>
+          </p:style>
+          <p:txBody>
+            <a:bodyPr rtlCol="0" anchor="ctr"/>
+            <a:lstStyle/>
+            <a:p>
+              <a:pPr algn="ctr"/>
+              <a:endParaRPr kumimoji="1" lang="ja-JP" altLang="en-US"/>
+            </a:p>
+          </p:txBody>
+        </p:sp>
+        <p:grpSp>
+          <p:nvGrpSpPr>
+            <p:cNvPr id="38" name="グループ化 37"/>
+            <p:cNvGrpSpPr/>
+            <p:nvPr/>
+          </p:nvGrpSpPr>
+          <p:grpSpPr>
+            <a:xfrm>
+              <a:off x="1331585" y="188586"/>
+              <a:ext cx="3600462" cy="5040645"/>
+              <a:chOff x="1331585" y="188586"/>
+              <a:chExt cx="3600462" cy="5040645"/>
+            </a:xfrm>
+          </p:grpSpPr>
+          <p:sp>
+            <p:nvSpPr>
+              <p:cNvPr id="54" name="円弧 53"/>
+              <p:cNvSpPr/>
+              <p:nvPr/>
+            </p:nvSpPr>
+            <p:spPr>
+              <a:xfrm>
+                <a:off x="1331585" y="1628770"/>
+                <a:ext cx="3600461" cy="3600461"/>
+              </a:xfrm>
+              <a:prstGeom prst="arc">
+                <a:avLst>
+                  <a:gd name="adj1" fmla="val 17937390"/>
+                  <a:gd name="adj2" fmla="val 20207625"/>
+                </a:avLst>
+              </a:prstGeom>
+              <a:ln w="38100">
+                <a:solidFill>
+                  <a:schemeClr val="tx1"/>
+                </a:solidFill>
+              </a:ln>
+            </p:spPr>
+            <p:style>
+              <a:lnRef idx="1">
+                <a:schemeClr val="accent1"/>
+              </a:lnRef>
+              <a:fillRef idx="0">
+                <a:schemeClr val="accent1"/>
+              </a:fillRef>
+              <a:effectRef idx="0">
+                <a:schemeClr val="accent1"/>
+              </a:effectRef>
+              <a:fontRef idx="minor">
+                <a:schemeClr val="tx1"/>
+              </a:fontRef>
+            </p:style>
+            <p:txBody>
+              <a:bodyPr rtlCol="0" anchor="ctr"/>
+              <a:lstStyle/>
+              <a:p>
+                <a:pPr algn="ctr"/>
+                <a:endParaRPr kumimoji="1" lang="ja-JP" altLang="en-US"/>
+              </a:p>
+            </p:txBody>
+          </p:sp>
+          <p:sp>
+            <p:nvSpPr>
+              <p:cNvPr id="55" name="円弧 54"/>
+              <p:cNvSpPr/>
+              <p:nvPr/>
+            </p:nvSpPr>
+            <p:spPr>
+              <a:xfrm flipV="1">
+                <a:off x="1331586" y="188586"/>
+                <a:ext cx="3600461" cy="3600461"/>
+              </a:xfrm>
+              <a:prstGeom prst="arc">
+                <a:avLst>
+                  <a:gd name="adj1" fmla="val 17941978"/>
+                  <a:gd name="adj2" fmla="val 20207625"/>
+                </a:avLst>
+              </a:prstGeom>
+              <a:ln w="38100">
+                <a:solidFill>
+                  <a:schemeClr val="tx1"/>
+                </a:solidFill>
+              </a:ln>
+            </p:spPr>
+            <p:style>
+              <a:lnRef idx="1">
+                <a:schemeClr val="accent1"/>
+              </a:lnRef>
+              <a:fillRef idx="0">
+                <a:schemeClr val="accent1"/>
+              </a:fillRef>
+              <a:effectRef idx="0">
+                <a:schemeClr val="accent1"/>
+              </a:effectRef>
+              <a:fontRef idx="minor">
+                <a:schemeClr val="tx1"/>
+              </a:fontRef>
+            </p:style>
+            <p:txBody>
+              <a:bodyPr rtlCol="0" anchor="ctr"/>
+              <a:lstStyle/>
+              <a:p>
+                <a:pPr algn="ctr"/>
+                <a:endParaRPr kumimoji="1" lang="ja-JP" altLang="en-US"/>
+              </a:p>
+            </p:txBody>
+          </p:sp>
+        </p:grpSp>
+        <p:grpSp>
+          <p:nvGrpSpPr>
+            <p:cNvPr id="39" name="グループ化 38"/>
+            <p:cNvGrpSpPr/>
+            <p:nvPr/>
+          </p:nvGrpSpPr>
+          <p:grpSpPr>
+            <a:xfrm flipH="1">
+              <a:off x="2771770" y="188586"/>
+              <a:ext cx="3600462" cy="5040645"/>
+              <a:chOff x="1331585" y="188586"/>
+              <a:chExt cx="3600462" cy="5040645"/>
+            </a:xfrm>
+          </p:grpSpPr>
+          <p:sp>
+            <p:nvSpPr>
+              <p:cNvPr id="52" name="円弧 51"/>
+              <p:cNvSpPr/>
+              <p:nvPr/>
+            </p:nvSpPr>
+            <p:spPr>
+              <a:xfrm>
+                <a:off x="1331585" y="1628770"/>
+                <a:ext cx="3600461" cy="3600461"/>
+              </a:xfrm>
+              <a:prstGeom prst="arc">
+                <a:avLst>
+                  <a:gd name="adj1" fmla="val 17937390"/>
+                  <a:gd name="adj2" fmla="val 20207625"/>
+                </a:avLst>
+              </a:prstGeom>
+              <a:ln w="38100">
+                <a:solidFill>
+                  <a:schemeClr val="tx1"/>
+                </a:solidFill>
+              </a:ln>
+            </p:spPr>
+            <p:style>
+              <a:lnRef idx="1">
+                <a:schemeClr val="accent1"/>
+              </a:lnRef>
+              <a:fillRef idx="0">
+                <a:schemeClr val="accent1"/>
+              </a:fillRef>
+              <a:effectRef idx="0">
+                <a:schemeClr val="accent1"/>
+              </a:effectRef>
+              <a:fontRef idx="minor">
+                <a:schemeClr val="tx1"/>
+              </a:fontRef>
+            </p:style>
+            <p:txBody>
+              <a:bodyPr rtlCol="0" anchor="ctr"/>
+              <a:lstStyle/>
+              <a:p>
+                <a:pPr algn="ctr"/>
+                <a:endParaRPr kumimoji="1" lang="ja-JP" altLang="en-US"/>
+              </a:p>
+            </p:txBody>
+          </p:sp>
+          <p:sp>
+            <p:nvSpPr>
+              <p:cNvPr id="53" name="円弧 52"/>
+              <p:cNvSpPr/>
+              <p:nvPr/>
+            </p:nvSpPr>
+            <p:spPr>
+              <a:xfrm flipV="1">
+                <a:off x="1331586" y="188586"/>
+                <a:ext cx="3600461" cy="3600461"/>
+              </a:xfrm>
+              <a:prstGeom prst="arc">
+                <a:avLst>
+                  <a:gd name="adj1" fmla="val 17941978"/>
+                  <a:gd name="adj2" fmla="val 20207625"/>
+                </a:avLst>
+              </a:prstGeom>
+              <a:ln w="38100">
+                <a:solidFill>
+                  <a:schemeClr val="tx1"/>
+                </a:solidFill>
+              </a:ln>
+            </p:spPr>
+            <p:style>
+              <a:lnRef idx="1">
+                <a:schemeClr val="accent1"/>
+              </a:lnRef>
+              <a:fillRef idx="0">
+                <a:schemeClr val="accent1"/>
+              </a:fillRef>
+              <a:effectRef idx="0">
+                <a:schemeClr val="accent1"/>
+              </a:effectRef>
+              <a:fontRef idx="minor">
+                <a:schemeClr val="tx1"/>
+              </a:fontRef>
+            </p:style>
+            <p:txBody>
+              <a:bodyPr rtlCol="0" anchor="ctr"/>
+              <a:lstStyle/>
+              <a:p>
+                <a:pPr algn="ctr"/>
+                <a:endParaRPr kumimoji="1" lang="ja-JP" altLang="en-US"/>
+              </a:p>
+            </p:txBody>
+          </p:sp>
+        </p:grpSp>
+        <p:grpSp>
+          <p:nvGrpSpPr>
+            <p:cNvPr id="40" name="グループ化 39"/>
+            <p:cNvGrpSpPr/>
+            <p:nvPr/>
+          </p:nvGrpSpPr>
+          <p:grpSpPr>
+            <a:xfrm>
+              <a:off x="3342725" y="1988816"/>
+              <a:ext cx="329160" cy="540069"/>
+              <a:chOff x="3342725" y="1988816"/>
+              <a:chExt cx="329160" cy="540069"/>
+            </a:xfrm>
+          </p:grpSpPr>
+          <p:cxnSp>
+            <p:nvCxnSpPr>
+              <p:cNvPr id="50" name="直線矢印コネクタ 49"/>
+              <p:cNvCxnSpPr>
+                <a:stCxn id="42" idx="1"/>
+              </p:cNvCxnSpPr>
+              <p:nvPr/>
+            </p:nvCxnSpPr>
+            <p:spPr>
+              <a:xfrm>
+                <a:off x="3342726" y="2199726"/>
+                <a:ext cx="329159" cy="329159"/>
+              </a:xfrm>
+              <a:prstGeom prst="straightConnector1">
+                <a:avLst/>
+              </a:prstGeom>
+              <a:ln w="38100">
+                <a:solidFill>
+                  <a:srgbClr val="FF0000"/>
+                </a:solidFill>
+                <a:headEnd type="none" w="med" len="med"/>
+                <a:tailEnd type="triangle" w="med" len="med"/>
+              </a:ln>
+            </p:spPr>
+            <p:style>
+              <a:lnRef idx="1">
+                <a:schemeClr val="accent1"/>
+              </a:lnRef>
+              <a:fillRef idx="0">
+                <a:schemeClr val="accent1"/>
+              </a:fillRef>
+              <a:effectRef idx="0">
+                <a:schemeClr val="accent1"/>
+              </a:effectRef>
+              <a:fontRef idx="minor">
+                <a:schemeClr val="tx1"/>
+              </a:fontRef>
+            </p:style>
+          </p:cxnSp>
+          <p:cxnSp>
+            <p:nvCxnSpPr>
+              <p:cNvPr id="51" name="直線矢印コネクタ 50"/>
+              <p:cNvCxnSpPr>
+                <a:stCxn id="42" idx="1"/>
+              </p:cNvCxnSpPr>
+              <p:nvPr/>
+            </p:nvCxnSpPr>
+            <p:spPr>
+              <a:xfrm flipV="1">
+                <a:off x="3342725" y="1988816"/>
+                <a:ext cx="216000" cy="216000"/>
+              </a:xfrm>
+              <a:prstGeom prst="straightConnector1">
+                <a:avLst/>
+              </a:prstGeom>
+              <a:ln w="38100">
+                <a:solidFill>
+                  <a:srgbClr val="0000FF"/>
+                </a:solidFill>
+                <a:headEnd type="none" w="med" len="med"/>
+                <a:tailEnd type="triangle" w="med" len="med"/>
+              </a:ln>
+            </p:spPr>
+            <p:style>
+              <a:lnRef idx="1">
+                <a:schemeClr val="accent1"/>
+              </a:lnRef>
+              <a:fillRef idx="0">
+                <a:schemeClr val="accent1"/>
+              </a:fillRef>
+              <a:effectRef idx="0">
+                <a:schemeClr val="accent1"/>
+              </a:effectRef>
+              <a:fontRef idx="minor">
+                <a:schemeClr val="tx1"/>
+              </a:fontRef>
+            </p:style>
+          </p:cxnSp>
+        </p:grpSp>
+        <p:grpSp>
+          <p:nvGrpSpPr>
+            <p:cNvPr id="41" name="グループ化 40"/>
+            <p:cNvGrpSpPr/>
+            <p:nvPr/>
+          </p:nvGrpSpPr>
+          <p:grpSpPr>
+            <a:xfrm flipH="1" flipV="1">
+              <a:off x="4031931" y="2888931"/>
+              <a:ext cx="545159" cy="329159"/>
+              <a:chOff x="3075306" y="2034307"/>
+              <a:chExt cx="545159" cy="329159"/>
+            </a:xfrm>
+          </p:grpSpPr>
+          <p:cxnSp>
+            <p:nvCxnSpPr>
+              <p:cNvPr id="48" name="直線矢印コネクタ 47"/>
+              <p:cNvCxnSpPr>
+                <a:stCxn id="42" idx="5"/>
+              </p:cNvCxnSpPr>
+              <p:nvPr/>
+            </p:nvCxnSpPr>
+            <p:spPr>
+              <a:xfrm>
+                <a:off x="3291306" y="2034307"/>
+                <a:ext cx="329159" cy="329159"/>
+              </a:xfrm>
+              <a:prstGeom prst="straightConnector1">
+                <a:avLst/>
+              </a:prstGeom>
+              <a:ln w="38100">
+                <a:solidFill>
+                  <a:srgbClr val="FF0000"/>
+                </a:solidFill>
+                <a:headEnd type="none" w="med" len="med"/>
+                <a:tailEnd type="triangle" w="med" len="med"/>
+              </a:ln>
+            </p:spPr>
+            <p:style>
+              <a:lnRef idx="1">
+                <a:schemeClr val="accent1"/>
+              </a:lnRef>
+              <a:fillRef idx="0">
+                <a:schemeClr val="accent1"/>
+              </a:fillRef>
+              <a:effectRef idx="0">
+                <a:schemeClr val="accent1"/>
+              </a:effectRef>
+              <a:fontRef idx="minor">
+                <a:schemeClr val="tx1"/>
+              </a:fontRef>
+            </p:style>
+          </p:cxnSp>
+          <p:cxnSp>
+            <p:nvCxnSpPr>
+              <p:cNvPr id="49" name="直線矢印コネクタ 48"/>
+              <p:cNvCxnSpPr/>
+              <p:nvPr/>
+            </p:nvCxnSpPr>
+            <p:spPr>
+              <a:xfrm flipH="1">
+                <a:off x="3075306" y="2034307"/>
+                <a:ext cx="216000" cy="216000"/>
+              </a:xfrm>
+              <a:prstGeom prst="straightConnector1">
+                <a:avLst/>
+              </a:prstGeom>
+              <a:ln w="38100">
+                <a:solidFill>
+                  <a:srgbClr val="0000FF"/>
+                </a:solidFill>
+                <a:headEnd type="none" w="med" len="med"/>
+                <a:tailEnd type="triangle" w="med" len="med"/>
+              </a:ln>
+            </p:spPr>
+            <p:style>
+              <a:lnRef idx="1">
+                <a:schemeClr val="accent1"/>
+              </a:lnRef>
+              <a:fillRef idx="0">
+                <a:schemeClr val="accent1"/>
+              </a:fillRef>
+              <a:effectRef idx="0">
+                <a:schemeClr val="accent1"/>
+              </a:effectRef>
+              <a:fontRef idx="minor">
+                <a:schemeClr val="tx1"/>
+              </a:fontRef>
+            </p:style>
+          </p:cxnSp>
+        </p:grpSp>
+        <p:cxnSp>
+          <p:nvCxnSpPr>
+            <p:cNvPr id="47" name="直線矢印コネクタ 46"/>
+            <p:cNvCxnSpPr>
+              <a:stCxn id="42" idx="7"/>
+            </p:cNvCxnSpPr>
+            <p:nvPr/>
+          </p:nvCxnSpPr>
+          <p:spPr>
+            <a:xfrm flipH="1">
+              <a:off x="4031931" y="2199726"/>
+              <a:ext cx="329159" cy="329159"/>
+            </a:xfrm>
+            <a:prstGeom prst="straightConnector1">
+              <a:avLst/>
+            </a:prstGeom>
+            <a:ln w="38100">
+              <a:solidFill>
+                <a:srgbClr val="FF0000"/>
+              </a:solidFill>
+              <a:headEnd type="none" w="med" len="med"/>
+              <a:tailEnd type="triangle" w="med" len="med"/>
+            </a:ln>
+          </p:spPr>
+          <p:style>
+            <a:lnRef idx="1">
+              <a:schemeClr val="accent1"/>
+            </a:lnRef>
+            <a:fillRef idx="0">
+              <a:schemeClr val="accent1"/>
+            </a:fillRef>
+            <a:effectRef idx="0">
+              <a:schemeClr val="accent1"/>
+            </a:effectRef>
+            <a:fontRef idx="minor">
+              <a:schemeClr val="tx1"/>
+            </a:fontRef>
+          </p:style>
+        </p:cxnSp>
+      </p:grpSp>
+      <p:grpSp>
+        <p:nvGrpSpPr>
+          <p:cNvPr id="59" name="グループ化 58"/>
+          <p:cNvGrpSpPr/>
+          <p:nvPr/>
+        </p:nvGrpSpPr>
+        <p:grpSpPr>
+          <a:xfrm>
+            <a:off x="6552253" y="1628816"/>
+            <a:ext cx="360000" cy="360000"/>
+            <a:chOff x="6552253" y="545180"/>
+            <a:chExt cx="360000" cy="360000"/>
+          </a:xfrm>
+        </p:grpSpPr>
+        <p:sp>
+          <p:nvSpPr>
+            <p:cNvPr id="57" name="円/楕円 56"/>
+            <p:cNvSpPr/>
+            <p:nvPr/>
+          </p:nvSpPr>
+          <p:spPr>
+            <a:xfrm>
+              <a:off x="6552253" y="545180"/>
+              <a:ext cx="360000" cy="360000"/>
+            </a:xfrm>
+            <a:prstGeom prst="ellipse">
+              <a:avLst/>
+            </a:prstGeom>
+          </p:spPr>
+          <p:style>
+            <a:lnRef idx="2">
+              <a:schemeClr val="dk1"/>
+            </a:lnRef>
+            <a:fillRef idx="1">
+              <a:schemeClr val="lt1"/>
+            </a:fillRef>
+            <a:effectRef idx="0">
+              <a:schemeClr val="dk1"/>
+            </a:effectRef>
+            <a:fontRef idx="minor">
+              <a:schemeClr val="dk1"/>
+            </a:fontRef>
+          </p:style>
+          <p:txBody>
+            <a:bodyPr rtlCol="0" anchor="ctr"/>
+            <a:lstStyle/>
+            <a:p>
+              <a:pPr algn="ctr"/>
+              <a:endParaRPr kumimoji="1" lang="ja-JP" altLang="en-US"/>
+            </a:p>
+          </p:txBody>
+        </p:sp>
+        <p:sp>
+          <p:nvSpPr>
+            <p:cNvPr id="58" name="円/楕円 57"/>
+            <p:cNvSpPr/>
+            <p:nvPr/>
+          </p:nvSpPr>
+          <p:spPr>
+            <a:xfrm>
+              <a:off x="6660275" y="653180"/>
+              <a:ext cx="144000" cy="144000"/>
+            </a:xfrm>
+            <a:prstGeom prst="ellipse">
+              <a:avLst/>
+            </a:prstGeom>
+            <a:solidFill>
+              <a:schemeClr val="tx1"/>
+            </a:solidFill>
+          </p:spPr>
+          <p:style>
+            <a:lnRef idx="2">
+              <a:schemeClr val="dk1"/>
+            </a:lnRef>
+            <a:fillRef idx="1">
+              <a:schemeClr val="lt1"/>
+            </a:fillRef>
+            <a:effectRef idx="0">
+              <a:schemeClr val="dk1"/>
+            </a:effectRef>
+            <a:fontRef idx="minor">
+              <a:schemeClr val="dk1"/>
+            </a:fontRef>
+          </p:style>
+          <p:txBody>
+            <a:bodyPr rtlCol="0" anchor="ctr"/>
+            <a:lstStyle/>
+            <a:p>
+              <a:pPr algn="ctr"/>
+              <a:endParaRPr kumimoji="1" lang="ja-JP" altLang="en-US"/>
+            </a:p>
+          </p:txBody>
+        </p:sp>
+      </p:grpSp>
+      <p:grpSp>
+        <p:nvGrpSpPr>
+          <p:cNvPr id="60" name="グループ化 59"/>
+          <p:cNvGrpSpPr/>
+          <p:nvPr/>
+        </p:nvGrpSpPr>
+        <p:grpSpPr>
+          <a:xfrm>
+            <a:off x="-648670" y="188586"/>
+            <a:ext cx="5040647" cy="5040645"/>
+            <a:chOff x="1331585" y="188586"/>
+            <a:chExt cx="5040647" cy="5040645"/>
+          </a:xfrm>
+        </p:grpSpPr>
+        <p:sp>
+          <p:nvSpPr>
+            <p:cNvPr id="61" name="円/楕円 60"/>
+            <p:cNvSpPr/>
+            <p:nvPr/>
+          </p:nvSpPr>
+          <p:spPr>
+            <a:xfrm>
+              <a:off x="3131816" y="1988816"/>
+              <a:ext cx="1440184" cy="1440184"/>
+            </a:xfrm>
+            <a:prstGeom prst="ellipse">
+              <a:avLst/>
+            </a:prstGeom>
+            <a:noFill/>
+            <a:ln>
+              <a:solidFill>
+                <a:schemeClr val="bg1">
+                  <a:lumMod val="50000"/>
+                </a:schemeClr>
+              </a:solidFill>
+            </a:ln>
+          </p:spPr>
+          <p:style>
+            <a:lnRef idx="2">
+              <a:schemeClr val="accent1">
+                <a:shade val="50000"/>
+              </a:schemeClr>
+            </a:lnRef>
+            <a:fillRef idx="1">
+              <a:schemeClr val="accent1"/>
+            </a:fillRef>
+            <a:effectRef idx="0">
+              <a:schemeClr val="accent1"/>
+            </a:effectRef>
+            <a:fontRef idx="minor">
+              <a:schemeClr val="lt1"/>
+            </a:fontRef>
+          </p:style>
+          <p:txBody>
+            <a:bodyPr rtlCol="0" anchor="ctr"/>
+            <a:lstStyle/>
+            <a:p>
+              <a:pPr algn="ctr"/>
+              <a:endParaRPr kumimoji="1" lang="ja-JP" altLang="en-US"/>
+            </a:p>
+          </p:txBody>
+        </p:sp>
+        <p:grpSp>
+          <p:nvGrpSpPr>
+            <p:cNvPr id="62" name="グループ化 61"/>
+            <p:cNvGrpSpPr/>
+            <p:nvPr/>
+          </p:nvGrpSpPr>
+          <p:grpSpPr>
+            <a:xfrm>
+              <a:off x="1331585" y="188586"/>
+              <a:ext cx="3600462" cy="5040645"/>
+              <a:chOff x="1331585" y="188586"/>
+              <a:chExt cx="3600462" cy="5040645"/>
+            </a:xfrm>
+          </p:grpSpPr>
+          <p:sp>
+            <p:nvSpPr>
+              <p:cNvPr id="73" name="円弧 72"/>
+              <p:cNvSpPr/>
+              <p:nvPr/>
+            </p:nvSpPr>
+            <p:spPr>
+              <a:xfrm>
+                <a:off x="1331585" y="1628770"/>
+                <a:ext cx="3600461" cy="3600461"/>
+              </a:xfrm>
+              <a:prstGeom prst="arc">
+                <a:avLst>
+                  <a:gd name="adj1" fmla="val 17937390"/>
+                  <a:gd name="adj2" fmla="val 20207625"/>
+                </a:avLst>
+              </a:prstGeom>
+              <a:ln w="38100">
+                <a:solidFill>
+                  <a:schemeClr val="tx1"/>
+                </a:solidFill>
+              </a:ln>
+            </p:spPr>
+            <p:style>
+              <a:lnRef idx="1">
+                <a:schemeClr val="accent1"/>
+              </a:lnRef>
+              <a:fillRef idx="0">
+                <a:schemeClr val="accent1"/>
+              </a:fillRef>
+              <a:effectRef idx="0">
+                <a:schemeClr val="accent1"/>
+              </a:effectRef>
+              <a:fontRef idx="minor">
+                <a:schemeClr val="tx1"/>
+              </a:fontRef>
+            </p:style>
+            <p:txBody>
+              <a:bodyPr rtlCol="0" anchor="ctr"/>
+              <a:lstStyle/>
+              <a:p>
+                <a:pPr algn="ctr"/>
+                <a:endParaRPr kumimoji="1" lang="ja-JP" altLang="en-US"/>
+              </a:p>
+            </p:txBody>
+          </p:sp>
+          <p:sp>
+            <p:nvSpPr>
+              <p:cNvPr id="74" name="円弧 73"/>
+              <p:cNvSpPr/>
+              <p:nvPr/>
+            </p:nvSpPr>
+            <p:spPr>
+              <a:xfrm flipV="1">
+                <a:off x="1331586" y="188586"/>
+                <a:ext cx="3600461" cy="3600461"/>
+              </a:xfrm>
+              <a:prstGeom prst="arc">
+                <a:avLst>
+                  <a:gd name="adj1" fmla="val 17941978"/>
+                  <a:gd name="adj2" fmla="val 20207625"/>
+                </a:avLst>
+              </a:prstGeom>
+              <a:ln w="38100">
+                <a:solidFill>
+                  <a:schemeClr val="tx1"/>
+                </a:solidFill>
+              </a:ln>
+            </p:spPr>
+            <p:style>
+              <a:lnRef idx="1">
+                <a:schemeClr val="accent1"/>
+              </a:lnRef>
+              <a:fillRef idx="0">
+                <a:schemeClr val="accent1"/>
+              </a:fillRef>
+              <a:effectRef idx="0">
+                <a:schemeClr val="accent1"/>
+              </a:effectRef>
+              <a:fontRef idx="minor">
+                <a:schemeClr val="tx1"/>
+              </a:fontRef>
+            </p:style>
+            <p:txBody>
+              <a:bodyPr rtlCol="0" anchor="ctr"/>
+              <a:lstStyle/>
+              <a:p>
+                <a:pPr algn="ctr"/>
+                <a:endParaRPr kumimoji="1" lang="ja-JP" altLang="en-US"/>
+              </a:p>
+            </p:txBody>
+          </p:sp>
+        </p:grpSp>
+        <p:grpSp>
+          <p:nvGrpSpPr>
+            <p:cNvPr id="63" name="グループ化 62"/>
+            <p:cNvGrpSpPr/>
+            <p:nvPr/>
+          </p:nvGrpSpPr>
+          <p:grpSpPr>
+            <a:xfrm flipH="1">
+              <a:off x="2771770" y="188586"/>
+              <a:ext cx="3600462" cy="5040645"/>
+              <a:chOff x="1331585" y="188586"/>
+              <a:chExt cx="3600462" cy="5040645"/>
+            </a:xfrm>
+          </p:grpSpPr>
+          <p:sp>
+            <p:nvSpPr>
+              <p:cNvPr id="71" name="円弧 70"/>
+              <p:cNvSpPr/>
+              <p:nvPr/>
+            </p:nvSpPr>
+            <p:spPr>
+              <a:xfrm>
+                <a:off x="1331585" y="1628770"/>
+                <a:ext cx="3600461" cy="3600461"/>
+              </a:xfrm>
+              <a:prstGeom prst="arc">
+                <a:avLst>
+                  <a:gd name="adj1" fmla="val 17937390"/>
+                  <a:gd name="adj2" fmla="val 20207625"/>
+                </a:avLst>
+              </a:prstGeom>
+              <a:ln w="38100">
+                <a:solidFill>
+                  <a:schemeClr val="tx1"/>
+                </a:solidFill>
+              </a:ln>
+            </p:spPr>
+            <p:style>
+              <a:lnRef idx="1">
+                <a:schemeClr val="accent1"/>
+              </a:lnRef>
+              <a:fillRef idx="0">
+                <a:schemeClr val="accent1"/>
+              </a:fillRef>
+              <a:effectRef idx="0">
+                <a:schemeClr val="accent1"/>
+              </a:effectRef>
+              <a:fontRef idx="minor">
+                <a:schemeClr val="tx1"/>
+              </a:fontRef>
+            </p:style>
+            <p:txBody>
+              <a:bodyPr rtlCol="0" anchor="ctr"/>
+              <a:lstStyle/>
+              <a:p>
+                <a:pPr algn="ctr"/>
+                <a:endParaRPr kumimoji="1" lang="ja-JP" altLang="en-US"/>
+              </a:p>
+            </p:txBody>
+          </p:sp>
+          <p:sp>
+            <p:nvSpPr>
+              <p:cNvPr id="72" name="円弧 71"/>
+              <p:cNvSpPr/>
+              <p:nvPr/>
+            </p:nvSpPr>
+            <p:spPr>
+              <a:xfrm flipV="1">
+                <a:off x="1331586" y="188586"/>
+                <a:ext cx="3600461" cy="3600461"/>
+              </a:xfrm>
+              <a:prstGeom prst="arc">
+                <a:avLst>
+                  <a:gd name="adj1" fmla="val 17941978"/>
+                  <a:gd name="adj2" fmla="val 20207625"/>
+                </a:avLst>
+              </a:prstGeom>
+              <a:ln w="38100">
+                <a:solidFill>
+                  <a:schemeClr val="tx1"/>
+                </a:solidFill>
+              </a:ln>
+            </p:spPr>
+            <p:style>
+              <a:lnRef idx="1">
+                <a:schemeClr val="accent1"/>
+              </a:lnRef>
+              <a:fillRef idx="0">
+                <a:schemeClr val="accent1"/>
+              </a:fillRef>
+              <a:effectRef idx="0">
+                <a:schemeClr val="accent1"/>
+              </a:effectRef>
+              <a:fontRef idx="minor">
+                <a:schemeClr val="tx1"/>
+              </a:fontRef>
+            </p:style>
+            <p:txBody>
+              <a:bodyPr rtlCol="0" anchor="ctr"/>
+              <a:lstStyle/>
+              <a:p>
+                <a:pPr algn="ctr"/>
+                <a:endParaRPr kumimoji="1" lang="ja-JP" altLang="en-US"/>
+              </a:p>
+            </p:txBody>
+          </p:sp>
+        </p:grpSp>
+        <p:grpSp>
+          <p:nvGrpSpPr>
+            <p:cNvPr id="64" name="グループ化 63"/>
+            <p:cNvGrpSpPr/>
+            <p:nvPr/>
+          </p:nvGrpSpPr>
+          <p:grpSpPr>
+            <a:xfrm>
+              <a:off x="3126725" y="2199726"/>
+              <a:ext cx="545160" cy="329159"/>
+              <a:chOff x="3126725" y="2199726"/>
+              <a:chExt cx="545160" cy="329159"/>
+            </a:xfrm>
+          </p:grpSpPr>
+          <p:cxnSp>
+            <p:nvCxnSpPr>
+              <p:cNvPr id="69" name="直線矢印コネクタ 68"/>
+              <p:cNvCxnSpPr>
+                <a:stCxn id="61" idx="1"/>
+              </p:cNvCxnSpPr>
+              <p:nvPr/>
+            </p:nvCxnSpPr>
+            <p:spPr>
+              <a:xfrm>
+                <a:off x="3342726" y="2199726"/>
+                <a:ext cx="329159" cy="329159"/>
+              </a:xfrm>
+              <a:prstGeom prst="straightConnector1">
+                <a:avLst/>
+              </a:prstGeom>
+              <a:ln w="38100">
+                <a:solidFill>
+                  <a:srgbClr val="FF0000"/>
+                </a:solidFill>
+                <a:headEnd type="none" w="med" len="med"/>
+                <a:tailEnd type="triangle" w="med" len="med"/>
+              </a:ln>
+            </p:spPr>
+            <p:style>
+              <a:lnRef idx="1">
+                <a:schemeClr val="accent1"/>
+              </a:lnRef>
+              <a:fillRef idx="0">
+                <a:schemeClr val="accent1"/>
+              </a:fillRef>
+              <a:effectRef idx="0">
+                <a:schemeClr val="accent1"/>
+              </a:effectRef>
+              <a:fontRef idx="minor">
+                <a:schemeClr val="tx1"/>
+              </a:fontRef>
+            </p:style>
+          </p:cxnSp>
+          <p:cxnSp>
+            <p:nvCxnSpPr>
+              <p:cNvPr id="70" name="直線矢印コネクタ 69"/>
+              <p:cNvCxnSpPr/>
+              <p:nvPr/>
+            </p:nvCxnSpPr>
+            <p:spPr>
+              <a:xfrm flipH="1">
+                <a:off x="3126725" y="2204816"/>
+                <a:ext cx="216000" cy="216000"/>
+              </a:xfrm>
+              <a:prstGeom prst="straightConnector1">
+                <a:avLst/>
+              </a:prstGeom>
+              <a:ln w="38100">
+                <a:solidFill>
+                  <a:srgbClr val="0000FF"/>
+                </a:solidFill>
+                <a:headEnd type="none" w="med" len="med"/>
+                <a:tailEnd type="triangle" w="med" len="med"/>
+              </a:ln>
+            </p:spPr>
+            <p:style>
+              <a:lnRef idx="1">
+                <a:schemeClr val="accent1"/>
+              </a:lnRef>
+              <a:fillRef idx="0">
+                <a:schemeClr val="accent1"/>
+              </a:fillRef>
+              <a:effectRef idx="0">
+                <a:schemeClr val="accent1"/>
+              </a:effectRef>
+              <a:fontRef idx="minor">
+                <a:schemeClr val="tx1"/>
+              </a:fontRef>
+            </p:style>
+          </p:cxnSp>
+        </p:grpSp>
+        <p:cxnSp>
+          <p:nvCxnSpPr>
+            <p:cNvPr id="67" name="直線矢印コネクタ 66"/>
+            <p:cNvCxnSpPr>
+              <a:stCxn id="61" idx="5"/>
+            </p:cNvCxnSpPr>
+            <p:nvPr/>
+          </p:nvCxnSpPr>
+          <p:spPr>
+            <a:xfrm flipH="1" flipV="1">
+              <a:off x="4031931" y="2888931"/>
+              <a:ext cx="329159" cy="329159"/>
+            </a:xfrm>
+            <a:prstGeom prst="straightConnector1">
+              <a:avLst/>
+            </a:prstGeom>
+            <a:ln w="38100">
+              <a:solidFill>
+                <a:srgbClr val="FF0000"/>
+              </a:solidFill>
+              <a:headEnd type="none" w="med" len="med"/>
+              <a:tailEnd type="triangle" w="med" len="med"/>
+            </a:ln>
+          </p:spPr>
+          <p:style>
+            <a:lnRef idx="1">
+              <a:schemeClr val="accent1"/>
+            </a:lnRef>
+            <a:fillRef idx="0">
+              <a:schemeClr val="accent1"/>
+            </a:fillRef>
+            <a:effectRef idx="0">
+              <a:schemeClr val="accent1"/>
+            </a:effectRef>
+            <a:fontRef idx="minor">
+              <a:schemeClr val="tx1"/>
+            </a:fontRef>
+          </p:style>
+        </p:cxnSp>
+        <p:cxnSp>
+          <p:nvCxnSpPr>
+            <p:cNvPr id="66" name="直線矢印コネクタ 65"/>
+            <p:cNvCxnSpPr>
+              <a:stCxn id="61" idx="3"/>
+            </p:cNvCxnSpPr>
+            <p:nvPr/>
+          </p:nvCxnSpPr>
+          <p:spPr>
+            <a:xfrm flipV="1">
+              <a:off x="3342726" y="2873487"/>
+              <a:ext cx="344603" cy="344603"/>
+            </a:xfrm>
+            <a:prstGeom prst="straightConnector1">
+              <a:avLst/>
+            </a:prstGeom>
+            <a:ln w="38100">
+              <a:solidFill>
+                <a:srgbClr val="FF0000"/>
+              </a:solidFill>
+              <a:headEnd type="none" w="med" len="med"/>
+              <a:tailEnd type="triangle" w="med" len="med"/>
+            </a:ln>
+          </p:spPr>
+          <p:style>
+            <a:lnRef idx="1">
+              <a:schemeClr val="accent1"/>
+            </a:lnRef>
+            <a:fillRef idx="0">
+              <a:schemeClr val="accent1"/>
+            </a:fillRef>
+            <a:effectRef idx="0">
+              <a:schemeClr val="accent1"/>
+            </a:effectRef>
+            <a:fontRef idx="minor">
+              <a:schemeClr val="tx1"/>
+            </a:fontRef>
+          </p:style>
+        </p:cxnSp>
+      </p:grpSp>
+      <p:sp>
+        <p:nvSpPr>
+          <p:cNvPr id="76" name="円/楕円 75"/>
+          <p:cNvSpPr/>
+          <p:nvPr/>
+        </p:nvSpPr>
+        <p:spPr>
+          <a:xfrm>
+            <a:off x="971539" y="1628816"/>
+            <a:ext cx="360000" cy="360000"/>
+          </a:xfrm>
+          <a:prstGeom prst="ellipse">
+            <a:avLst/>
+          </a:prstGeom>
+        </p:spPr>
+        <p:style>
+          <a:lnRef idx="2">
+            <a:schemeClr val="dk1"/>
+          </a:lnRef>
+          <a:fillRef idx="1">
+            <a:schemeClr val="lt1"/>
+          </a:fillRef>
+          <a:effectRef idx="0">
+            <a:schemeClr val="dk1"/>
+          </a:effectRef>
+          <a:fontRef idx="minor">
+            <a:schemeClr val="dk1"/>
+          </a:fontRef>
+        </p:style>
+        <p:txBody>
+          <a:bodyPr rtlCol="0" anchor="ctr"/>
+          <a:lstStyle/>
+          <a:p>
+            <a:pPr algn="ctr"/>
+            <a:endParaRPr kumimoji="1" lang="ja-JP" altLang="en-US"/>
+          </a:p>
+        </p:txBody>
+      </p:sp>
+      <p:cxnSp>
+        <p:nvCxnSpPr>
+          <p:cNvPr id="79" name="直線コネクタ 78"/>
+          <p:cNvCxnSpPr>
+            <a:stCxn id="76" idx="1"/>
+            <a:endCxn id="76" idx="5"/>
+          </p:cNvCxnSpPr>
+          <p:nvPr/>
+        </p:nvCxnSpPr>
+        <p:spPr>
+          <a:xfrm>
+            <a:off x="1024260" y="1681537"/>
+            <a:ext cx="254558" cy="254558"/>
+          </a:xfrm>
+          <a:prstGeom prst="line">
+            <a:avLst/>
+          </a:prstGeom>
+          <a:ln w="19050">
+            <a:solidFill>
+              <a:schemeClr val="tx1"/>
+            </a:solidFill>
+          </a:ln>
+        </p:spPr>
+        <p:style>
+          <a:lnRef idx="1">
+            <a:schemeClr val="accent1"/>
+          </a:lnRef>
+          <a:fillRef idx="0">
+            <a:schemeClr val="accent1"/>
+          </a:fillRef>
+          <a:effectRef idx="0">
+            <a:schemeClr val="accent1"/>
+          </a:effectRef>
+          <a:fontRef idx="minor">
+            <a:schemeClr val="tx1"/>
+          </a:fontRef>
+        </p:style>
+      </p:cxnSp>
+      <p:cxnSp>
+        <p:nvCxnSpPr>
+          <p:cNvPr id="80" name="直線コネクタ 79"/>
+          <p:cNvCxnSpPr>
+            <a:stCxn id="76" idx="7"/>
+            <a:endCxn id="76" idx="3"/>
+          </p:cNvCxnSpPr>
+          <p:nvPr/>
+        </p:nvCxnSpPr>
+        <p:spPr>
+          <a:xfrm flipH="1">
+            <a:off x="1024260" y="1681537"/>
+            <a:ext cx="254558" cy="254558"/>
+          </a:xfrm>
+          <a:prstGeom prst="line">
+            <a:avLst/>
+          </a:prstGeom>
+          <a:ln w="19050">
+            <a:solidFill>
+              <a:schemeClr val="tx1"/>
+            </a:solidFill>
+          </a:ln>
+        </p:spPr>
+        <p:style>
+          <a:lnRef idx="1">
+            <a:schemeClr val="accent1"/>
+          </a:lnRef>
+          <a:fillRef idx="0">
+            <a:schemeClr val="accent1"/>
+          </a:fillRef>
+          <a:effectRef idx="0">
+            <a:schemeClr val="accent1"/>
+          </a:effectRef>
+          <a:fontRef idx="minor">
+            <a:schemeClr val="tx1"/>
+          </a:fontRef>
+        </p:style>
+      </p:cxnSp>
+      <p:cxnSp>
+        <p:nvCxnSpPr>
+          <p:cNvPr id="86" name="直線矢印コネクタ 85"/>
+          <p:cNvCxnSpPr/>
+          <p:nvPr/>
+        </p:nvCxnSpPr>
+        <p:spPr>
+          <a:xfrm flipH="1">
+            <a:off x="2164835" y="3218090"/>
+            <a:ext cx="216000" cy="216000"/>
+          </a:xfrm>
+          <a:prstGeom prst="straightConnector1">
+            <a:avLst/>
+          </a:prstGeom>
+          <a:ln w="38100">
+            <a:solidFill>
+              <a:srgbClr val="0000FF"/>
+            </a:solidFill>
+            <a:headEnd type="none" w="med" len="med"/>
+            <a:tailEnd type="triangle" w="med" len="med"/>
+          </a:ln>
+        </p:spPr>
+        <p:style>
+          <a:lnRef idx="1">
+            <a:schemeClr val="accent1"/>
+          </a:lnRef>
+          <a:fillRef idx="0">
+            <a:schemeClr val="accent1"/>
+          </a:fillRef>
+          <a:effectRef idx="0">
+            <a:schemeClr val="accent1"/>
+          </a:effectRef>
+          <a:fontRef idx="minor">
+            <a:schemeClr val="tx1"/>
+          </a:fontRef>
+        </p:style>
+      </p:cxnSp>
+    </p:spTree>
+    <p:extLst>
+      <p:ext uri="{BB962C8B-B14F-4D97-AF65-F5344CB8AC3E}">
+        <p14:creationId xmlns:p14="http://schemas.microsoft.com/office/powerpoint/2010/main" val="1785414449"/>
+      </p:ext>
+    </p:extLst>
+  </p:cSld>
+  <p:clrMapOvr>
+    <a:masterClrMapping/>
+  </p:clrMapOvr>
+</p:sld>
+</file>
+
+<file path=ppt/slides/slide4.xml><?xml version="1.0" encoding="utf-8"?>
+<p:sld xmlns:a="http://schemas.openxmlformats.org/drawingml/2006/main" xmlns:r="http://schemas.openxmlformats.org/officeDocument/2006/relationships" xmlns:p="http://schemas.openxmlformats.org/presentationml/2006/main">
+  <p:cSld>
+    <p:spTree>
+      <p:nvGrpSpPr>
+        <p:cNvPr id="1" name=""/>
+        <p:cNvGrpSpPr/>
+        <p:nvPr/>
+      </p:nvGrpSpPr>
+      <p:grpSpPr>
+        <a:xfrm>
+          <a:off x="0" y="0"/>
+          <a:ext cx="0" cy="0"/>
+          <a:chOff x="0" y="0"/>
+          <a:chExt cx="0" cy="0"/>
+        </a:xfrm>
+      </p:grpSpPr>
+      <p:grpSp>
+        <p:nvGrpSpPr>
+          <p:cNvPr id="36" name="グループ化 35"/>
+          <p:cNvGrpSpPr/>
+          <p:nvPr/>
+        </p:nvGrpSpPr>
+        <p:grpSpPr>
+          <a:xfrm>
+            <a:off x="2231697" y="188586"/>
+            <a:ext cx="5220671" cy="5040645"/>
+            <a:chOff x="1331585" y="188586"/>
+            <a:chExt cx="5220671" cy="5040645"/>
+          </a:xfrm>
+        </p:grpSpPr>
+        <p:grpSp>
+          <p:nvGrpSpPr>
+            <p:cNvPr id="7" name="グループ化 6"/>
+            <p:cNvGrpSpPr/>
+            <p:nvPr/>
+          </p:nvGrpSpPr>
+          <p:grpSpPr>
+            <a:xfrm>
+              <a:off x="1331585" y="188586"/>
+              <a:ext cx="3600462" cy="5040645"/>
+              <a:chOff x="1331585" y="188586"/>
+              <a:chExt cx="3600462" cy="5040645"/>
+            </a:xfrm>
+          </p:grpSpPr>
+          <p:sp>
+            <p:nvSpPr>
+              <p:cNvPr id="3" name="円弧 2"/>
+              <p:cNvSpPr/>
+              <p:nvPr/>
+            </p:nvSpPr>
+            <p:spPr>
+              <a:xfrm>
+                <a:off x="1331585" y="1628770"/>
+                <a:ext cx="3600461" cy="3600461"/>
+              </a:xfrm>
+              <a:prstGeom prst="arc">
+                <a:avLst>
+                  <a:gd name="adj1" fmla="val 17937390"/>
+                  <a:gd name="adj2" fmla="val 20207625"/>
+                </a:avLst>
+              </a:prstGeom>
+              <a:ln w="38100">
+                <a:solidFill>
+                  <a:schemeClr val="tx1"/>
+                </a:solidFill>
+              </a:ln>
+            </p:spPr>
+            <p:style>
+              <a:lnRef idx="1">
+                <a:schemeClr val="accent1"/>
+              </a:lnRef>
+              <a:fillRef idx="0">
+                <a:schemeClr val="accent1"/>
+              </a:fillRef>
+              <a:effectRef idx="0">
+                <a:schemeClr val="accent1"/>
+              </a:effectRef>
+              <a:fontRef idx="minor">
+                <a:schemeClr val="tx1"/>
+              </a:fontRef>
+            </p:style>
+            <p:txBody>
+              <a:bodyPr rtlCol="0" anchor="ctr"/>
+              <a:lstStyle/>
+              <a:p>
+                <a:pPr algn="ctr"/>
+                <a:endParaRPr kumimoji="1" lang="ja-JP" altLang="en-US"/>
+              </a:p>
+            </p:txBody>
+          </p:sp>
+          <p:sp>
+            <p:nvSpPr>
+              <p:cNvPr id="4" name="円弧 3"/>
+              <p:cNvSpPr/>
+              <p:nvPr/>
+            </p:nvSpPr>
+            <p:spPr>
+              <a:xfrm flipV="1">
+                <a:off x="1331586" y="188586"/>
+                <a:ext cx="3600461" cy="3600461"/>
+              </a:xfrm>
+              <a:prstGeom prst="arc">
+                <a:avLst>
+                  <a:gd name="adj1" fmla="val 17941978"/>
+                  <a:gd name="adj2" fmla="val 20207625"/>
+                </a:avLst>
+              </a:prstGeom>
+              <a:ln w="38100">
+                <a:solidFill>
+                  <a:schemeClr val="tx1"/>
+                </a:solidFill>
+              </a:ln>
+            </p:spPr>
+            <p:style>
+              <a:lnRef idx="1">
+                <a:schemeClr val="accent1"/>
+              </a:lnRef>
+              <a:fillRef idx="0">
+                <a:schemeClr val="accent1"/>
+              </a:fillRef>
+              <a:effectRef idx="0">
+                <a:schemeClr val="accent1"/>
+              </a:effectRef>
+              <a:fontRef idx="minor">
+                <a:schemeClr val="tx1"/>
+              </a:fontRef>
+            </p:style>
+            <p:txBody>
+              <a:bodyPr rtlCol="0" anchor="ctr"/>
+              <a:lstStyle/>
+              <a:p>
+                <a:pPr algn="ctr"/>
+                <a:endParaRPr kumimoji="1" lang="ja-JP" altLang="en-US"/>
+              </a:p>
+            </p:txBody>
+          </p:sp>
+        </p:grpSp>
+        <p:sp>
+          <p:nvSpPr>
+            <p:cNvPr id="9" name="円弧 8"/>
+            <p:cNvSpPr/>
+            <p:nvPr/>
+          </p:nvSpPr>
+          <p:spPr>
+            <a:xfrm flipH="1">
+              <a:off x="2951795" y="1268724"/>
+              <a:ext cx="3600461" cy="3600461"/>
+            </a:xfrm>
+            <a:prstGeom prst="arc">
+              <a:avLst>
+                <a:gd name="adj1" fmla="val 19376890"/>
+                <a:gd name="adj2" fmla="val 21495947"/>
+              </a:avLst>
+            </a:prstGeom>
+            <a:ln w="38100">
+              <a:solidFill>
+                <a:schemeClr val="tx1"/>
+              </a:solidFill>
+            </a:ln>
+          </p:spPr>
+          <p:style>
+            <a:lnRef idx="1">
+              <a:schemeClr val="accent1"/>
+            </a:lnRef>
+            <a:fillRef idx="0">
+              <a:schemeClr val="accent1"/>
+            </a:fillRef>
+            <a:effectRef idx="0">
+              <a:schemeClr val="accent1"/>
+            </a:effectRef>
+            <a:fontRef idx="minor">
+              <a:schemeClr val="tx1"/>
+            </a:fontRef>
+          </p:style>
+          <p:txBody>
+            <a:bodyPr rtlCol="0" anchor="ctr"/>
+            <a:lstStyle/>
+            <a:p>
+              <a:pPr algn="ctr"/>
+              <a:endParaRPr kumimoji="1" lang="ja-JP" altLang="en-US"/>
+            </a:p>
+          </p:txBody>
+        </p:sp>
+        <p:cxnSp>
+          <p:nvCxnSpPr>
+            <p:cNvPr id="12" name="直線矢印コネクタ 11"/>
+            <p:cNvCxnSpPr/>
+            <p:nvPr/>
+          </p:nvCxnSpPr>
+          <p:spPr>
+            <a:xfrm>
+              <a:off x="3131818" y="2528885"/>
+              <a:ext cx="540067" cy="180023"/>
+            </a:xfrm>
+            <a:prstGeom prst="straightConnector1">
+              <a:avLst/>
+            </a:prstGeom>
+            <a:ln w="38100">
+              <a:solidFill>
+                <a:srgbClr val="FF0000"/>
+              </a:solidFill>
+              <a:headEnd type="none" w="med" len="med"/>
+              <a:tailEnd type="triangle" w="med" len="med"/>
+            </a:ln>
+          </p:spPr>
+          <p:style>
+            <a:lnRef idx="1">
+              <a:schemeClr val="accent1"/>
+            </a:lnRef>
+            <a:fillRef idx="0">
+              <a:schemeClr val="accent1"/>
+            </a:fillRef>
+            <a:effectRef idx="0">
+              <a:schemeClr val="accent1"/>
+            </a:effectRef>
+            <a:fontRef idx="minor">
+              <a:schemeClr val="tx1"/>
+            </a:fontRef>
+          </p:style>
+        </p:cxnSp>
+        <p:cxnSp>
+          <p:nvCxnSpPr>
+            <p:cNvPr id="23" name="直線矢印コネクタ 22"/>
+            <p:cNvCxnSpPr>
+              <a:stCxn id="2" idx="5"/>
+            </p:cNvCxnSpPr>
+            <p:nvPr/>
+          </p:nvCxnSpPr>
+          <p:spPr>
+            <a:xfrm flipH="1" flipV="1">
+              <a:off x="4031931" y="2888931"/>
+              <a:ext cx="329159" cy="329159"/>
+            </a:xfrm>
+            <a:prstGeom prst="straightConnector1">
+              <a:avLst/>
+            </a:prstGeom>
+            <a:ln w="38100">
+              <a:solidFill>
+                <a:srgbClr val="FF0000"/>
+              </a:solidFill>
+              <a:headEnd type="none" w="med" len="med"/>
+              <a:tailEnd type="triangle" w="med" len="med"/>
+            </a:ln>
+          </p:spPr>
+          <p:style>
+            <a:lnRef idx="1">
+              <a:schemeClr val="accent1"/>
+            </a:lnRef>
+            <a:fillRef idx="0">
+              <a:schemeClr val="accent1"/>
+            </a:fillRef>
+            <a:effectRef idx="0">
+              <a:schemeClr val="accent1"/>
+            </a:effectRef>
+            <a:fontRef idx="minor">
+              <a:schemeClr val="tx1"/>
+            </a:fontRef>
+          </p:style>
+        </p:cxnSp>
+        <p:sp>
+          <p:nvSpPr>
+            <p:cNvPr id="2" name="円/楕円 1"/>
+            <p:cNvSpPr/>
+            <p:nvPr/>
+          </p:nvSpPr>
+          <p:spPr>
+            <a:xfrm>
+              <a:off x="3131816" y="1988816"/>
+              <a:ext cx="1440184" cy="1440184"/>
+            </a:xfrm>
+            <a:prstGeom prst="ellipse">
+              <a:avLst/>
+            </a:prstGeom>
+            <a:noFill/>
+            <a:ln>
+              <a:solidFill>
+                <a:schemeClr val="bg1">
+                  <a:lumMod val="50000"/>
+                </a:schemeClr>
+              </a:solidFill>
+            </a:ln>
+          </p:spPr>
+          <p:style>
+            <a:lnRef idx="2">
+              <a:schemeClr val="accent1">
+                <a:shade val="50000"/>
+              </a:schemeClr>
+            </a:lnRef>
+            <a:fillRef idx="1">
+              <a:schemeClr val="accent1"/>
+            </a:fillRef>
+            <a:effectRef idx="0">
+              <a:schemeClr val="accent1"/>
+            </a:effectRef>
+            <a:fontRef idx="minor">
+              <a:schemeClr val="lt1"/>
+            </a:fontRef>
+          </p:style>
+          <p:txBody>
+            <a:bodyPr rtlCol="0" anchor="ctr"/>
+            <a:lstStyle/>
+            <a:p>
+              <a:pPr algn="ctr"/>
+              <a:endParaRPr kumimoji="1" lang="ja-JP" altLang="en-US"/>
+            </a:p>
+          </p:txBody>
+        </p:sp>
+        <p:cxnSp>
+          <p:nvCxnSpPr>
+            <p:cNvPr id="28" name="直線矢印コネクタ 27"/>
+            <p:cNvCxnSpPr/>
+            <p:nvPr/>
+          </p:nvCxnSpPr>
+          <p:spPr>
+            <a:xfrm>
+              <a:off x="4211954" y="3779714"/>
+              <a:ext cx="360046" cy="0"/>
+            </a:xfrm>
+            <a:prstGeom prst="straightConnector1">
+              <a:avLst/>
+            </a:prstGeom>
+            <a:ln w="38100">
+              <a:solidFill>
+                <a:srgbClr val="FF0000"/>
+              </a:solidFill>
+              <a:headEnd type="none" w="med" len="med"/>
+              <a:tailEnd type="triangle" w="med" len="med"/>
+            </a:ln>
+          </p:spPr>
+          <p:style>
+            <a:lnRef idx="1">
+              <a:schemeClr val="accent1"/>
+            </a:lnRef>
+            <a:fillRef idx="0">
+              <a:schemeClr val="accent1"/>
+            </a:fillRef>
+            <a:effectRef idx="0">
+              <a:schemeClr val="accent1"/>
+            </a:effectRef>
+            <a:fontRef idx="minor">
+              <a:schemeClr val="tx1"/>
+            </a:fontRef>
+          </p:style>
+        </p:cxnSp>
+        <p:sp>
+          <p:nvSpPr>
+            <p:cNvPr id="30" name="テキスト ボックス 29"/>
+            <p:cNvSpPr txBox="1"/>
+            <p:nvPr/>
+          </p:nvSpPr>
+          <p:spPr>
+            <a:xfrm>
+              <a:off x="4572000" y="3599691"/>
+              <a:ext cx="992579" cy="360000"/>
+            </a:xfrm>
+            <a:prstGeom prst="rect">
+              <a:avLst/>
+            </a:prstGeom>
+            <a:noFill/>
+          </p:spPr>
+          <p:txBody>
+            <a:bodyPr wrap="none" rtlCol="0">
+              <a:spAutoFit/>
+            </a:bodyPr>
+            <a:lstStyle/>
+            <a:p>
+              <a:r>
+                <a:rPr kumimoji="1" lang="en-US" altLang="ja-JP" i="1" dirty="0" err="1" smtClean="0">
+                  <a:latin typeface="Times New Roman" panose="02020603050405020304" pitchFamily="18" charset="0"/>
+                  <a:cs typeface="Times New Roman" panose="02020603050405020304" pitchFamily="18" charset="0"/>
+                </a:rPr>
+                <a:t>Hertzian</a:t>
+              </a:r>
+              <a:endParaRPr kumimoji="1" lang="ja-JP" altLang="en-US" i="1" dirty="0">
+                <a:latin typeface="Times New Roman" panose="02020603050405020304" pitchFamily="18" charset="0"/>
+                <a:cs typeface="Times New Roman" panose="02020603050405020304" pitchFamily="18" charset="0"/>
+              </a:endParaRPr>
+            </a:p>
+          </p:txBody>
+        </p:sp>
+        <p:cxnSp>
+          <p:nvCxnSpPr>
+            <p:cNvPr id="31" name="直線矢印コネクタ 30"/>
+            <p:cNvCxnSpPr/>
+            <p:nvPr/>
+          </p:nvCxnSpPr>
+          <p:spPr>
+            <a:xfrm>
+              <a:off x="4211954" y="4139806"/>
+              <a:ext cx="360046" cy="0"/>
+            </a:xfrm>
+            <a:prstGeom prst="straightConnector1">
+              <a:avLst/>
+            </a:prstGeom>
+            <a:ln w="38100">
+              <a:solidFill>
+                <a:srgbClr val="0000FF"/>
+              </a:solidFill>
+              <a:headEnd type="none" w="med" len="med"/>
+              <a:tailEnd type="triangle" w="med" len="med"/>
+            </a:ln>
+          </p:spPr>
+          <p:style>
+            <a:lnRef idx="1">
+              <a:schemeClr val="accent1"/>
+            </a:lnRef>
+            <a:fillRef idx="0">
+              <a:schemeClr val="accent1"/>
+            </a:fillRef>
+            <a:effectRef idx="0">
+              <a:schemeClr val="accent1"/>
+            </a:effectRef>
+            <a:fontRef idx="minor">
+              <a:schemeClr val="tx1"/>
+            </a:fontRef>
+          </p:style>
+        </p:cxnSp>
+        <p:sp>
+          <p:nvSpPr>
+            <p:cNvPr id="32" name="テキスト ボックス 31"/>
+            <p:cNvSpPr txBox="1"/>
+            <p:nvPr/>
+          </p:nvSpPr>
+          <p:spPr>
+            <a:xfrm>
+              <a:off x="4572000" y="3959783"/>
+              <a:ext cx="1031051" cy="369332"/>
+            </a:xfrm>
+            <a:prstGeom prst="rect">
+              <a:avLst/>
+            </a:prstGeom>
+            <a:noFill/>
+          </p:spPr>
+          <p:txBody>
+            <a:bodyPr wrap="none" rtlCol="0">
+              <a:spAutoFit/>
+            </a:bodyPr>
+            <a:lstStyle/>
+            <a:p>
+              <a:r>
+                <a:rPr lang="en-US" altLang="ja-JP" i="1" dirty="0" smtClean="0">
+                  <a:latin typeface="Times New Roman" panose="02020603050405020304" pitchFamily="18" charset="0"/>
+                  <a:cs typeface="Times New Roman" panose="02020603050405020304" pitchFamily="18" charset="0"/>
+                </a:rPr>
+                <a:t>Coulomb</a:t>
+              </a:r>
+              <a:endParaRPr kumimoji="1" lang="ja-JP" altLang="en-US" i="1" dirty="0">
+                <a:latin typeface="Times New Roman" panose="02020603050405020304" pitchFamily="18" charset="0"/>
+                <a:cs typeface="Times New Roman" panose="02020603050405020304" pitchFamily="18" charset="0"/>
+              </a:endParaRPr>
+            </a:p>
+          </p:txBody>
+        </p:sp>
+      </p:grpSp>
+      <p:grpSp>
+        <p:nvGrpSpPr>
+          <p:cNvPr id="59" name="グループ化 58"/>
+          <p:cNvGrpSpPr/>
+          <p:nvPr/>
+        </p:nvGrpSpPr>
+        <p:grpSpPr>
+          <a:xfrm>
+            <a:off x="6552253" y="1628816"/>
+            <a:ext cx="360000" cy="360000"/>
+            <a:chOff x="6552253" y="545180"/>
+            <a:chExt cx="360000" cy="360000"/>
+          </a:xfrm>
+        </p:grpSpPr>
+        <p:sp>
+          <p:nvSpPr>
+            <p:cNvPr id="57" name="円/楕円 56"/>
+            <p:cNvSpPr/>
+            <p:nvPr/>
+          </p:nvSpPr>
+          <p:spPr>
+            <a:xfrm>
+              <a:off x="6552253" y="545180"/>
+              <a:ext cx="360000" cy="360000"/>
+            </a:xfrm>
+            <a:prstGeom prst="ellipse">
+              <a:avLst/>
+            </a:prstGeom>
+          </p:spPr>
+          <p:style>
+            <a:lnRef idx="2">
+              <a:schemeClr val="dk1"/>
+            </a:lnRef>
+            <a:fillRef idx="1">
+              <a:schemeClr val="lt1"/>
+            </a:fillRef>
+            <a:effectRef idx="0">
+              <a:schemeClr val="dk1"/>
+            </a:effectRef>
+            <a:fontRef idx="minor">
+              <a:schemeClr val="dk1"/>
+            </a:fontRef>
+          </p:style>
+          <p:txBody>
+            <a:bodyPr rtlCol="0" anchor="ctr"/>
+            <a:lstStyle/>
+            <a:p>
+              <a:pPr algn="ctr"/>
+              <a:endParaRPr kumimoji="1" lang="ja-JP" altLang="en-US"/>
+            </a:p>
+          </p:txBody>
+        </p:sp>
+        <p:sp>
+          <p:nvSpPr>
+            <p:cNvPr id="58" name="円/楕円 57"/>
+            <p:cNvSpPr/>
+            <p:nvPr/>
+          </p:nvSpPr>
+          <p:spPr>
+            <a:xfrm>
+              <a:off x="6660275" y="653180"/>
+              <a:ext cx="144000" cy="144000"/>
+            </a:xfrm>
+            <a:prstGeom prst="ellipse">
+              <a:avLst/>
+            </a:prstGeom>
+            <a:solidFill>
+              <a:schemeClr val="tx1"/>
+            </a:solidFill>
+          </p:spPr>
+          <p:style>
+            <a:lnRef idx="2">
+              <a:schemeClr val="dk1"/>
+            </a:lnRef>
+            <a:fillRef idx="1">
+              <a:schemeClr val="lt1"/>
+            </a:fillRef>
+            <a:effectRef idx="0">
+              <a:schemeClr val="dk1"/>
+            </a:effectRef>
+            <a:fontRef idx="minor">
+              <a:schemeClr val="dk1"/>
+            </a:fontRef>
+          </p:style>
+          <p:txBody>
+            <a:bodyPr rtlCol="0" anchor="ctr"/>
+            <a:lstStyle/>
+            <a:p>
+              <a:pPr algn="ctr"/>
+              <a:endParaRPr kumimoji="1" lang="ja-JP" altLang="en-US"/>
+            </a:p>
+          </p:txBody>
+        </p:sp>
+      </p:grpSp>
+      <p:sp>
+        <p:nvSpPr>
+          <p:cNvPr id="76" name="円/楕円 75"/>
+          <p:cNvSpPr/>
+          <p:nvPr/>
+        </p:nvSpPr>
+        <p:spPr>
+          <a:xfrm>
+            <a:off x="971539" y="1628816"/>
+            <a:ext cx="360000" cy="360000"/>
+          </a:xfrm>
+          <a:prstGeom prst="ellipse">
+            <a:avLst/>
+          </a:prstGeom>
+        </p:spPr>
+        <p:style>
+          <a:lnRef idx="2">
+            <a:schemeClr val="dk1"/>
+          </a:lnRef>
+          <a:fillRef idx="1">
+            <a:schemeClr val="lt1"/>
+          </a:fillRef>
+          <a:effectRef idx="0">
+            <a:schemeClr val="dk1"/>
+          </a:effectRef>
+          <a:fontRef idx="minor">
+            <a:schemeClr val="dk1"/>
+          </a:fontRef>
+        </p:style>
+        <p:txBody>
+          <a:bodyPr rtlCol="0" anchor="ctr"/>
+          <a:lstStyle/>
+          <a:p>
+            <a:pPr algn="ctr"/>
+            <a:endParaRPr kumimoji="1" lang="ja-JP" altLang="en-US"/>
+          </a:p>
+        </p:txBody>
+      </p:sp>
+      <p:cxnSp>
+        <p:nvCxnSpPr>
+          <p:cNvPr id="79" name="直線コネクタ 78"/>
+          <p:cNvCxnSpPr>
+            <a:stCxn id="76" idx="1"/>
+            <a:endCxn id="76" idx="5"/>
+          </p:cNvCxnSpPr>
+          <p:nvPr/>
+        </p:nvCxnSpPr>
+        <p:spPr>
+          <a:xfrm>
+            <a:off x="1024260" y="1681537"/>
+            <a:ext cx="254558" cy="254558"/>
+          </a:xfrm>
+          <a:prstGeom prst="line">
+            <a:avLst/>
+          </a:prstGeom>
+          <a:ln w="19050">
+            <a:solidFill>
+              <a:schemeClr val="tx1"/>
+            </a:solidFill>
+          </a:ln>
+        </p:spPr>
+        <p:style>
+          <a:lnRef idx="1">
+            <a:schemeClr val="accent1"/>
+          </a:lnRef>
+          <a:fillRef idx="0">
+            <a:schemeClr val="accent1"/>
+          </a:fillRef>
+          <a:effectRef idx="0">
+            <a:schemeClr val="accent1"/>
+          </a:effectRef>
+          <a:fontRef idx="minor">
+            <a:schemeClr val="tx1"/>
+          </a:fontRef>
+        </p:style>
+      </p:cxnSp>
+      <p:cxnSp>
+        <p:nvCxnSpPr>
+          <p:cNvPr id="80" name="直線コネクタ 79"/>
+          <p:cNvCxnSpPr>
+            <a:stCxn id="76" idx="7"/>
+            <a:endCxn id="76" idx="3"/>
+          </p:cNvCxnSpPr>
+          <p:nvPr/>
+        </p:nvCxnSpPr>
+        <p:spPr>
+          <a:xfrm flipH="1">
+            <a:off x="1024260" y="1681537"/>
+            <a:ext cx="254558" cy="254558"/>
+          </a:xfrm>
+          <a:prstGeom prst="line">
+            <a:avLst/>
+          </a:prstGeom>
+          <a:ln w="19050">
+            <a:solidFill>
+              <a:schemeClr val="tx1"/>
+            </a:solidFill>
+          </a:ln>
+        </p:spPr>
+        <p:style>
+          <a:lnRef idx="1">
+            <a:schemeClr val="accent1"/>
+          </a:lnRef>
+          <a:fillRef idx="0">
+            <a:schemeClr val="accent1"/>
+          </a:fillRef>
+          <a:effectRef idx="0">
+            <a:schemeClr val="accent1"/>
+          </a:effectRef>
+          <a:fontRef idx="minor">
+            <a:schemeClr val="tx1"/>
+          </a:fontRef>
+        </p:style>
+      </p:cxnSp>
+      <p:cxnSp>
+        <p:nvCxnSpPr>
+          <p:cNvPr id="56" name="直線矢印コネクタ 55"/>
+          <p:cNvCxnSpPr>
+            <a:stCxn id="2" idx="7"/>
+          </p:cNvCxnSpPr>
+          <p:nvPr/>
+        </p:nvCxnSpPr>
+        <p:spPr>
+          <a:xfrm flipH="1">
+            <a:off x="5096622" y="2199726"/>
+            <a:ext cx="164580" cy="164579"/>
+          </a:xfrm>
+          <a:prstGeom prst="straightConnector1">
+            <a:avLst/>
+          </a:prstGeom>
+          <a:ln w="38100">
+            <a:solidFill>
+              <a:srgbClr val="FF0000"/>
+            </a:solidFill>
+            <a:headEnd type="none" w="med" len="med"/>
+            <a:tailEnd type="triangle" w="med" len="med"/>
+          </a:ln>
+        </p:spPr>
+        <p:style>
+          <a:lnRef idx="1">
+            <a:schemeClr val="accent1"/>
+          </a:lnRef>
+          <a:fillRef idx="0">
+            <a:schemeClr val="accent1"/>
+          </a:fillRef>
+          <a:effectRef idx="0">
+            <a:schemeClr val="accent1"/>
+          </a:effectRef>
+          <a:fontRef idx="minor">
+            <a:schemeClr val="tx1"/>
+          </a:fontRef>
+        </p:style>
+      </p:cxnSp>
+      <p:grpSp>
+        <p:nvGrpSpPr>
+          <p:cNvPr id="65" name="グループ化 64"/>
+          <p:cNvGrpSpPr/>
+          <p:nvPr/>
+        </p:nvGrpSpPr>
+        <p:grpSpPr>
+          <a:xfrm>
+            <a:off x="5112069" y="188586"/>
+            <a:ext cx="5220671" cy="5040645"/>
+            <a:chOff x="1331585" y="188586"/>
+            <a:chExt cx="5220671" cy="5040645"/>
+          </a:xfrm>
+        </p:grpSpPr>
+        <p:grpSp>
+          <p:nvGrpSpPr>
+            <p:cNvPr id="68" name="グループ化 67"/>
+            <p:cNvGrpSpPr/>
+            <p:nvPr/>
+          </p:nvGrpSpPr>
+          <p:grpSpPr>
+            <a:xfrm>
+              <a:off x="1331585" y="188586"/>
+              <a:ext cx="3600462" cy="5040645"/>
+              <a:chOff x="1331585" y="188586"/>
+              <a:chExt cx="3600462" cy="5040645"/>
+            </a:xfrm>
+          </p:grpSpPr>
+          <p:sp>
+            <p:nvSpPr>
+              <p:cNvPr id="87" name="円弧 86"/>
+              <p:cNvSpPr/>
+              <p:nvPr/>
+            </p:nvSpPr>
+            <p:spPr>
+              <a:xfrm>
+                <a:off x="1331585" y="1628770"/>
+                <a:ext cx="3600461" cy="3600461"/>
+              </a:xfrm>
+              <a:prstGeom prst="arc">
+                <a:avLst>
+                  <a:gd name="adj1" fmla="val 17937390"/>
+                  <a:gd name="adj2" fmla="val 20207625"/>
+                </a:avLst>
+              </a:prstGeom>
+              <a:ln w="38100">
+                <a:solidFill>
+                  <a:schemeClr val="tx1"/>
+                </a:solidFill>
+              </a:ln>
+            </p:spPr>
+            <p:style>
+              <a:lnRef idx="1">
+                <a:schemeClr val="accent1"/>
+              </a:lnRef>
+              <a:fillRef idx="0">
+                <a:schemeClr val="accent1"/>
+              </a:fillRef>
+              <a:effectRef idx="0">
+                <a:schemeClr val="accent1"/>
+              </a:effectRef>
+              <a:fontRef idx="minor">
+                <a:schemeClr val="tx1"/>
+              </a:fontRef>
+            </p:style>
+            <p:txBody>
+              <a:bodyPr rtlCol="0" anchor="ctr"/>
+              <a:lstStyle/>
+              <a:p>
+                <a:pPr algn="ctr"/>
+                <a:endParaRPr kumimoji="1" lang="ja-JP" altLang="en-US"/>
+              </a:p>
+            </p:txBody>
+          </p:sp>
+          <p:sp>
+            <p:nvSpPr>
+              <p:cNvPr id="88" name="円弧 87"/>
+              <p:cNvSpPr/>
+              <p:nvPr/>
+            </p:nvSpPr>
+            <p:spPr>
+              <a:xfrm flipV="1">
+                <a:off x="1331586" y="188586"/>
+                <a:ext cx="3600461" cy="3600461"/>
+              </a:xfrm>
+              <a:prstGeom prst="arc">
+                <a:avLst>
+                  <a:gd name="adj1" fmla="val 17941978"/>
+                  <a:gd name="adj2" fmla="val 20207625"/>
+                </a:avLst>
+              </a:prstGeom>
+              <a:ln w="38100">
+                <a:solidFill>
+                  <a:schemeClr val="tx1"/>
+                </a:solidFill>
+              </a:ln>
+            </p:spPr>
+            <p:style>
+              <a:lnRef idx="1">
+                <a:schemeClr val="accent1"/>
+              </a:lnRef>
+              <a:fillRef idx="0">
+                <a:schemeClr val="accent1"/>
+              </a:fillRef>
+              <a:effectRef idx="0">
+                <a:schemeClr val="accent1"/>
+              </a:effectRef>
+              <a:fontRef idx="minor">
+                <a:schemeClr val="tx1"/>
+              </a:fontRef>
+            </p:style>
+            <p:txBody>
+              <a:bodyPr rtlCol="0" anchor="ctr"/>
+              <a:lstStyle/>
+              <a:p>
+                <a:pPr algn="ctr"/>
+                <a:endParaRPr kumimoji="1" lang="ja-JP" altLang="en-US"/>
+              </a:p>
+            </p:txBody>
+          </p:sp>
+        </p:grpSp>
+        <p:sp>
+          <p:nvSpPr>
+            <p:cNvPr id="75" name="円弧 74"/>
+            <p:cNvSpPr/>
+            <p:nvPr/>
+          </p:nvSpPr>
+          <p:spPr>
+            <a:xfrm flipH="1">
+              <a:off x="2951795" y="1268724"/>
+              <a:ext cx="3600461" cy="3600461"/>
+            </a:xfrm>
+            <a:prstGeom prst="arc">
+              <a:avLst>
+                <a:gd name="adj1" fmla="val 19376890"/>
+                <a:gd name="adj2" fmla="val 21495947"/>
+              </a:avLst>
+            </a:prstGeom>
+            <a:ln w="38100">
+              <a:solidFill>
+                <a:schemeClr val="tx1"/>
+              </a:solidFill>
+            </a:ln>
+          </p:spPr>
+          <p:style>
+            <a:lnRef idx="1">
+              <a:schemeClr val="accent1"/>
+            </a:lnRef>
+            <a:fillRef idx="0">
+              <a:schemeClr val="accent1"/>
+            </a:fillRef>
+            <a:effectRef idx="0">
+              <a:schemeClr val="accent1"/>
+            </a:effectRef>
+            <a:fontRef idx="minor">
+              <a:schemeClr val="tx1"/>
+            </a:fontRef>
+          </p:style>
+          <p:txBody>
+            <a:bodyPr rtlCol="0" anchor="ctr"/>
+            <a:lstStyle/>
+            <a:p>
+              <a:pPr algn="ctr"/>
+              <a:endParaRPr kumimoji="1" lang="ja-JP" altLang="en-US"/>
+            </a:p>
+          </p:txBody>
+        </p:sp>
+        <p:cxnSp>
+          <p:nvCxnSpPr>
+            <p:cNvPr id="77" name="直線矢印コネクタ 76"/>
+            <p:cNvCxnSpPr/>
+            <p:nvPr/>
+          </p:nvCxnSpPr>
+          <p:spPr>
+            <a:xfrm>
+              <a:off x="3131818" y="2528885"/>
+              <a:ext cx="540067" cy="180023"/>
+            </a:xfrm>
+            <a:prstGeom prst="straightConnector1">
+              <a:avLst/>
+            </a:prstGeom>
+            <a:ln w="38100">
+              <a:solidFill>
+                <a:srgbClr val="FF0000"/>
+              </a:solidFill>
+              <a:headEnd type="none" w="med" len="med"/>
+              <a:tailEnd type="triangle" w="med" len="med"/>
+            </a:ln>
+          </p:spPr>
+          <p:style>
+            <a:lnRef idx="1">
+              <a:schemeClr val="accent1"/>
+            </a:lnRef>
+            <a:fillRef idx="0">
+              <a:schemeClr val="accent1"/>
+            </a:fillRef>
+            <a:effectRef idx="0">
+              <a:schemeClr val="accent1"/>
+            </a:effectRef>
+            <a:fontRef idx="minor">
+              <a:schemeClr val="tx1"/>
+            </a:fontRef>
+          </p:style>
+        </p:cxnSp>
+        <p:cxnSp>
+          <p:nvCxnSpPr>
+            <p:cNvPr id="78" name="直線矢印コネクタ 77"/>
+            <p:cNvCxnSpPr>
+              <a:stCxn id="81" idx="5"/>
+            </p:cNvCxnSpPr>
+            <p:nvPr/>
+          </p:nvCxnSpPr>
+          <p:spPr>
+            <a:xfrm flipH="1" flipV="1">
+              <a:off x="4031931" y="2888931"/>
+              <a:ext cx="329159" cy="329159"/>
+            </a:xfrm>
+            <a:prstGeom prst="straightConnector1">
+              <a:avLst/>
+            </a:prstGeom>
+            <a:ln w="38100">
+              <a:solidFill>
+                <a:srgbClr val="FF0000"/>
+              </a:solidFill>
+              <a:headEnd type="none" w="med" len="med"/>
+              <a:tailEnd type="triangle" w="med" len="med"/>
+            </a:ln>
+          </p:spPr>
+          <p:style>
+            <a:lnRef idx="1">
+              <a:schemeClr val="accent1"/>
+            </a:lnRef>
+            <a:fillRef idx="0">
+              <a:schemeClr val="accent1"/>
+            </a:fillRef>
+            <a:effectRef idx="0">
+              <a:schemeClr val="accent1"/>
+            </a:effectRef>
+            <a:fontRef idx="minor">
+              <a:schemeClr val="tx1"/>
+            </a:fontRef>
+          </p:style>
+        </p:cxnSp>
+        <p:sp>
+          <p:nvSpPr>
+            <p:cNvPr id="81" name="円/楕円 80"/>
+            <p:cNvSpPr/>
+            <p:nvPr/>
+          </p:nvSpPr>
+          <p:spPr>
+            <a:xfrm>
+              <a:off x="3131816" y="1988816"/>
+              <a:ext cx="1440184" cy="1440184"/>
+            </a:xfrm>
+            <a:prstGeom prst="ellipse">
+              <a:avLst/>
+            </a:prstGeom>
+            <a:noFill/>
+            <a:ln>
+              <a:solidFill>
+                <a:schemeClr val="bg1">
+                  <a:lumMod val="50000"/>
+                </a:schemeClr>
+              </a:solidFill>
+            </a:ln>
+          </p:spPr>
+          <p:style>
+            <a:lnRef idx="2">
+              <a:schemeClr val="accent1">
+                <a:shade val="50000"/>
+              </a:schemeClr>
+            </a:lnRef>
+            <a:fillRef idx="1">
+              <a:schemeClr val="accent1"/>
+            </a:fillRef>
+            <a:effectRef idx="0">
+              <a:schemeClr val="accent1"/>
+            </a:effectRef>
+            <a:fontRef idx="minor">
+              <a:schemeClr val="lt1"/>
+            </a:fontRef>
+          </p:style>
+          <p:txBody>
+            <a:bodyPr rtlCol="0" anchor="ctr"/>
+            <a:lstStyle/>
+            <a:p>
+              <a:pPr algn="ctr"/>
+              <a:endParaRPr kumimoji="1" lang="ja-JP" altLang="en-US"/>
+            </a:p>
+          </p:txBody>
+        </p:sp>
+        <p:cxnSp>
+          <p:nvCxnSpPr>
+            <p:cNvPr id="91" name="直線矢印コネクタ 90"/>
+            <p:cNvCxnSpPr/>
+            <p:nvPr/>
+          </p:nvCxnSpPr>
+          <p:spPr>
+            <a:xfrm flipV="1">
+              <a:off x="4356000" y="3002090"/>
+              <a:ext cx="216000" cy="216000"/>
+            </a:xfrm>
+            <a:prstGeom prst="straightConnector1">
+              <a:avLst/>
+            </a:prstGeom>
+            <a:ln w="38100">
+              <a:solidFill>
+                <a:srgbClr val="0000FF"/>
+              </a:solidFill>
+              <a:headEnd type="none" w="med" len="med"/>
+              <a:tailEnd type="triangle" w="med" len="med"/>
+            </a:ln>
+          </p:spPr>
+          <p:style>
+            <a:lnRef idx="1">
+              <a:schemeClr val="accent1"/>
+            </a:lnRef>
+            <a:fillRef idx="0">
+              <a:schemeClr val="accent1"/>
+            </a:fillRef>
+            <a:effectRef idx="0">
+              <a:schemeClr val="accent1"/>
+            </a:effectRef>
+            <a:fontRef idx="minor">
+              <a:schemeClr val="tx1"/>
+            </a:fontRef>
+          </p:style>
+        </p:cxnSp>
+        <p:cxnSp>
+          <p:nvCxnSpPr>
+            <p:cNvPr id="93" name="直線矢印コネクタ 92"/>
+            <p:cNvCxnSpPr/>
+            <p:nvPr/>
+          </p:nvCxnSpPr>
+          <p:spPr>
+            <a:xfrm flipV="1">
+              <a:off x="3131818" y="2282015"/>
+              <a:ext cx="90012" cy="246870"/>
+            </a:xfrm>
+            <a:prstGeom prst="straightConnector1">
+              <a:avLst/>
+            </a:prstGeom>
+            <a:ln w="38100">
+              <a:solidFill>
+                <a:srgbClr val="0000FF"/>
+              </a:solidFill>
+              <a:headEnd type="none" w="med" len="med"/>
+              <a:tailEnd type="triangle" w="med" len="med"/>
+            </a:ln>
+          </p:spPr>
+          <p:style>
+            <a:lnRef idx="1">
+              <a:schemeClr val="accent1"/>
+            </a:lnRef>
+            <a:fillRef idx="0">
+              <a:schemeClr val="accent1"/>
+            </a:fillRef>
+            <a:effectRef idx="0">
+              <a:schemeClr val="accent1"/>
+            </a:effectRef>
+            <a:fontRef idx="minor">
+              <a:schemeClr val="tx1"/>
+            </a:fontRef>
+          </p:style>
+        </p:cxnSp>
+      </p:grpSp>
+      <p:cxnSp>
+        <p:nvCxnSpPr>
+          <p:cNvPr id="89" name="直線矢印コネクタ 88"/>
+          <p:cNvCxnSpPr>
+            <a:stCxn id="81" idx="7"/>
+          </p:cNvCxnSpPr>
+          <p:nvPr/>
+        </p:nvCxnSpPr>
+        <p:spPr>
+          <a:xfrm flipH="1">
+            <a:off x="7976994" y="2199726"/>
+            <a:ext cx="164580" cy="164579"/>
+          </a:xfrm>
+          <a:prstGeom prst="straightConnector1">
+            <a:avLst/>
+          </a:prstGeom>
+          <a:ln w="38100">
+            <a:solidFill>
+              <a:srgbClr val="FF0000"/>
+            </a:solidFill>
+            <a:headEnd type="none" w="med" len="med"/>
+            <a:tailEnd type="triangle" w="med" len="med"/>
+          </a:ln>
+        </p:spPr>
+        <p:style>
+          <a:lnRef idx="1">
+            <a:schemeClr val="accent1"/>
+          </a:lnRef>
+          <a:fillRef idx="0">
+            <a:schemeClr val="accent1"/>
+          </a:fillRef>
+          <a:effectRef idx="0">
+            <a:schemeClr val="accent1"/>
+          </a:effectRef>
+          <a:fontRef idx="minor">
+            <a:schemeClr val="tx1"/>
+          </a:fontRef>
+        </p:style>
+      </p:cxnSp>
+      <p:grpSp>
+        <p:nvGrpSpPr>
+          <p:cNvPr id="94" name="グループ化 93"/>
+          <p:cNvGrpSpPr/>
+          <p:nvPr/>
+        </p:nvGrpSpPr>
+        <p:grpSpPr>
+          <a:xfrm>
+            <a:off x="-468648" y="188586"/>
+            <a:ext cx="5220671" cy="5040645"/>
+            <a:chOff x="1331585" y="188586"/>
+            <a:chExt cx="5220671" cy="5040645"/>
+          </a:xfrm>
+        </p:grpSpPr>
+        <p:grpSp>
+          <p:nvGrpSpPr>
+            <p:cNvPr id="95" name="グループ化 94"/>
+            <p:cNvGrpSpPr/>
+            <p:nvPr/>
+          </p:nvGrpSpPr>
+          <p:grpSpPr>
+            <a:xfrm>
+              <a:off x="1331585" y="188586"/>
+              <a:ext cx="3600462" cy="5040645"/>
+              <a:chOff x="1331585" y="188586"/>
+              <a:chExt cx="3600462" cy="5040645"/>
+            </a:xfrm>
+          </p:grpSpPr>
+          <p:sp>
+            <p:nvSpPr>
+              <p:cNvPr id="102" name="円弧 101"/>
+              <p:cNvSpPr/>
+              <p:nvPr/>
+            </p:nvSpPr>
+            <p:spPr>
+              <a:xfrm>
+                <a:off x="1331585" y="1628770"/>
+                <a:ext cx="3600461" cy="3600461"/>
+              </a:xfrm>
+              <a:prstGeom prst="arc">
+                <a:avLst>
+                  <a:gd name="adj1" fmla="val 17937390"/>
+                  <a:gd name="adj2" fmla="val 20207625"/>
+                </a:avLst>
+              </a:prstGeom>
+              <a:ln w="38100">
+                <a:solidFill>
+                  <a:schemeClr val="tx1"/>
+                </a:solidFill>
+              </a:ln>
+            </p:spPr>
+            <p:style>
+              <a:lnRef idx="1">
+                <a:schemeClr val="accent1"/>
+              </a:lnRef>
+              <a:fillRef idx="0">
+                <a:schemeClr val="accent1"/>
+              </a:fillRef>
+              <a:effectRef idx="0">
+                <a:schemeClr val="accent1"/>
+              </a:effectRef>
+              <a:fontRef idx="minor">
+                <a:schemeClr val="tx1"/>
+              </a:fontRef>
+            </p:style>
+            <p:txBody>
+              <a:bodyPr rtlCol="0" anchor="ctr"/>
+              <a:lstStyle/>
+              <a:p>
+                <a:pPr algn="ctr"/>
+                <a:endParaRPr kumimoji="1" lang="ja-JP" altLang="en-US"/>
+              </a:p>
+            </p:txBody>
+          </p:sp>
+          <p:sp>
+            <p:nvSpPr>
+              <p:cNvPr id="103" name="円弧 102"/>
+              <p:cNvSpPr/>
+              <p:nvPr/>
+            </p:nvSpPr>
+            <p:spPr>
+              <a:xfrm flipV="1">
+                <a:off x="1331586" y="188586"/>
+                <a:ext cx="3600461" cy="3600461"/>
+              </a:xfrm>
+              <a:prstGeom prst="arc">
+                <a:avLst>
+                  <a:gd name="adj1" fmla="val 17941978"/>
+                  <a:gd name="adj2" fmla="val 20207625"/>
+                </a:avLst>
+              </a:prstGeom>
+              <a:ln w="38100">
+                <a:solidFill>
+                  <a:schemeClr val="tx1"/>
+                </a:solidFill>
+              </a:ln>
+            </p:spPr>
+            <p:style>
+              <a:lnRef idx="1">
+                <a:schemeClr val="accent1"/>
+              </a:lnRef>
+              <a:fillRef idx="0">
+                <a:schemeClr val="accent1"/>
+              </a:fillRef>
+              <a:effectRef idx="0">
+                <a:schemeClr val="accent1"/>
+              </a:effectRef>
+              <a:fontRef idx="minor">
+                <a:schemeClr val="tx1"/>
+              </a:fontRef>
+            </p:style>
+            <p:txBody>
+              <a:bodyPr rtlCol="0" anchor="ctr"/>
+              <a:lstStyle/>
+              <a:p>
+                <a:pPr algn="ctr"/>
+                <a:endParaRPr kumimoji="1" lang="ja-JP" altLang="en-US"/>
+              </a:p>
+            </p:txBody>
+          </p:sp>
+        </p:grpSp>
+        <p:sp>
+          <p:nvSpPr>
+            <p:cNvPr id="96" name="円弧 95"/>
+            <p:cNvSpPr/>
+            <p:nvPr/>
+          </p:nvSpPr>
+          <p:spPr>
+            <a:xfrm flipH="1">
+              <a:off x="2951795" y="1268724"/>
+              <a:ext cx="3600461" cy="3600461"/>
+            </a:xfrm>
+            <a:prstGeom prst="arc">
+              <a:avLst>
+                <a:gd name="adj1" fmla="val 19376890"/>
+                <a:gd name="adj2" fmla="val 21495947"/>
+              </a:avLst>
+            </a:prstGeom>
+            <a:ln w="38100">
+              <a:solidFill>
+                <a:schemeClr val="tx1"/>
+              </a:solidFill>
+            </a:ln>
+          </p:spPr>
+          <p:style>
+            <a:lnRef idx="1">
+              <a:schemeClr val="accent1"/>
+            </a:lnRef>
+            <a:fillRef idx="0">
+              <a:schemeClr val="accent1"/>
+            </a:fillRef>
+            <a:effectRef idx="0">
+              <a:schemeClr val="accent1"/>
+            </a:effectRef>
+            <a:fontRef idx="minor">
+              <a:schemeClr val="tx1"/>
+            </a:fontRef>
+          </p:style>
+          <p:txBody>
+            <a:bodyPr rtlCol="0" anchor="ctr"/>
+            <a:lstStyle/>
+            <a:p>
+              <a:pPr algn="ctr"/>
+              <a:endParaRPr kumimoji="1" lang="ja-JP" altLang="en-US"/>
+            </a:p>
+          </p:txBody>
+        </p:sp>
+        <p:cxnSp>
+          <p:nvCxnSpPr>
+            <p:cNvPr id="97" name="直線矢印コネクタ 96"/>
+            <p:cNvCxnSpPr/>
+            <p:nvPr/>
+          </p:nvCxnSpPr>
+          <p:spPr>
+            <a:xfrm>
+              <a:off x="3131818" y="2528885"/>
+              <a:ext cx="540067" cy="180023"/>
+            </a:xfrm>
+            <a:prstGeom prst="straightConnector1">
+              <a:avLst/>
+            </a:prstGeom>
+            <a:ln w="38100">
+              <a:solidFill>
+                <a:srgbClr val="FF0000"/>
+              </a:solidFill>
+              <a:headEnd type="none" w="med" len="med"/>
+              <a:tailEnd type="triangle" w="med" len="med"/>
+            </a:ln>
+          </p:spPr>
+          <p:style>
+            <a:lnRef idx="1">
+              <a:schemeClr val="accent1"/>
+            </a:lnRef>
+            <a:fillRef idx="0">
+              <a:schemeClr val="accent1"/>
+            </a:fillRef>
+            <a:effectRef idx="0">
+              <a:schemeClr val="accent1"/>
+            </a:effectRef>
+            <a:fontRef idx="minor">
+              <a:schemeClr val="tx1"/>
+            </a:fontRef>
+          </p:style>
+        </p:cxnSp>
+        <p:cxnSp>
+          <p:nvCxnSpPr>
+            <p:cNvPr id="98" name="直線矢印コネクタ 97"/>
+            <p:cNvCxnSpPr>
+              <a:stCxn id="99" idx="5"/>
+            </p:cNvCxnSpPr>
+            <p:nvPr/>
+          </p:nvCxnSpPr>
+          <p:spPr>
+            <a:xfrm flipH="1" flipV="1">
+              <a:off x="4031931" y="2888931"/>
+              <a:ext cx="329159" cy="329159"/>
+            </a:xfrm>
+            <a:prstGeom prst="straightConnector1">
+              <a:avLst/>
+            </a:prstGeom>
+            <a:ln w="38100">
+              <a:solidFill>
+                <a:srgbClr val="FF0000"/>
+              </a:solidFill>
+              <a:headEnd type="none" w="med" len="med"/>
+              <a:tailEnd type="triangle" w="med" len="med"/>
+            </a:ln>
+          </p:spPr>
+          <p:style>
+            <a:lnRef idx="1">
+              <a:schemeClr val="accent1"/>
+            </a:lnRef>
+            <a:fillRef idx="0">
+              <a:schemeClr val="accent1"/>
+            </a:fillRef>
+            <a:effectRef idx="0">
+              <a:schemeClr val="accent1"/>
+            </a:effectRef>
+            <a:fontRef idx="minor">
+              <a:schemeClr val="tx1"/>
+            </a:fontRef>
+          </p:style>
+        </p:cxnSp>
+        <p:sp>
+          <p:nvSpPr>
+            <p:cNvPr id="99" name="円/楕円 98"/>
+            <p:cNvSpPr/>
+            <p:nvPr/>
+          </p:nvSpPr>
+          <p:spPr>
+            <a:xfrm>
+              <a:off x="3131816" y="1988816"/>
+              <a:ext cx="1440184" cy="1440184"/>
+            </a:xfrm>
+            <a:prstGeom prst="ellipse">
+              <a:avLst/>
+            </a:prstGeom>
+            <a:noFill/>
+            <a:ln>
+              <a:solidFill>
+                <a:schemeClr val="bg1">
+                  <a:lumMod val="50000"/>
+                </a:schemeClr>
+              </a:solidFill>
+            </a:ln>
+          </p:spPr>
+          <p:style>
+            <a:lnRef idx="2">
+              <a:schemeClr val="accent1">
+                <a:shade val="50000"/>
+              </a:schemeClr>
+            </a:lnRef>
+            <a:fillRef idx="1">
+              <a:schemeClr val="accent1"/>
+            </a:fillRef>
+            <a:effectRef idx="0">
+              <a:schemeClr val="accent1"/>
+            </a:effectRef>
+            <a:fontRef idx="minor">
+              <a:schemeClr val="lt1"/>
+            </a:fontRef>
+          </p:style>
+          <p:txBody>
+            <a:bodyPr rtlCol="0" anchor="ctr"/>
+            <a:lstStyle/>
+            <a:p>
+              <a:pPr algn="ctr"/>
+              <a:endParaRPr kumimoji="1" lang="ja-JP" altLang="en-US"/>
+            </a:p>
+          </p:txBody>
+        </p:sp>
+        <p:cxnSp>
+          <p:nvCxnSpPr>
+            <p:cNvPr id="100" name="直線矢印コネクタ 99"/>
+            <p:cNvCxnSpPr/>
+            <p:nvPr/>
+          </p:nvCxnSpPr>
+          <p:spPr>
+            <a:xfrm flipH="1">
+              <a:off x="4145090" y="3213000"/>
+              <a:ext cx="216000" cy="216000"/>
+            </a:xfrm>
+            <a:prstGeom prst="straightConnector1">
+              <a:avLst/>
+            </a:prstGeom>
+            <a:ln w="38100">
+              <a:solidFill>
+                <a:srgbClr val="0000FF"/>
+              </a:solidFill>
+              <a:headEnd type="none" w="med" len="med"/>
+              <a:tailEnd type="triangle" w="med" len="med"/>
+            </a:ln>
+          </p:spPr>
+          <p:style>
+            <a:lnRef idx="1">
+              <a:schemeClr val="accent1"/>
+            </a:lnRef>
+            <a:fillRef idx="0">
+              <a:schemeClr val="accent1"/>
+            </a:fillRef>
+            <a:effectRef idx="0">
+              <a:schemeClr val="accent1"/>
+            </a:effectRef>
+            <a:fontRef idx="minor">
+              <a:schemeClr val="tx1"/>
+            </a:fontRef>
+          </p:style>
+        </p:cxnSp>
+        <p:cxnSp>
+          <p:nvCxnSpPr>
+            <p:cNvPr id="101" name="直線矢印コネクタ 100"/>
+            <p:cNvCxnSpPr/>
+            <p:nvPr/>
+          </p:nvCxnSpPr>
+          <p:spPr>
+            <a:xfrm flipH="1">
+              <a:off x="3042290" y="2528885"/>
+              <a:ext cx="89532" cy="245544"/>
+            </a:xfrm>
+            <a:prstGeom prst="straightConnector1">
+              <a:avLst/>
+            </a:prstGeom>
+            <a:ln w="38100">
+              <a:solidFill>
+                <a:srgbClr val="0000FF"/>
+              </a:solidFill>
+              <a:headEnd type="none" w="med" len="med"/>
+              <a:tailEnd type="triangle" w="med" len="med"/>
+            </a:ln>
+          </p:spPr>
+          <p:style>
+            <a:lnRef idx="1">
+              <a:schemeClr val="accent1"/>
+            </a:lnRef>
+            <a:fillRef idx="0">
+              <a:schemeClr val="accent1"/>
+            </a:fillRef>
+            <a:effectRef idx="0">
+              <a:schemeClr val="accent1"/>
+            </a:effectRef>
+            <a:fontRef idx="minor">
+              <a:schemeClr val="tx1"/>
+            </a:fontRef>
+          </p:style>
+        </p:cxnSp>
+      </p:grpSp>
+      <p:cxnSp>
+        <p:nvCxnSpPr>
+          <p:cNvPr id="105" name="直線矢印コネクタ 104"/>
+          <p:cNvCxnSpPr>
+            <a:stCxn id="99" idx="7"/>
+          </p:cNvCxnSpPr>
+          <p:nvPr/>
+        </p:nvCxnSpPr>
+        <p:spPr>
+          <a:xfrm flipH="1">
+            <a:off x="2396277" y="2199726"/>
+            <a:ext cx="164580" cy="164579"/>
+          </a:xfrm>
+          <a:prstGeom prst="straightConnector1">
+            <a:avLst/>
+          </a:prstGeom>
+          <a:ln w="38100">
+            <a:solidFill>
+              <a:srgbClr val="FF0000"/>
+            </a:solidFill>
+            <a:headEnd type="none" w="med" len="med"/>
+            <a:tailEnd type="triangle" w="med" len="med"/>
+          </a:ln>
+        </p:spPr>
+        <p:style>
+          <a:lnRef idx="1">
+            <a:schemeClr val="accent1"/>
+          </a:lnRef>
+          <a:fillRef idx="0">
+            <a:schemeClr val="accent1"/>
+          </a:fillRef>
+          <a:effectRef idx="0">
+            <a:schemeClr val="accent1"/>
+          </a:effectRef>
+          <a:fontRef idx="minor">
+            <a:schemeClr val="tx1"/>
+          </a:fontRef>
+        </p:style>
+      </p:cxnSp>
+    </p:spTree>
+    <p:extLst>
+      <p:ext uri="{BB962C8B-B14F-4D97-AF65-F5344CB8AC3E}">
+        <p14:creationId xmlns:p14="http://schemas.microsoft.com/office/powerpoint/2010/main" val="2965970310"/>
+      </p:ext>
+    </p:extLst>
+  </p:cSld>
+  <p:clrMapOvr>
+    <a:masterClrMapping/>
+  </p:clrMapOvr>
+</p:sld>
+</file>
+
+<file path=ppt/slides/slide5.xml><?xml version="1.0" encoding="utf-8"?>
+<p:sld xmlns:a="http://schemas.openxmlformats.org/drawingml/2006/main" xmlns:r="http://schemas.openxmlformats.org/officeDocument/2006/relationships" xmlns:p="http://schemas.openxmlformats.org/presentationml/2006/main">
+  <p:cSld>
+    <p:spTree>
+      <p:nvGrpSpPr>
+        <p:cNvPr id="1" name=""/>
+        <p:cNvGrpSpPr/>
+        <p:nvPr/>
+      </p:nvGrpSpPr>
+      <p:grpSpPr>
+        <a:xfrm>
+          <a:off x="0" y="0"/>
+          <a:ext cx="0" cy="0"/>
+          <a:chOff x="0" y="0"/>
+          <a:chExt cx="0" cy="0"/>
+        </a:xfrm>
+      </p:grpSpPr>
+      <p:grpSp>
+        <p:nvGrpSpPr>
+          <p:cNvPr id="36" name="グループ化 35"/>
+          <p:cNvGrpSpPr/>
+          <p:nvPr/>
+        </p:nvGrpSpPr>
+        <p:grpSpPr>
+          <a:xfrm>
+            <a:off x="2051676" y="188586"/>
+            <a:ext cx="5040646" cy="5040645"/>
+            <a:chOff x="1331586" y="188586"/>
+            <a:chExt cx="5040646" cy="5040645"/>
+          </a:xfrm>
+        </p:grpSpPr>
+        <p:sp>
+          <p:nvSpPr>
+            <p:cNvPr id="4" name="円弧 3"/>
+            <p:cNvSpPr/>
+            <p:nvPr/>
+          </p:nvSpPr>
+          <p:spPr>
+            <a:xfrm flipV="1">
+              <a:off x="1331586" y="188586"/>
+              <a:ext cx="3600461" cy="3600461"/>
+            </a:xfrm>
+            <a:prstGeom prst="arc">
+              <a:avLst>
+                <a:gd name="adj1" fmla="val 17941978"/>
+                <a:gd name="adj2" fmla="val 20207625"/>
+              </a:avLst>
+            </a:prstGeom>
+            <a:ln w="38100">
+              <a:solidFill>
+                <a:schemeClr val="tx1"/>
+              </a:solidFill>
+            </a:ln>
+          </p:spPr>
+          <p:style>
+            <a:lnRef idx="1">
+              <a:schemeClr val="accent1"/>
+            </a:lnRef>
+            <a:fillRef idx="0">
+              <a:schemeClr val="accent1"/>
+            </a:fillRef>
+            <a:effectRef idx="0">
+              <a:schemeClr val="accent1"/>
+            </a:effectRef>
+            <a:fontRef idx="minor">
+              <a:schemeClr val="tx1"/>
+            </a:fontRef>
+          </p:style>
+          <p:txBody>
+            <a:bodyPr rtlCol="0" anchor="ctr"/>
+            <a:lstStyle/>
+            <a:p>
+              <a:pPr algn="ctr"/>
+              <a:endParaRPr kumimoji="1" lang="ja-JP" altLang="en-US"/>
+            </a:p>
+          </p:txBody>
+        </p:sp>
+        <p:sp>
+          <p:nvSpPr>
+            <p:cNvPr id="9" name="円弧 8"/>
+            <p:cNvSpPr/>
+            <p:nvPr/>
+          </p:nvSpPr>
+          <p:spPr>
+            <a:xfrm flipH="1">
+              <a:off x="2771771" y="1628770"/>
+              <a:ext cx="3600461" cy="3600461"/>
+            </a:xfrm>
+            <a:prstGeom prst="arc">
+              <a:avLst>
+                <a:gd name="adj1" fmla="val 17937390"/>
+                <a:gd name="adj2" fmla="val 20207625"/>
+              </a:avLst>
+            </a:prstGeom>
+            <a:ln w="38100">
+              <a:solidFill>
+                <a:schemeClr val="tx1"/>
+              </a:solidFill>
+            </a:ln>
+          </p:spPr>
+          <p:style>
+            <a:lnRef idx="1">
+              <a:schemeClr val="accent1"/>
+            </a:lnRef>
+            <a:fillRef idx="0">
+              <a:schemeClr val="accent1"/>
+            </a:fillRef>
+            <a:effectRef idx="0">
+              <a:schemeClr val="accent1"/>
+            </a:effectRef>
+            <a:fontRef idx="minor">
+              <a:schemeClr val="tx1"/>
+            </a:fontRef>
+          </p:style>
+          <p:txBody>
+            <a:bodyPr rtlCol="0" anchor="ctr"/>
+            <a:lstStyle/>
+            <a:p>
+              <a:pPr algn="ctr"/>
+              <a:endParaRPr kumimoji="1" lang="ja-JP" altLang="en-US"/>
+            </a:p>
+          </p:txBody>
+        </p:sp>
+        <p:cxnSp>
+          <p:nvCxnSpPr>
+            <p:cNvPr id="12" name="直線矢印コネクタ 11"/>
+            <p:cNvCxnSpPr>
+              <a:stCxn id="2" idx="1"/>
+            </p:cNvCxnSpPr>
+            <p:nvPr/>
+          </p:nvCxnSpPr>
+          <p:spPr>
+            <a:xfrm>
+              <a:off x="3342726" y="2199726"/>
+              <a:ext cx="329159" cy="329159"/>
+            </a:xfrm>
+            <a:prstGeom prst="straightConnector1">
+              <a:avLst/>
+            </a:prstGeom>
+            <a:ln w="38100">
+              <a:solidFill>
+                <a:srgbClr val="FF0000"/>
+              </a:solidFill>
+              <a:headEnd type="none" w="med" len="med"/>
+              <a:tailEnd type="triangle" w="med" len="med"/>
+            </a:ln>
+          </p:spPr>
+          <p:style>
+            <a:lnRef idx="1">
+              <a:schemeClr val="accent1"/>
+            </a:lnRef>
+            <a:fillRef idx="0">
+              <a:schemeClr val="accent1"/>
+            </a:fillRef>
+            <a:effectRef idx="0">
+              <a:schemeClr val="accent1"/>
+            </a:effectRef>
+            <a:fontRef idx="minor">
+              <a:schemeClr val="tx1"/>
+            </a:fontRef>
+          </p:style>
+        </p:cxnSp>
+        <p:cxnSp>
+          <p:nvCxnSpPr>
+            <p:cNvPr id="23" name="直線矢印コネクタ 22"/>
+            <p:cNvCxnSpPr>
+              <a:stCxn id="2" idx="5"/>
+            </p:cNvCxnSpPr>
+            <p:nvPr/>
+          </p:nvCxnSpPr>
+          <p:spPr>
+            <a:xfrm flipH="1" flipV="1">
+              <a:off x="4031931" y="2888931"/>
+              <a:ext cx="329159" cy="329159"/>
+            </a:xfrm>
+            <a:prstGeom prst="straightConnector1">
+              <a:avLst/>
+            </a:prstGeom>
+            <a:ln w="38100">
+              <a:solidFill>
+                <a:srgbClr val="FF0000"/>
+              </a:solidFill>
+              <a:headEnd type="none" w="med" len="med"/>
+              <a:tailEnd type="triangle" w="med" len="med"/>
+            </a:ln>
+          </p:spPr>
+          <p:style>
+            <a:lnRef idx="1">
+              <a:schemeClr val="accent1"/>
+            </a:lnRef>
+            <a:fillRef idx="0">
+              <a:schemeClr val="accent1"/>
+            </a:fillRef>
+            <a:effectRef idx="0">
+              <a:schemeClr val="accent1"/>
+            </a:effectRef>
+            <a:fontRef idx="minor">
+              <a:schemeClr val="tx1"/>
+            </a:fontRef>
+          </p:style>
+        </p:cxnSp>
+        <p:sp>
+          <p:nvSpPr>
+            <p:cNvPr id="2" name="円/楕円 1"/>
+            <p:cNvSpPr/>
+            <p:nvPr/>
+          </p:nvSpPr>
+          <p:spPr>
+            <a:xfrm>
+              <a:off x="3131816" y="1988816"/>
+              <a:ext cx="1440184" cy="1440184"/>
+            </a:xfrm>
+            <a:prstGeom prst="ellipse">
+              <a:avLst/>
+            </a:prstGeom>
+            <a:noFill/>
+            <a:ln>
+              <a:solidFill>
+                <a:schemeClr val="bg1">
+                  <a:lumMod val="50000"/>
+                </a:schemeClr>
+              </a:solidFill>
+            </a:ln>
+          </p:spPr>
+          <p:style>
+            <a:lnRef idx="2">
+              <a:schemeClr val="accent1">
+                <a:shade val="50000"/>
+              </a:schemeClr>
+            </a:lnRef>
+            <a:fillRef idx="1">
+              <a:schemeClr val="accent1"/>
+            </a:fillRef>
+            <a:effectRef idx="0">
+              <a:schemeClr val="accent1"/>
+            </a:effectRef>
+            <a:fontRef idx="minor">
+              <a:schemeClr val="lt1"/>
+            </a:fontRef>
+          </p:style>
+          <p:txBody>
+            <a:bodyPr rtlCol="0" anchor="ctr"/>
+            <a:lstStyle/>
+            <a:p>
+              <a:pPr algn="ctr"/>
+              <a:endParaRPr kumimoji="1" lang="ja-JP" altLang="en-US"/>
+            </a:p>
+          </p:txBody>
+        </p:sp>
+        <p:cxnSp>
+          <p:nvCxnSpPr>
+            <p:cNvPr id="28" name="直線矢印コネクタ 27"/>
+            <p:cNvCxnSpPr/>
+            <p:nvPr/>
+          </p:nvCxnSpPr>
+          <p:spPr>
+            <a:xfrm>
+              <a:off x="4211954" y="3779714"/>
+              <a:ext cx="360046" cy="0"/>
+            </a:xfrm>
+            <a:prstGeom prst="straightConnector1">
+              <a:avLst/>
+            </a:prstGeom>
+            <a:ln w="38100">
+              <a:solidFill>
+                <a:srgbClr val="FF0000"/>
+              </a:solidFill>
+              <a:headEnd type="none" w="med" len="med"/>
+              <a:tailEnd type="triangle" w="med" len="med"/>
+            </a:ln>
+          </p:spPr>
+          <p:style>
+            <a:lnRef idx="1">
+              <a:schemeClr val="accent1"/>
+            </a:lnRef>
+            <a:fillRef idx="0">
+              <a:schemeClr val="accent1"/>
+            </a:fillRef>
+            <a:effectRef idx="0">
+              <a:schemeClr val="accent1"/>
+            </a:effectRef>
+            <a:fontRef idx="minor">
+              <a:schemeClr val="tx1"/>
+            </a:fontRef>
+          </p:style>
+        </p:cxnSp>
+        <p:sp>
+          <p:nvSpPr>
+            <p:cNvPr id="30" name="テキスト ボックス 29"/>
+            <p:cNvSpPr txBox="1"/>
+            <p:nvPr/>
+          </p:nvSpPr>
+          <p:spPr>
+            <a:xfrm>
+              <a:off x="4572000" y="3599691"/>
+              <a:ext cx="992579" cy="360000"/>
+            </a:xfrm>
+            <a:prstGeom prst="rect">
+              <a:avLst/>
+            </a:prstGeom>
+            <a:noFill/>
+          </p:spPr>
+          <p:txBody>
+            <a:bodyPr wrap="none" rtlCol="0">
+              <a:spAutoFit/>
+            </a:bodyPr>
+            <a:lstStyle/>
+            <a:p>
+              <a:r>
+                <a:rPr kumimoji="1" lang="en-US" altLang="ja-JP" i="1" dirty="0" err="1" smtClean="0">
+                  <a:latin typeface="Times New Roman" panose="02020603050405020304" pitchFamily="18" charset="0"/>
+                  <a:cs typeface="Times New Roman" panose="02020603050405020304" pitchFamily="18" charset="0"/>
+                </a:rPr>
+                <a:t>Hertzian</a:t>
+              </a:r>
+              <a:endParaRPr kumimoji="1" lang="ja-JP" altLang="en-US" i="1" dirty="0">
+                <a:latin typeface="Times New Roman" panose="02020603050405020304" pitchFamily="18" charset="0"/>
+                <a:cs typeface="Times New Roman" panose="02020603050405020304" pitchFamily="18" charset="0"/>
+              </a:endParaRPr>
+            </a:p>
+          </p:txBody>
+        </p:sp>
+        <p:cxnSp>
+          <p:nvCxnSpPr>
+            <p:cNvPr id="31" name="直線矢印コネクタ 30"/>
+            <p:cNvCxnSpPr/>
+            <p:nvPr/>
+          </p:nvCxnSpPr>
+          <p:spPr>
+            <a:xfrm>
+              <a:off x="4211954" y="4139806"/>
+              <a:ext cx="360046" cy="0"/>
+            </a:xfrm>
+            <a:prstGeom prst="straightConnector1">
+              <a:avLst/>
+            </a:prstGeom>
+            <a:ln w="38100">
+              <a:solidFill>
+                <a:srgbClr val="0000FF"/>
+              </a:solidFill>
+              <a:headEnd type="none" w="med" len="med"/>
+              <a:tailEnd type="triangle" w="med" len="med"/>
+            </a:ln>
+          </p:spPr>
+          <p:style>
+            <a:lnRef idx="1">
+              <a:schemeClr val="accent1"/>
+            </a:lnRef>
+            <a:fillRef idx="0">
+              <a:schemeClr val="accent1"/>
+            </a:fillRef>
+            <a:effectRef idx="0">
+              <a:schemeClr val="accent1"/>
+            </a:effectRef>
+            <a:fontRef idx="minor">
+              <a:schemeClr val="tx1"/>
+            </a:fontRef>
+          </p:style>
+        </p:cxnSp>
+        <p:sp>
+          <p:nvSpPr>
+            <p:cNvPr id="32" name="テキスト ボックス 31"/>
+            <p:cNvSpPr txBox="1"/>
+            <p:nvPr/>
+          </p:nvSpPr>
+          <p:spPr>
+            <a:xfrm>
+              <a:off x="4572000" y="3959783"/>
+              <a:ext cx="1031051" cy="369332"/>
+            </a:xfrm>
+            <a:prstGeom prst="rect">
+              <a:avLst/>
+            </a:prstGeom>
+            <a:noFill/>
+          </p:spPr>
+          <p:txBody>
+            <a:bodyPr wrap="none" rtlCol="0">
+              <a:spAutoFit/>
+            </a:bodyPr>
+            <a:lstStyle/>
+            <a:p>
+              <a:r>
+                <a:rPr lang="en-US" altLang="ja-JP" i="1" dirty="0" smtClean="0">
+                  <a:latin typeface="Times New Roman" panose="02020603050405020304" pitchFamily="18" charset="0"/>
+                  <a:cs typeface="Times New Roman" panose="02020603050405020304" pitchFamily="18" charset="0"/>
+                </a:rPr>
+                <a:t>Coulomb</a:t>
+              </a:r>
+              <a:endParaRPr kumimoji="1" lang="ja-JP" altLang="en-US" i="1" dirty="0">
+                <a:latin typeface="Times New Roman" panose="02020603050405020304" pitchFamily="18" charset="0"/>
+                <a:cs typeface="Times New Roman" panose="02020603050405020304" pitchFamily="18" charset="0"/>
+              </a:endParaRPr>
+            </a:p>
+          </p:txBody>
+        </p:sp>
+      </p:grpSp>
+      <p:grpSp>
+        <p:nvGrpSpPr>
+          <p:cNvPr id="37" name="グループ化 36"/>
+          <p:cNvGrpSpPr/>
+          <p:nvPr/>
+        </p:nvGrpSpPr>
+        <p:grpSpPr>
+          <a:xfrm>
+            <a:off x="4932045" y="188586"/>
+            <a:ext cx="5040646" cy="5040645"/>
+            <a:chOff x="1331586" y="188586"/>
+            <a:chExt cx="5040646" cy="5040645"/>
+          </a:xfrm>
+        </p:grpSpPr>
+        <p:sp>
+          <p:nvSpPr>
+            <p:cNvPr id="42" name="円/楕円 41"/>
+            <p:cNvSpPr/>
+            <p:nvPr/>
+          </p:nvSpPr>
+          <p:spPr>
+            <a:xfrm>
+              <a:off x="3131816" y="1988816"/>
+              <a:ext cx="1440184" cy="1440184"/>
+            </a:xfrm>
+            <a:prstGeom prst="ellipse">
+              <a:avLst/>
+            </a:prstGeom>
+            <a:noFill/>
+            <a:ln>
+              <a:solidFill>
+                <a:schemeClr val="bg1">
+                  <a:lumMod val="50000"/>
+                </a:schemeClr>
+              </a:solidFill>
+            </a:ln>
+          </p:spPr>
+          <p:style>
+            <a:lnRef idx="2">
+              <a:schemeClr val="accent1">
+                <a:shade val="50000"/>
+              </a:schemeClr>
+            </a:lnRef>
+            <a:fillRef idx="1">
+              <a:schemeClr val="accent1"/>
+            </a:fillRef>
+            <a:effectRef idx="0">
+              <a:schemeClr val="accent1"/>
+            </a:effectRef>
+            <a:fontRef idx="minor">
+              <a:schemeClr val="lt1"/>
+            </a:fontRef>
+          </p:style>
+          <p:txBody>
+            <a:bodyPr rtlCol="0" anchor="ctr"/>
+            <a:lstStyle/>
+            <a:p>
+              <a:pPr algn="ctr"/>
+              <a:endParaRPr kumimoji="1" lang="ja-JP" altLang="en-US"/>
+            </a:p>
+          </p:txBody>
+        </p:sp>
+        <p:sp>
+          <p:nvSpPr>
+            <p:cNvPr id="55" name="円弧 54"/>
+            <p:cNvSpPr/>
+            <p:nvPr/>
+          </p:nvSpPr>
+          <p:spPr>
+            <a:xfrm flipV="1">
+              <a:off x="1331586" y="188586"/>
+              <a:ext cx="3600461" cy="3600461"/>
+            </a:xfrm>
+            <a:prstGeom prst="arc">
+              <a:avLst>
+                <a:gd name="adj1" fmla="val 17941978"/>
+                <a:gd name="adj2" fmla="val 20207625"/>
+              </a:avLst>
+            </a:prstGeom>
+            <a:ln w="38100">
+              <a:solidFill>
+                <a:schemeClr val="tx1"/>
+              </a:solidFill>
+            </a:ln>
+          </p:spPr>
+          <p:style>
+            <a:lnRef idx="1">
+              <a:schemeClr val="accent1"/>
+            </a:lnRef>
+            <a:fillRef idx="0">
+              <a:schemeClr val="accent1"/>
+            </a:fillRef>
+            <a:effectRef idx="0">
+              <a:schemeClr val="accent1"/>
+            </a:effectRef>
+            <a:fontRef idx="minor">
+              <a:schemeClr val="tx1"/>
+            </a:fontRef>
+          </p:style>
+          <p:txBody>
+            <a:bodyPr rtlCol="0" anchor="ctr"/>
+            <a:lstStyle/>
+            <a:p>
+              <a:pPr algn="ctr"/>
+              <a:endParaRPr kumimoji="1" lang="ja-JP" altLang="en-US"/>
+            </a:p>
+          </p:txBody>
+        </p:sp>
+        <p:sp>
+          <p:nvSpPr>
+            <p:cNvPr id="52" name="円弧 51"/>
+            <p:cNvSpPr/>
+            <p:nvPr/>
+          </p:nvSpPr>
+          <p:spPr>
+            <a:xfrm flipH="1">
+              <a:off x="2771771" y="1628770"/>
+              <a:ext cx="3600461" cy="3600461"/>
+            </a:xfrm>
+            <a:prstGeom prst="arc">
+              <a:avLst>
+                <a:gd name="adj1" fmla="val 17937390"/>
+                <a:gd name="adj2" fmla="val 20207625"/>
+              </a:avLst>
+            </a:prstGeom>
+            <a:ln w="38100">
+              <a:solidFill>
+                <a:schemeClr val="tx1"/>
+              </a:solidFill>
+            </a:ln>
+          </p:spPr>
+          <p:style>
+            <a:lnRef idx="1">
+              <a:schemeClr val="accent1"/>
+            </a:lnRef>
+            <a:fillRef idx="0">
+              <a:schemeClr val="accent1"/>
+            </a:fillRef>
+            <a:effectRef idx="0">
+              <a:schemeClr val="accent1"/>
+            </a:effectRef>
+            <a:fontRef idx="minor">
+              <a:schemeClr val="tx1"/>
+            </a:fontRef>
+          </p:style>
+          <p:txBody>
+            <a:bodyPr rtlCol="0" anchor="ctr"/>
+            <a:lstStyle/>
+            <a:p>
+              <a:pPr algn="ctr"/>
+              <a:endParaRPr kumimoji="1" lang="ja-JP" altLang="en-US"/>
+            </a:p>
+          </p:txBody>
+        </p:sp>
+        <p:grpSp>
+          <p:nvGrpSpPr>
+            <p:cNvPr id="40" name="グループ化 39"/>
+            <p:cNvGrpSpPr/>
+            <p:nvPr/>
+          </p:nvGrpSpPr>
+          <p:grpSpPr>
+            <a:xfrm>
+              <a:off x="3491863" y="1988816"/>
+              <a:ext cx="282862" cy="540069"/>
+              <a:chOff x="3491863" y="1988816"/>
+              <a:chExt cx="282862" cy="540069"/>
+            </a:xfrm>
+          </p:grpSpPr>
+          <p:cxnSp>
+            <p:nvCxnSpPr>
+              <p:cNvPr id="50" name="直線矢印コネクタ 49"/>
+              <p:cNvCxnSpPr/>
+              <p:nvPr/>
+            </p:nvCxnSpPr>
+            <p:spPr>
+              <a:xfrm>
+                <a:off x="3507305" y="2096816"/>
+                <a:ext cx="164580" cy="432069"/>
+              </a:xfrm>
+              <a:prstGeom prst="straightConnector1">
+                <a:avLst/>
+              </a:prstGeom>
+              <a:ln w="38100">
+                <a:solidFill>
+                  <a:srgbClr val="FF0000"/>
+                </a:solidFill>
+                <a:headEnd type="none" w="med" len="med"/>
+                <a:tailEnd type="triangle" w="med" len="med"/>
+              </a:ln>
+            </p:spPr>
+            <p:style>
+              <a:lnRef idx="1">
+                <a:schemeClr val="accent1"/>
+              </a:lnRef>
+              <a:fillRef idx="0">
+                <a:schemeClr val="accent1"/>
+              </a:fillRef>
+              <a:effectRef idx="0">
+                <a:schemeClr val="accent1"/>
+              </a:effectRef>
+              <a:fontRef idx="minor">
+                <a:schemeClr val="tx1"/>
+              </a:fontRef>
+            </p:style>
+          </p:cxnSp>
+          <p:cxnSp>
+            <p:nvCxnSpPr>
+              <p:cNvPr id="51" name="直線矢印コネクタ 50"/>
+              <p:cNvCxnSpPr/>
+              <p:nvPr/>
+            </p:nvCxnSpPr>
+            <p:spPr>
+              <a:xfrm flipV="1">
+                <a:off x="3491863" y="1988816"/>
+                <a:ext cx="282862" cy="108001"/>
+              </a:xfrm>
+              <a:prstGeom prst="straightConnector1">
+                <a:avLst/>
+              </a:prstGeom>
+              <a:ln w="38100">
+                <a:solidFill>
+                  <a:srgbClr val="0000FF"/>
+                </a:solidFill>
+                <a:headEnd type="none" w="med" len="med"/>
+                <a:tailEnd type="triangle" w="med" len="med"/>
+              </a:ln>
+            </p:spPr>
+            <p:style>
+              <a:lnRef idx="1">
+                <a:schemeClr val="accent1"/>
+              </a:lnRef>
+              <a:fillRef idx="0">
+                <a:schemeClr val="accent1"/>
+              </a:fillRef>
+              <a:effectRef idx="0">
+                <a:schemeClr val="accent1"/>
+              </a:effectRef>
+              <a:fontRef idx="minor">
+                <a:schemeClr val="tx1"/>
+              </a:fontRef>
+            </p:style>
+          </p:cxnSp>
+        </p:grpSp>
+        <p:grpSp>
+          <p:nvGrpSpPr>
+            <p:cNvPr id="41" name="グループ化 40"/>
+            <p:cNvGrpSpPr/>
+            <p:nvPr/>
+          </p:nvGrpSpPr>
+          <p:grpSpPr>
+            <a:xfrm flipH="1" flipV="1">
+              <a:off x="4031932" y="2802173"/>
+              <a:ext cx="540069" cy="266783"/>
+              <a:chOff x="3080395" y="2183441"/>
+              <a:chExt cx="540069" cy="266783"/>
+            </a:xfrm>
+          </p:grpSpPr>
+          <p:cxnSp>
+            <p:nvCxnSpPr>
+              <p:cNvPr id="48" name="直線矢印コネクタ 47"/>
+              <p:cNvCxnSpPr/>
+              <p:nvPr/>
+            </p:nvCxnSpPr>
+            <p:spPr>
+              <a:xfrm>
+                <a:off x="3183306" y="2183443"/>
+                <a:ext cx="437158" cy="180022"/>
+              </a:xfrm>
+              <a:prstGeom prst="straightConnector1">
+                <a:avLst/>
+              </a:prstGeom>
+              <a:ln w="38100">
+                <a:solidFill>
+                  <a:srgbClr val="FF0000"/>
+                </a:solidFill>
+                <a:headEnd type="none" w="med" len="med"/>
+                <a:tailEnd type="triangle" w="med" len="med"/>
+              </a:ln>
+            </p:spPr>
+            <p:style>
+              <a:lnRef idx="1">
+                <a:schemeClr val="accent1"/>
+              </a:lnRef>
+              <a:fillRef idx="0">
+                <a:schemeClr val="accent1"/>
+              </a:fillRef>
+              <a:effectRef idx="0">
+                <a:schemeClr val="accent1"/>
+              </a:effectRef>
+              <a:fontRef idx="minor">
+                <a:schemeClr val="tx1"/>
+              </a:fontRef>
+            </p:style>
+          </p:cxnSp>
+          <p:cxnSp>
+            <p:nvCxnSpPr>
+              <p:cNvPr id="49" name="直線矢印コネクタ 48"/>
+              <p:cNvCxnSpPr/>
+              <p:nvPr/>
+            </p:nvCxnSpPr>
+            <p:spPr>
+              <a:xfrm flipH="1">
+                <a:off x="3080395" y="2183441"/>
+                <a:ext cx="102911" cy="266783"/>
+              </a:xfrm>
+              <a:prstGeom prst="straightConnector1">
+                <a:avLst/>
+              </a:prstGeom>
+              <a:ln w="38100">
+                <a:solidFill>
+                  <a:srgbClr val="0000FF"/>
+                </a:solidFill>
+                <a:headEnd type="none" w="med" len="med"/>
+                <a:tailEnd type="triangle" w="med" len="med"/>
+              </a:ln>
+            </p:spPr>
+            <p:style>
+              <a:lnRef idx="1">
+                <a:schemeClr val="accent1"/>
+              </a:lnRef>
+              <a:fillRef idx="0">
+                <a:schemeClr val="accent1"/>
+              </a:fillRef>
+              <a:effectRef idx="0">
+                <a:schemeClr val="accent1"/>
+              </a:effectRef>
+              <a:fontRef idx="minor">
+                <a:schemeClr val="tx1"/>
+              </a:fontRef>
+            </p:style>
+          </p:cxnSp>
+        </p:grpSp>
+      </p:grpSp>
+      <p:grpSp>
+        <p:nvGrpSpPr>
+          <p:cNvPr id="59" name="グループ化 58"/>
+          <p:cNvGrpSpPr/>
+          <p:nvPr/>
+        </p:nvGrpSpPr>
+        <p:grpSpPr>
+          <a:xfrm>
+            <a:off x="6552253" y="1628816"/>
+            <a:ext cx="360000" cy="360000"/>
+            <a:chOff x="6552253" y="545180"/>
+            <a:chExt cx="360000" cy="360000"/>
+          </a:xfrm>
+        </p:grpSpPr>
+        <p:sp>
+          <p:nvSpPr>
+            <p:cNvPr id="57" name="円/楕円 56"/>
+            <p:cNvSpPr/>
+            <p:nvPr/>
+          </p:nvSpPr>
+          <p:spPr>
+            <a:xfrm>
+              <a:off x="6552253" y="545180"/>
+              <a:ext cx="360000" cy="360000"/>
+            </a:xfrm>
+            <a:prstGeom prst="ellipse">
+              <a:avLst/>
+            </a:prstGeom>
+          </p:spPr>
+          <p:style>
+            <a:lnRef idx="2">
+              <a:schemeClr val="dk1"/>
+            </a:lnRef>
+            <a:fillRef idx="1">
+              <a:schemeClr val="lt1"/>
+            </a:fillRef>
+            <a:effectRef idx="0">
+              <a:schemeClr val="dk1"/>
+            </a:effectRef>
+            <a:fontRef idx="minor">
+              <a:schemeClr val="dk1"/>
+            </a:fontRef>
+          </p:style>
+          <p:txBody>
+            <a:bodyPr rtlCol="0" anchor="ctr"/>
+            <a:lstStyle/>
+            <a:p>
+              <a:pPr algn="ctr"/>
+              <a:endParaRPr kumimoji="1" lang="ja-JP" altLang="en-US"/>
+            </a:p>
+          </p:txBody>
+        </p:sp>
+        <p:sp>
+          <p:nvSpPr>
+            <p:cNvPr id="58" name="円/楕円 57"/>
+            <p:cNvSpPr/>
+            <p:nvPr/>
+          </p:nvSpPr>
+          <p:spPr>
+            <a:xfrm>
+              <a:off x="6660275" y="653180"/>
+              <a:ext cx="144000" cy="144000"/>
+            </a:xfrm>
+            <a:prstGeom prst="ellipse">
+              <a:avLst/>
+            </a:prstGeom>
+            <a:solidFill>
+              <a:schemeClr val="tx1"/>
+            </a:solidFill>
+          </p:spPr>
+          <p:style>
+            <a:lnRef idx="2">
+              <a:schemeClr val="dk1"/>
+            </a:lnRef>
+            <a:fillRef idx="1">
+              <a:schemeClr val="lt1"/>
+            </a:fillRef>
+            <a:effectRef idx="0">
+              <a:schemeClr val="dk1"/>
+            </a:effectRef>
+            <a:fontRef idx="minor">
+              <a:schemeClr val="dk1"/>
+            </a:fontRef>
+          </p:style>
+          <p:txBody>
+            <a:bodyPr rtlCol="0" anchor="ctr"/>
+            <a:lstStyle/>
+            <a:p>
+              <a:pPr algn="ctr"/>
+              <a:endParaRPr kumimoji="1" lang="ja-JP" altLang="en-US"/>
+            </a:p>
+          </p:txBody>
+        </p:sp>
+      </p:grpSp>
+      <p:sp>
+        <p:nvSpPr>
+          <p:cNvPr id="76" name="円/楕円 75"/>
+          <p:cNvSpPr/>
+          <p:nvPr/>
+        </p:nvSpPr>
+        <p:spPr>
+          <a:xfrm>
+            <a:off x="971539" y="1628816"/>
+            <a:ext cx="360000" cy="360000"/>
+          </a:xfrm>
+          <a:prstGeom prst="ellipse">
+            <a:avLst/>
+          </a:prstGeom>
+        </p:spPr>
+        <p:style>
+          <a:lnRef idx="2">
+            <a:schemeClr val="dk1"/>
+          </a:lnRef>
+          <a:fillRef idx="1">
+            <a:schemeClr val="lt1"/>
+          </a:fillRef>
+          <a:effectRef idx="0">
+            <a:schemeClr val="dk1"/>
+          </a:effectRef>
+          <a:fontRef idx="minor">
+            <a:schemeClr val="dk1"/>
+          </a:fontRef>
+        </p:style>
+        <p:txBody>
+          <a:bodyPr rtlCol="0" anchor="ctr"/>
+          <a:lstStyle/>
+          <a:p>
+            <a:pPr algn="ctr"/>
+            <a:endParaRPr kumimoji="1" lang="ja-JP" altLang="en-US"/>
+          </a:p>
+        </p:txBody>
+      </p:sp>
+      <p:cxnSp>
+        <p:nvCxnSpPr>
+          <p:cNvPr id="79" name="直線コネクタ 78"/>
+          <p:cNvCxnSpPr>
+            <a:stCxn id="76" idx="1"/>
+            <a:endCxn id="76" idx="5"/>
+          </p:cNvCxnSpPr>
+          <p:nvPr/>
+        </p:nvCxnSpPr>
+        <p:spPr>
+          <a:xfrm>
+            <a:off x="1024260" y="1681537"/>
+            <a:ext cx="254558" cy="254558"/>
+          </a:xfrm>
+          <a:prstGeom prst="line">
+            <a:avLst/>
+          </a:prstGeom>
+          <a:ln w="19050">
+            <a:solidFill>
+              <a:schemeClr val="tx1"/>
+            </a:solidFill>
+          </a:ln>
+        </p:spPr>
+        <p:style>
+          <a:lnRef idx="1">
+            <a:schemeClr val="accent1"/>
+          </a:lnRef>
+          <a:fillRef idx="0">
+            <a:schemeClr val="accent1"/>
+          </a:fillRef>
+          <a:effectRef idx="0">
+            <a:schemeClr val="accent1"/>
+          </a:effectRef>
+          <a:fontRef idx="minor">
+            <a:schemeClr val="tx1"/>
+          </a:fontRef>
+        </p:style>
+      </p:cxnSp>
+      <p:cxnSp>
+        <p:nvCxnSpPr>
+          <p:cNvPr id="80" name="直線コネクタ 79"/>
+          <p:cNvCxnSpPr>
+            <a:stCxn id="76" idx="7"/>
+            <a:endCxn id="76" idx="3"/>
+          </p:cNvCxnSpPr>
+          <p:nvPr/>
+        </p:nvCxnSpPr>
+        <p:spPr>
+          <a:xfrm flipH="1">
+            <a:off x="1024260" y="1681537"/>
+            <a:ext cx="254558" cy="254558"/>
+          </a:xfrm>
+          <a:prstGeom prst="line">
+            <a:avLst/>
+          </a:prstGeom>
+          <a:ln w="19050">
+            <a:solidFill>
+              <a:schemeClr val="tx1"/>
+            </a:solidFill>
+          </a:ln>
+        </p:spPr>
+        <p:style>
+          <a:lnRef idx="1">
+            <a:schemeClr val="accent1"/>
+          </a:lnRef>
+          <a:fillRef idx="0">
+            <a:schemeClr val="accent1"/>
+          </a:fillRef>
+          <a:effectRef idx="0">
+            <a:schemeClr val="accent1"/>
+          </a:effectRef>
+          <a:fontRef idx="minor">
+            <a:schemeClr val="tx1"/>
+          </a:fontRef>
+        </p:style>
+      </p:cxnSp>
+      <p:grpSp>
+        <p:nvGrpSpPr>
+          <p:cNvPr id="65" name="グループ化 64"/>
+          <p:cNvGrpSpPr/>
+          <p:nvPr/>
+        </p:nvGrpSpPr>
+        <p:grpSpPr>
+          <a:xfrm flipH="1" flipV="1">
+            <a:off x="-648669" y="188585"/>
+            <a:ext cx="5040646" cy="5040645"/>
+            <a:chOff x="1331586" y="188586"/>
+            <a:chExt cx="5040646" cy="5040645"/>
+          </a:xfrm>
+        </p:grpSpPr>
+        <p:sp>
+          <p:nvSpPr>
+            <p:cNvPr id="68" name="円/楕円 67"/>
+            <p:cNvSpPr/>
+            <p:nvPr/>
+          </p:nvSpPr>
+          <p:spPr>
+            <a:xfrm>
+              <a:off x="3131816" y="1988816"/>
+              <a:ext cx="1440184" cy="1440184"/>
+            </a:xfrm>
+            <a:prstGeom prst="ellipse">
+              <a:avLst/>
+            </a:prstGeom>
+            <a:noFill/>
+            <a:ln>
+              <a:solidFill>
+                <a:schemeClr val="bg1">
+                  <a:lumMod val="50000"/>
+                </a:schemeClr>
+              </a:solidFill>
+            </a:ln>
+          </p:spPr>
+          <p:style>
+            <a:lnRef idx="2">
+              <a:schemeClr val="accent1">
+                <a:shade val="50000"/>
+              </a:schemeClr>
+            </a:lnRef>
+            <a:fillRef idx="1">
+              <a:schemeClr val="accent1"/>
+            </a:fillRef>
+            <a:effectRef idx="0">
+              <a:schemeClr val="accent1"/>
+            </a:effectRef>
+            <a:fontRef idx="minor">
+              <a:schemeClr val="lt1"/>
+            </a:fontRef>
+          </p:style>
+          <p:txBody>
+            <a:bodyPr rtlCol="0" anchor="ctr"/>
+            <a:lstStyle/>
+            <a:p>
+              <a:pPr algn="ctr"/>
+              <a:endParaRPr kumimoji="1" lang="ja-JP" altLang="en-US"/>
+            </a:p>
+          </p:txBody>
+        </p:sp>
+        <p:sp>
+          <p:nvSpPr>
+            <p:cNvPr id="75" name="円弧 74"/>
+            <p:cNvSpPr/>
+            <p:nvPr/>
+          </p:nvSpPr>
+          <p:spPr>
+            <a:xfrm flipV="1">
+              <a:off x="1331586" y="188586"/>
+              <a:ext cx="3600461" cy="3600461"/>
+            </a:xfrm>
+            <a:prstGeom prst="arc">
+              <a:avLst>
+                <a:gd name="adj1" fmla="val 17941978"/>
+                <a:gd name="adj2" fmla="val 20207625"/>
+              </a:avLst>
+            </a:prstGeom>
+            <a:ln w="38100">
+              <a:solidFill>
+                <a:schemeClr val="tx1"/>
+              </a:solidFill>
+            </a:ln>
+          </p:spPr>
+          <p:style>
+            <a:lnRef idx="1">
+              <a:schemeClr val="accent1"/>
+            </a:lnRef>
+            <a:fillRef idx="0">
+              <a:schemeClr val="accent1"/>
+            </a:fillRef>
+            <a:effectRef idx="0">
+              <a:schemeClr val="accent1"/>
+            </a:effectRef>
+            <a:fontRef idx="minor">
+              <a:schemeClr val="tx1"/>
+            </a:fontRef>
+          </p:style>
+          <p:txBody>
+            <a:bodyPr rtlCol="0" anchor="ctr"/>
+            <a:lstStyle/>
+            <a:p>
+              <a:pPr algn="ctr"/>
+              <a:endParaRPr kumimoji="1" lang="ja-JP" altLang="en-US"/>
+            </a:p>
+          </p:txBody>
+        </p:sp>
+        <p:sp>
+          <p:nvSpPr>
+            <p:cNvPr id="77" name="円弧 76"/>
+            <p:cNvSpPr/>
+            <p:nvPr/>
+          </p:nvSpPr>
+          <p:spPr>
+            <a:xfrm flipH="1">
+              <a:off x="2771771" y="1628770"/>
+              <a:ext cx="3600461" cy="3600461"/>
+            </a:xfrm>
+            <a:prstGeom prst="arc">
+              <a:avLst>
+                <a:gd name="adj1" fmla="val 17937390"/>
+                <a:gd name="adj2" fmla="val 20207625"/>
+              </a:avLst>
+            </a:prstGeom>
+            <a:ln w="38100">
+              <a:solidFill>
+                <a:schemeClr val="tx1"/>
+              </a:solidFill>
+            </a:ln>
+          </p:spPr>
+          <p:style>
+            <a:lnRef idx="1">
+              <a:schemeClr val="accent1"/>
+            </a:lnRef>
+            <a:fillRef idx="0">
+              <a:schemeClr val="accent1"/>
+            </a:fillRef>
+            <a:effectRef idx="0">
+              <a:schemeClr val="accent1"/>
+            </a:effectRef>
+            <a:fontRef idx="minor">
+              <a:schemeClr val="tx1"/>
+            </a:fontRef>
+          </p:style>
+          <p:txBody>
+            <a:bodyPr rtlCol="0" anchor="ctr"/>
+            <a:lstStyle/>
+            <a:p>
+              <a:pPr algn="ctr"/>
+              <a:endParaRPr kumimoji="1" lang="ja-JP" altLang="en-US"/>
+            </a:p>
+          </p:txBody>
+        </p:sp>
+        <p:grpSp>
+          <p:nvGrpSpPr>
+            <p:cNvPr id="78" name="グループ化 77"/>
+            <p:cNvGrpSpPr/>
+            <p:nvPr/>
+          </p:nvGrpSpPr>
+          <p:grpSpPr>
+            <a:xfrm>
+              <a:off x="3491863" y="1988816"/>
+              <a:ext cx="282862" cy="540069"/>
+              <a:chOff x="3491863" y="1988816"/>
+              <a:chExt cx="282862" cy="540069"/>
+            </a:xfrm>
+          </p:grpSpPr>
+          <p:cxnSp>
+            <p:nvCxnSpPr>
+              <p:cNvPr id="84" name="直線矢印コネクタ 83"/>
+              <p:cNvCxnSpPr/>
+              <p:nvPr/>
+            </p:nvCxnSpPr>
+            <p:spPr>
+              <a:xfrm>
+                <a:off x="3507305" y="2096816"/>
+                <a:ext cx="164580" cy="432069"/>
+              </a:xfrm>
+              <a:prstGeom prst="straightConnector1">
+                <a:avLst/>
+              </a:prstGeom>
+              <a:ln w="38100">
+                <a:solidFill>
+                  <a:srgbClr val="FF0000"/>
+                </a:solidFill>
+                <a:headEnd type="none" w="med" len="med"/>
+                <a:tailEnd type="triangle" w="med" len="med"/>
+              </a:ln>
+            </p:spPr>
+            <p:style>
+              <a:lnRef idx="1">
+                <a:schemeClr val="accent1"/>
+              </a:lnRef>
+              <a:fillRef idx="0">
+                <a:schemeClr val="accent1"/>
+              </a:fillRef>
+              <a:effectRef idx="0">
+                <a:schemeClr val="accent1"/>
+              </a:effectRef>
+              <a:fontRef idx="minor">
+                <a:schemeClr val="tx1"/>
+              </a:fontRef>
+            </p:style>
+          </p:cxnSp>
+          <p:cxnSp>
+            <p:nvCxnSpPr>
+              <p:cNvPr id="85" name="直線矢印コネクタ 84"/>
+              <p:cNvCxnSpPr/>
+              <p:nvPr/>
+            </p:nvCxnSpPr>
+            <p:spPr>
+              <a:xfrm flipV="1">
+                <a:off x="3491863" y="1988816"/>
+                <a:ext cx="282862" cy="108001"/>
+              </a:xfrm>
+              <a:prstGeom prst="straightConnector1">
+                <a:avLst/>
+              </a:prstGeom>
+              <a:ln w="38100">
+                <a:solidFill>
+                  <a:srgbClr val="0000FF"/>
+                </a:solidFill>
+                <a:headEnd type="none" w="med" len="med"/>
+                <a:tailEnd type="triangle" w="med" len="med"/>
+              </a:ln>
+            </p:spPr>
+            <p:style>
+              <a:lnRef idx="1">
+                <a:schemeClr val="accent1"/>
+              </a:lnRef>
+              <a:fillRef idx="0">
+                <a:schemeClr val="accent1"/>
+              </a:fillRef>
+              <a:effectRef idx="0">
+                <a:schemeClr val="accent1"/>
+              </a:effectRef>
+              <a:fontRef idx="minor">
+                <a:schemeClr val="tx1"/>
+              </a:fontRef>
+            </p:style>
+          </p:cxnSp>
+        </p:grpSp>
+        <p:grpSp>
+          <p:nvGrpSpPr>
+            <p:cNvPr id="81" name="グループ化 80"/>
+            <p:cNvGrpSpPr/>
+            <p:nvPr/>
+          </p:nvGrpSpPr>
+          <p:grpSpPr>
+            <a:xfrm flipH="1" flipV="1">
+              <a:off x="4031932" y="2802173"/>
+              <a:ext cx="540069" cy="266783"/>
+              <a:chOff x="3080395" y="2183441"/>
+              <a:chExt cx="540069" cy="266783"/>
+            </a:xfrm>
+          </p:grpSpPr>
+          <p:cxnSp>
+            <p:nvCxnSpPr>
+              <p:cNvPr id="82" name="直線矢印コネクタ 81"/>
+              <p:cNvCxnSpPr/>
+              <p:nvPr/>
+            </p:nvCxnSpPr>
+            <p:spPr>
+              <a:xfrm>
+                <a:off x="3183306" y="2183443"/>
+                <a:ext cx="437158" cy="180022"/>
+              </a:xfrm>
+              <a:prstGeom prst="straightConnector1">
+                <a:avLst/>
+              </a:prstGeom>
+              <a:ln w="38100">
+                <a:solidFill>
+                  <a:srgbClr val="FF0000"/>
+                </a:solidFill>
+                <a:headEnd type="none" w="med" len="med"/>
+                <a:tailEnd type="triangle" w="med" len="med"/>
+              </a:ln>
+            </p:spPr>
+            <p:style>
+              <a:lnRef idx="1">
+                <a:schemeClr val="accent1"/>
+              </a:lnRef>
+              <a:fillRef idx="0">
+                <a:schemeClr val="accent1"/>
+              </a:fillRef>
+              <a:effectRef idx="0">
+                <a:schemeClr val="accent1"/>
+              </a:effectRef>
+              <a:fontRef idx="minor">
+                <a:schemeClr val="tx1"/>
+              </a:fontRef>
+            </p:style>
+          </p:cxnSp>
+          <p:cxnSp>
+            <p:nvCxnSpPr>
+              <p:cNvPr id="83" name="直線矢印コネクタ 82"/>
+              <p:cNvCxnSpPr/>
+              <p:nvPr/>
+            </p:nvCxnSpPr>
+            <p:spPr>
+              <a:xfrm flipH="1">
+                <a:off x="3080395" y="2183441"/>
+                <a:ext cx="102911" cy="266783"/>
+              </a:xfrm>
+              <a:prstGeom prst="straightConnector1">
+                <a:avLst/>
+              </a:prstGeom>
+              <a:ln w="38100">
+                <a:solidFill>
+                  <a:srgbClr val="0000FF"/>
+                </a:solidFill>
+                <a:headEnd type="none" w="med" len="med"/>
+                <a:tailEnd type="triangle" w="med" len="med"/>
+              </a:ln>
+            </p:spPr>
+            <p:style>
+              <a:lnRef idx="1">
+                <a:schemeClr val="accent1"/>
+              </a:lnRef>
+              <a:fillRef idx="0">
+                <a:schemeClr val="accent1"/>
+              </a:fillRef>
+              <a:effectRef idx="0">
+                <a:schemeClr val="accent1"/>
+              </a:effectRef>
+              <a:fontRef idx="minor">
+                <a:schemeClr val="tx1"/>
+              </a:fontRef>
+            </p:style>
+          </p:cxnSp>
+        </p:grpSp>
+      </p:grpSp>
+    </p:spTree>
+    <p:extLst>
+      <p:ext uri="{BB962C8B-B14F-4D97-AF65-F5344CB8AC3E}">
+        <p14:creationId xmlns:p14="http://schemas.microsoft.com/office/powerpoint/2010/main" val="717661797"/>
+      </p:ext>
+    </p:extLst>
+  </p:cSld>
+  <p:clrMapOvr>
+    <a:masterClrMapping/>
+  </p:clrMapOvr>
+</p:sld>
+</file>
+
 <file path=ppt/theme/theme1.xml><?xml version="1.0" encoding="utf-8"?>
 <a:theme xmlns:a="http://schemas.openxmlformats.org/drawingml/2006/main" name="Office ​​テーマ">
   <a:themeElements>

--- a/_3_Friction_between_ball_and_spiral/_3_2_Friction_Distribution_between_twisted_Spiral_Torus/プレゼンテーション1.pptx
+++ b/_3_Friction_between_ball_and_spiral/_3_2_Friction_Distribution_between_twisted_Spiral_Torus/プレゼンテーション1.pptx
@@ -8,8 +8,11 @@
     <p:sldId id="256" r:id="rId2"/>
     <p:sldId id="257" r:id="rId3"/>
     <p:sldId id="258" r:id="rId4"/>
-    <p:sldId id="259" r:id="rId5"/>
-    <p:sldId id="260" r:id="rId6"/>
+    <p:sldId id="261" r:id="rId5"/>
+    <p:sldId id="259" r:id="rId6"/>
+    <p:sldId id="262" r:id="rId7"/>
+    <p:sldId id="260" r:id="rId8"/>
+    <p:sldId id="263" r:id="rId9"/>
   </p:sldIdLst>
   <p:sldSz cx="9144000" cy="6858000" type="screen4x3"/>
   <p:notesSz cx="6858000" cy="9144000"/>
@@ -292,7 +295,7 @@
           <a:p>
             <a:fld id="{CDA2332C-A173-4004-AB01-9BE118A92616}" type="datetimeFigureOut">
               <a:rPr kumimoji="1" lang="ja-JP" altLang="en-US" smtClean="0"/>
-              <a:t>2021/7/10</a:t>
+              <a:t>2021/7/11</a:t>
             </a:fld>
             <a:endParaRPr kumimoji="1" lang="ja-JP" altLang="en-US"/>
           </a:p>
@@ -494,7 +497,7 @@
           <a:p>
             <a:fld id="{CDA2332C-A173-4004-AB01-9BE118A92616}" type="datetimeFigureOut">
               <a:rPr kumimoji="1" lang="ja-JP" altLang="en-US" smtClean="0"/>
-              <a:t>2021/7/10</a:t>
+              <a:t>2021/7/11</a:t>
             </a:fld>
             <a:endParaRPr kumimoji="1" lang="ja-JP" altLang="en-US"/>
           </a:p>
@@ -706,7 +709,7 @@
           <a:p>
             <a:fld id="{CDA2332C-A173-4004-AB01-9BE118A92616}" type="datetimeFigureOut">
               <a:rPr kumimoji="1" lang="ja-JP" altLang="en-US" smtClean="0"/>
-              <a:t>2021/7/10</a:t>
+              <a:t>2021/7/11</a:t>
             </a:fld>
             <a:endParaRPr kumimoji="1" lang="ja-JP" altLang="en-US"/>
           </a:p>
@@ -908,7 +911,7 @@
           <a:p>
             <a:fld id="{CDA2332C-A173-4004-AB01-9BE118A92616}" type="datetimeFigureOut">
               <a:rPr kumimoji="1" lang="ja-JP" altLang="en-US" smtClean="0"/>
-              <a:t>2021/7/10</a:t>
+              <a:t>2021/7/11</a:t>
             </a:fld>
             <a:endParaRPr kumimoji="1" lang="ja-JP" altLang="en-US"/>
           </a:p>
@@ -1154,7 +1157,7 @@
           <a:p>
             <a:fld id="{CDA2332C-A173-4004-AB01-9BE118A92616}" type="datetimeFigureOut">
               <a:rPr kumimoji="1" lang="ja-JP" altLang="en-US" smtClean="0"/>
-              <a:t>2021/7/10</a:t>
+              <a:t>2021/7/11</a:t>
             </a:fld>
             <a:endParaRPr kumimoji="1" lang="ja-JP" altLang="en-US"/>
           </a:p>
@@ -1506,7 +1509,7 @@
           <a:p>
             <a:fld id="{CDA2332C-A173-4004-AB01-9BE118A92616}" type="datetimeFigureOut">
               <a:rPr kumimoji="1" lang="ja-JP" altLang="en-US" smtClean="0"/>
-              <a:t>2021/7/10</a:t>
+              <a:t>2021/7/11</a:t>
             </a:fld>
             <a:endParaRPr kumimoji="1" lang="ja-JP" altLang="en-US"/>
           </a:p>
@@ -1992,7 +1995,7 @@
           <a:p>
             <a:fld id="{CDA2332C-A173-4004-AB01-9BE118A92616}" type="datetimeFigureOut">
               <a:rPr kumimoji="1" lang="ja-JP" altLang="en-US" smtClean="0"/>
-              <a:t>2021/7/10</a:t>
+              <a:t>2021/7/11</a:t>
             </a:fld>
             <a:endParaRPr kumimoji="1" lang="ja-JP" altLang="en-US"/>
           </a:p>
@@ -2110,7 +2113,7 @@
           <a:p>
             <a:fld id="{CDA2332C-A173-4004-AB01-9BE118A92616}" type="datetimeFigureOut">
               <a:rPr kumimoji="1" lang="ja-JP" altLang="en-US" smtClean="0"/>
-              <a:t>2021/7/10</a:t>
+              <a:t>2021/7/11</a:t>
             </a:fld>
             <a:endParaRPr kumimoji="1" lang="ja-JP" altLang="en-US"/>
           </a:p>
@@ -2205,7 +2208,7 @@
           <a:p>
             <a:fld id="{CDA2332C-A173-4004-AB01-9BE118A92616}" type="datetimeFigureOut">
               <a:rPr kumimoji="1" lang="ja-JP" altLang="en-US" smtClean="0"/>
-              <a:t>2021/7/10</a:t>
+              <a:t>2021/7/11</a:t>
             </a:fld>
             <a:endParaRPr kumimoji="1" lang="ja-JP" altLang="en-US"/>
           </a:p>
@@ -2514,7 +2517,7 @@
           <a:p>
             <a:fld id="{CDA2332C-A173-4004-AB01-9BE118A92616}" type="datetimeFigureOut">
               <a:rPr kumimoji="1" lang="ja-JP" altLang="en-US" smtClean="0"/>
-              <a:t>2021/7/10</a:t>
+              <a:t>2021/7/11</a:t>
             </a:fld>
             <a:endParaRPr kumimoji="1" lang="ja-JP" altLang="en-US"/>
           </a:p>
@@ -2767,7 +2770,7 @@
           <a:p>
             <a:fld id="{CDA2332C-A173-4004-AB01-9BE118A92616}" type="datetimeFigureOut">
               <a:rPr kumimoji="1" lang="ja-JP" altLang="en-US" smtClean="0"/>
-              <a:t>2021/7/10</a:t>
+              <a:t>2021/7/11</a:t>
             </a:fld>
             <a:endParaRPr kumimoji="1" lang="ja-JP" altLang="en-US"/>
           </a:p>
@@ -3012,7 +3015,7 @@
           <a:p>
             <a:fld id="{CDA2332C-A173-4004-AB01-9BE118A92616}" type="datetimeFigureOut">
               <a:rPr kumimoji="1" lang="ja-JP" altLang="en-US" smtClean="0"/>
-              <a:t>2021/7/10</a:t>
+              <a:t>2021/7/11</a:t>
             </a:fld>
             <a:endParaRPr kumimoji="1" lang="ja-JP" altLang="en-US"/>
           </a:p>
@@ -3934,6 +3937,229 @@
       </p:grpSpPr>
       <p:grpSp>
         <p:nvGrpSpPr>
+          <p:cNvPr id="77" name="グループ化 76"/>
+          <p:cNvGrpSpPr/>
+          <p:nvPr/>
+        </p:nvGrpSpPr>
+        <p:grpSpPr>
+          <a:xfrm>
+            <a:off x="983216" y="1628816"/>
+            <a:ext cx="360000" cy="360000"/>
+            <a:chOff x="6552253" y="545180"/>
+            <a:chExt cx="360000" cy="360000"/>
+          </a:xfrm>
+        </p:grpSpPr>
+        <p:sp>
+          <p:nvSpPr>
+            <p:cNvPr id="78" name="円/楕円 77"/>
+            <p:cNvSpPr/>
+            <p:nvPr/>
+          </p:nvSpPr>
+          <p:spPr>
+            <a:xfrm>
+              <a:off x="6552253" y="545180"/>
+              <a:ext cx="360000" cy="360000"/>
+            </a:xfrm>
+            <a:prstGeom prst="ellipse">
+              <a:avLst/>
+            </a:prstGeom>
+          </p:spPr>
+          <p:style>
+            <a:lnRef idx="2">
+              <a:schemeClr val="dk1"/>
+            </a:lnRef>
+            <a:fillRef idx="1">
+              <a:schemeClr val="lt1"/>
+            </a:fillRef>
+            <a:effectRef idx="0">
+              <a:schemeClr val="dk1"/>
+            </a:effectRef>
+            <a:fontRef idx="minor">
+              <a:schemeClr val="dk1"/>
+            </a:fontRef>
+          </p:style>
+          <p:txBody>
+            <a:bodyPr rtlCol="0" anchor="ctr"/>
+            <a:lstStyle/>
+            <a:p>
+              <a:pPr algn="ctr"/>
+              <a:endParaRPr kumimoji="1" lang="ja-JP" altLang="en-US"/>
+            </a:p>
+          </p:txBody>
+        </p:sp>
+        <p:sp>
+          <p:nvSpPr>
+            <p:cNvPr id="81" name="円/楕円 80"/>
+            <p:cNvSpPr/>
+            <p:nvPr/>
+          </p:nvSpPr>
+          <p:spPr>
+            <a:xfrm>
+              <a:off x="6660275" y="653180"/>
+              <a:ext cx="144000" cy="144000"/>
+            </a:xfrm>
+            <a:prstGeom prst="ellipse">
+              <a:avLst/>
+            </a:prstGeom>
+            <a:solidFill>
+              <a:schemeClr val="tx1"/>
+            </a:solidFill>
+          </p:spPr>
+          <p:style>
+            <a:lnRef idx="2">
+              <a:schemeClr val="dk1"/>
+            </a:lnRef>
+            <a:fillRef idx="1">
+              <a:schemeClr val="lt1"/>
+            </a:fillRef>
+            <a:effectRef idx="0">
+              <a:schemeClr val="dk1"/>
+            </a:effectRef>
+            <a:fontRef idx="minor">
+              <a:schemeClr val="dk1"/>
+            </a:fontRef>
+          </p:style>
+          <p:txBody>
+            <a:bodyPr rtlCol="0" anchor="ctr"/>
+            <a:lstStyle/>
+            <a:p>
+              <a:pPr algn="ctr"/>
+              <a:endParaRPr kumimoji="1" lang="ja-JP" altLang="en-US"/>
+            </a:p>
+          </p:txBody>
+        </p:sp>
+      </p:grpSp>
+      <p:grpSp>
+        <p:nvGrpSpPr>
+          <p:cNvPr id="56" name="グループ化 55"/>
+          <p:cNvGrpSpPr/>
+          <p:nvPr/>
+        </p:nvGrpSpPr>
+        <p:grpSpPr>
+          <a:xfrm>
+            <a:off x="6547982" y="1628816"/>
+            <a:ext cx="360000" cy="360000"/>
+            <a:chOff x="971539" y="1628816"/>
+            <a:chExt cx="360000" cy="360000"/>
+          </a:xfrm>
+        </p:grpSpPr>
+        <p:sp>
+          <p:nvSpPr>
+            <p:cNvPr id="65" name="円/楕円 64"/>
+            <p:cNvSpPr/>
+            <p:nvPr/>
+          </p:nvSpPr>
+          <p:spPr>
+            <a:xfrm>
+              <a:off x="971539" y="1628816"/>
+              <a:ext cx="360000" cy="360000"/>
+            </a:xfrm>
+            <a:prstGeom prst="ellipse">
+              <a:avLst/>
+            </a:prstGeom>
+          </p:spPr>
+          <p:style>
+            <a:lnRef idx="2">
+              <a:schemeClr val="dk1"/>
+            </a:lnRef>
+            <a:fillRef idx="1">
+              <a:schemeClr val="lt1"/>
+            </a:fillRef>
+            <a:effectRef idx="0">
+              <a:schemeClr val="dk1"/>
+            </a:effectRef>
+            <a:fontRef idx="minor">
+              <a:schemeClr val="dk1"/>
+            </a:fontRef>
+          </p:style>
+          <p:txBody>
+            <a:bodyPr rtlCol="0" anchor="ctr"/>
+            <a:lstStyle/>
+            <a:p>
+              <a:pPr algn="ctr"/>
+              <a:endParaRPr kumimoji="1" lang="ja-JP" altLang="en-US"/>
+            </a:p>
+          </p:txBody>
+        </p:sp>
+        <p:cxnSp>
+          <p:nvCxnSpPr>
+            <p:cNvPr id="68" name="直線コネクタ 67"/>
+            <p:cNvCxnSpPr>
+              <a:stCxn id="65" idx="1"/>
+              <a:endCxn id="65" idx="5"/>
+            </p:cNvCxnSpPr>
+            <p:nvPr/>
+          </p:nvCxnSpPr>
+          <p:spPr>
+            <a:xfrm>
+              <a:off x="1024260" y="1681537"/>
+              <a:ext cx="254558" cy="254558"/>
+            </a:xfrm>
+            <a:prstGeom prst="line">
+              <a:avLst/>
+            </a:prstGeom>
+            <a:ln w="19050">
+              <a:solidFill>
+                <a:schemeClr val="tx1"/>
+              </a:solidFill>
+            </a:ln>
+          </p:spPr>
+          <p:style>
+            <a:lnRef idx="1">
+              <a:schemeClr val="accent1"/>
+            </a:lnRef>
+            <a:fillRef idx="0">
+              <a:schemeClr val="accent1"/>
+            </a:fillRef>
+            <a:effectRef idx="0">
+              <a:schemeClr val="accent1"/>
+            </a:effectRef>
+            <a:fontRef idx="minor">
+              <a:schemeClr val="tx1"/>
+            </a:fontRef>
+          </p:style>
+        </p:cxnSp>
+        <p:cxnSp>
+          <p:nvCxnSpPr>
+            <p:cNvPr id="75" name="直線コネクタ 74"/>
+            <p:cNvCxnSpPr>
+              <a:stCxn id="65" idx="7"/>
+              <a:endCxn id="65" idx="3"/>
+            </p:cNvCxnSpPr>
+            <p:nvPr/>
+          </p:nvCxnSpPr>
+          <p:spPr>
+            <a:xfrm flipH="1">
+              <a:off x="1024260" y="1681537"/>
+              <a:ext cx="254558" cy="254558"/>
+            </a:xfrm>
+            <a:prstGeom prst="line">
+              <a:avLst/>
+            </a:prstGeom>
+            <a:ln w="19050">
+              <a:solidFill>
+                <a:schemeClr val="tx1"/>
+              </a:solidFill>
+            </a:ln>
+          </p:spPr>
+          <p:style>
+            <a:lnRef idx="1">
+              <a:schemeClr val="accent1"/>
+            </a:lnRef>
+            <a:fillRef idx="0">
+              <a:schemeClr val="accent1"/>
+            </a:fillRef>
+            <a:effectRef idx="0">
+              <a:schemeClr val="accent1"/>
+            </a:effectRef>
+            <a:fontRef idx="minor">
+              <a:schemeClr val="tx1"/>
+            </a:fontRef>
+          </p:style>
+        </p:cxnSp>
+      </p:grpSp>
+      <p:grpSp>
+        <p:nvGrpSpPr>
           <p:cNvPr id="36" name="グループ化 35"/>
           <p:cNvGrpSpPr/>
           <p:nvPr/>
@@ -4935,100 +5161,6 @@
       </p:grpSp>
       <p:grpSp>
         <p:nvGrpSpPr>
-          <p:cNvPr id="59" name="グループ化 58"/>
-          <p:cNvGrpSpPr/>
-          <p:nvPr/>
-        </p:nvGrpSpPr>
-        <p:grpSpPr>
-          <a:xfrm>
-            <a:off x="6552253" y="1628816"/>
-            <a:ext cx="360000" cy="360000"/>
-            <a:chOff x="6552253" y="545180"/>
-            <a:chExt cx="360000" cy="360000"/>
-          </a:xfrm>
-        </p:grpSpPr>
-        <p:sp>
-          <p:nvSpPr>
-            <p:cNvPr id="57" name="円/楕円 56"/>
-            <p:cNvSpPr/>
-            <p:nvPr/>
-          </p:nvSpPr>
-          <p:spPr>
-            <a:xfrm>
-              <a:off x="6552253" y="545180"/>
-              <a:ext cx="360000" cy="360000"/>
-            </a:xfrm>
-            <a:prstGeom prst="ellipse">
-              <a:avLst/>
-            </a:prstGeom>
-          </p:spPr>
-          <p:style>
-            <a:lnRef idx="2">
-              <a:schemeClr val="dk1"/>
-            </a:lnRef>
-            <a:fillRef idx="1">
-              <a:schemeClr val="lt1"/>
-            </a:fillRef>
-            <a:effectRef idx="0">
-              <a:schemeClr val="dk1"/>
-            </a:effectRef>
-            <a:fontRef idx="minor">
-              <a:schemeClr val="dk1"/>
-            </a:fontRef>
-          </p:style>
-          <p:txBody>
-            <a:bodyPr rtlCol="0" anchor="ctr"/>
-            <a:lstStyle/>
-            <a:p>
-              <a:pPr algn="ctr"/>
-              <a:endParaRPr kumimoji="1" lang="ja-JP" altLang="en-US"/>
-            </a:p>
-          </p:txBody>
-        </p:sp>
-        <p:sp>
-          <p:nvSpPr>
-            <p:cNvPr id="58" name="円/楕円 57"/>
-            <p:cNvSpPr/>
-            <p:nvPr/>
-          </p:nvSpPr>
-          <p:spPr>
-            <a:xfrm>
-              <a:off x="6660275" y="653180"/>
-              <a:ext cx="144000" cy="144000"/>
-            </a:xfrm>
-            <a:prstGeom prst="ellipse">
-              <a:avLst/>
-            </a:prstGeom>
-            <a:solidFill>
-              <a:schemeClr val="tx1"/>
-            </a:solidFill>
-          </p:spPr>
-          <p:style>
-            <a:lnRef idx="2">
-              <a:schemeClr val="dk1"/>
-            </a:lnRef>
-            <a:fillRef idx="1">
-              <a:schemeClr val="lt1"/>
-            </a:fillRef>
-            <a:effectRef idx="0">
-              <a:schemeClr val="dk1"/>
-            </a:effectRef>
-            <a:fontRef idx="minor">
-              <a:schemeClr val="dk1"/>
-            </a:fontRef>
-          </p:style>
-          <p:txBody>
-            <a:bodyPr rtlCol="0" anchor="ctr"/>
-            <a:lstStyle/>
-            <a:p>
-              <a:pPr algn="ctr"/>
-              <a:endParaRPr kumimoji="1" lang="ja-JP" altLang="en-US"/>
-            </a:p>
-          </p:txBody>
-        </p:sp>
-      </p:grpSp>
-      <p:grpSp>
-        <p:nvGrpSpPr>
           <p:cNvPr id="60" name="グループ化 59"/>
           <p:cNvGrpSpPr/>
           <p:nvPr/>
@@ -5473,120 +5605,6 @@
           </p:style>
         </p:cxnSp>
       </p:grpSp>
-      <p:sp>
-        <p:nvSpPr>
-          <p:cNvPr id="76" name="円/楕円 75"/>
-          <p:cNvSpPr/>
-          <p:nvPr/>
-        </p:nvSpPr>
-        <p:spPr>
-          <a:xfrm>
-            <a:off x="971539" y="1628816"/>
-            <a:ext cx="360000" cy="360000"/>
-          </a:xfrm>
-          <a:prstGeom prst="ellipse">
-            <a:avLst/>
-          </a:prstGeom>
-        </p:spPr>
-        <p:style>
-          <a:lnRef idx="2">
-            <a:schemeClr val="dk1"/>
-          </a:lnRef>
-          <a:fillRef idx="1">
-            <a:schemeClr val="lt1"/>
-          </a:fillRef>
-          <a:effectRef idx="0">
-            <a:schemeClr val="dk1"/>
-          </a:effectRef>
-          <a:fontRef idx="minor">
-            <a:schemeClr val="dk1"/>
-          </a:fontRef>
-        </p:style>
-        <p:txBody>
-          <a:bodyPr rtlCol="0" anchor="ctr"/>
-          <a:lstStyle/>
-          <a:p>
-            <a:pPr algn="ctr"/>
-            <a:endParaRPr kumimoji="1" lang="ja-JP" altLang="en-US"/>
-          </a:p>
-        </p:txBody>
-      </p:sp>
-      <p:cxnSp>
-        <p:nvCxnSpPr>
-          <p:cNvPr id="79" name="直線コネクタ 78"/>
-          <p:cNvCxnSpPr>
-            <a:stCxn id="76" idx="1"/>
-            <a:endCxn id="76" idx="5"/>
-          </p:cNvCxnSpPr>
-          <p:nvPr/>
-        </p:nvCxnSpPr>
-        <p:spPr>
-          <a:xfrm>
-            <a:off x="1024260" y="1681537"/>
-            <a:ext cx="254558" cy="254558"/>
-          </a:xfrm>
-          <a:prstGeom prst="line">
-            <a:avLst/>
-          </a:prstGeom>
-          <a:ln w="19050">
-            <a:solidFill>
-              <a:schemeClr val="tx1"/>
-            </a:solidFill>
-          </a:ln>
-        </p:spPr>
-        <p:style>
-          <a:lnRef idx="1">
-            <a:schemeClr val="accent1"/>
-          </a:lnRef>
-          <a:fillRef idx="0">
-            <a:schemeClr val="accent1"/>
-          </a:fillRef>
-          <a:effectRef idx="0">
-            <a:schemeClr val="accent1"/>
-          </a:effectRef>
-          <a:fontRef idx="minor">
-            <a:schemeClr val="tx1"/>
-          </a:fontRef>
-        </p:style>
-      </p:cxnSp>
-      <p:cxnSp>
-        <p:nvCxnSpPr>
-          <p:cNvPr id="80" name="直線コネクタ 79"/>
-          <p:cNvCxnSpPr>
-            <a:stCxn id="76" idx="7"/>
-            <a:endCxn id="76" idx="3"/>
-          </p:cNvCxnSpPr>
-          <p:nvPr/>
-        </p:nvCxnSpPr>
-        <p:spPr>
-          <a:xfrm flipH="1">
-            <a:off x="1024260" y="1681537"/>
-            <a:ext cx="254558" cy="254558"/>
-          </a:xfrm>
-          <a:prstGeom prst="line">
-            <a:avLst/>
-          </a:prstGeom>
-          <a:ln w="19050">
-            <a:solidFill>
-              <a:schemeClr val="tx1"/>
-            </a:solidFill>
-          </a:ln>
-        </p:spPr>
-        <p:style>
-          <a:lnRef idx="1">
-            <a:schemeClr val="accent1"/>
-          </a:lnRef>
-          <a:fillRef idx="0">
-            <a:schemeClr val="accent1"/>
-          </a:fillRef>
-          <a:effectRef idx="0">
-            <a:schemeClr val="accent1"/>
-          </a:effectRef>
-          <a:fontRef idx="minor">
-            <a:schemeClr val="tx1"/>
-          </a:fontRef>
-        </p:style>
-      </p:cxnSp>
       <p:cxnSp>
         <p:nvCxnSpPr>
           <p:cNvPr id="86" name="直線矢印コネクタ 85"/>
@@ -5656,6 +5674,1015 @@
       </p:grpSpPr>
       <p:grpSp>
         <p:nvGrpSpPr>
+          <p:cNvPr id="107" name="グループ化 106"/>
+          <p:cNvGrpSpPr/>
+          <p:nvPr/>
+        </p:nvGrpSpPr>
+        <p:grpSpPr>
+          <a:xfrm>
+            <a:off x="1871676" y="2029951"/>
+            <a:ext cx="360000" cy="360000"/>
+            <a:chOff x="971539" y="1628816"/>
+            <a:chExt cx="360000" cy="360000"/>
+          </a:xfrm>
+        </p:grpSpPr>
+        <p:sp>
+          <p:nvSpPr>
+            <p:cNvPr id="108" name="円/楕円 107"/>
+            <p:cNvSpPr/>
+            <p:nvPr/>
+          </p:nvSpPr>
+          <p:spPr>
+            <a:xfrm>
+              <a:off x="971539" y="1628816"/>
+              <a:ext cx="360000" cy="360000"/>
+            </a:xfrm>
+            <a:prstGeom prst="ellipse">
+              <a:avLst/>
+            </a:prstGeom>
+          </p:spPr>
+          <p:style>
+            <a:lnRef idx="2">
+              <a:schemeClr val="dk1"/>
+            </a:lnRef>
+            <a:fillRef idx="1">
+              <a:schemeClr val="lt1"/>
+            </a:fillRef>
+            <a:effectRef idx="0">
+              <a:schemeClr val="dk1"/>
+            </a:effectRef>
+            <a:fontRef idx="minor">
+              <a:schemeClr val="dk1"/>
+            </a:fontRef>
+          </p:style>
+          <p:txBody>
+            <a:bodyPr rtlCol="0" anchor="ctr"/>
+            <a:lstStyle/>
+            <a:p>
+              <a:pPr algn="ctr"/>
+              <a:endParaRPr kumimoji="1" lang="ja-JP" altLang="en-US"/>
+            </a:p>
+          </p:txBody>
+        </p:sp>
+        <p:cxnSp>
+          <p:nvCxnSpPr>
+            <p:cNvPr id="109" name="直線コネクタ 108"/>
+            <p:cNvCxnSpPr>
+              <a:stCxn id="108" idx="1"/>
+              <a:endCxn id="108" idx="5"/>
+            </p:cNvCxnSpPr>
+            <p:nvPr/>
+          </p:nvCxnSpPr>
+          <p:spPr>
+            <a:xfrm>
+              <a:off x="1024260" y="1681537"/>
+              <a:ext cx="254558" cy="254558"/>
+            </a:xfrm>
+            <a:prstGeom prst="line">
+              <a:avLst/>
+            </a:prstGeom>
+            <a:ln w="19050">
+              <a:solidFill>
+                <a:schemeClr val="tx1"/>
+              </a:solidFill>
+            </a:ln>
+          </p:spPr>
+          <p:style>
+            <a:lnRef idx="1">
+              <a:schemeClr val="accent1"/>
+            </a:lnRef>
+            <a:fillRef idx="0">
+              <a:schemeClr val="accent1"/>
+            </a:fillRef>
+            <a:effectRef idx="0">
+              <a:schemeClr val="accent1"/>
+            </a:effectRef>
+            <a:fontRef idx="minor">
+              <a:schemeClr val="tx1"/>
+            </a:fontRef>
+          </p:style>
+        </p:cxnSp>
+        <p:cxnSp>
+          <p:nvCxnSpPr>
+            <p:cNvPr id="110" name="直線コネクタ 109"/>
+            <p:cNvCxnSpPr>
+              <a:stCxn id="108" idx="7"/>
+              <a:endCxn id="108" idx="3"/>
+            </p:cNvCxnSpPr>
+            <p:nvPr/>
+          </p:nvCxnSpPr>
+          <p:spPr>
+            <a:xfrm flipH="1">
+              <a:off x="1024260" y="1681537"/>
+              <a:ext cx="254558" cy="254558"/>
+            </a:xfrm>
+            <a:prstGeom prst="line">
+              <a:avLst/>
+            </a:prstGeom>
+            <a:ln w="19050">
+              <a:solidFill>
+                <a:schemeClr val="tx1"/>
+              </a:solidFill>
+            </a:ln>
+          </p:spPr>
+          <p:style>
+            <a:lnRef idx="1">
+              <a:schemeClr val="accent1"/>
+            </a:lnRef>
+            <a:fillRef idx="0">
+              <a:schemeClr val="accent1"/>
+            </a:fillRef>
+            <a:effectRef idx="0">
+              <a:schemeClr val="accent1"/>
+            </a:effectRef>
+            <a:fontRef idx="minor">
+              <a:schemeClr val="tx1"/>
+            </a:fontRef>
+          </p:style>
+        </p:cxnSp>
+      </p:grpSp>
+      <p:grpSp>
+        <p:nvGrpSpPr>
+          <p:cNvPr id="20" name="グループ化 19"/>
+          <p:cNvGrpSpPr/>
+          <p:nvPr/>
+        </p:nvGrpSpPr>
+        <p:grpSpPr>
+          <a:xfrm>
+            <a:off x="251446" y="589767"/>
+            <a:ext cx="5040646" cy="5040645"/>
+            <a:chOff x="1902539" y="589767"/>
+            <a:chExt cx="5040646" cy="5040645"/>
+          </a:xfrm>
+        </p:grpSpPr>
+        <p:grpSp>
+          <p:nvGrpSpPr>
+            <p:cNvPr id="37" name="グループ化 36"/>
+            <p:cNvGrpSpPr/>
+            <p:nvPr/>
+          </p:nvGrpSpPr>
+          <p:grpSpPr>
+            <a:xfrm>
+              <a:off x="1902539" y="589767"/>
+              <a:ext cx="5040646" cy="5040645"/>
+              <a:chOff x="1331586" y="188586"/>
+              <a:chExt cx="5040646" cy="5040645"/>
+            </a:xfrm>
+          </p:grpSpPr>
+          <p:sp>
+            <p:nvSpPr>
+              <p:cNvPr id="42" name="円/楕円 41"/>
+              <p:cNvSpPr/>
+              <p:nvPr/>
+            </p:nvSpPr>
+            <p:spPr>
+              <a:xfrm>
+                <a:off x="3131816" y="1988816"/>
+                <a:ext cx="1440184" cy="1440184"/>
+              </a:xfrm>
+              <a:prstGeom prst="ellipse">
+                <a:avLst/>
+              </a:prstGeom>
+              <a:noFill/>
+              <a:ln>
+                <a:solidFill>
+                  <a:schemeClr val="bg1">
+                    <a:lumMod val="50000"/>
+                  </a:schemeClr>
+                </a:solidFill>
+              </a:ln>
+            </p:spPr>
+            <p:style>
+              <a:lnRef idx="2">
+                <a:schemeClr val="accent1">
+                  <a:shade val="50000"/>
+                </a:schemeClr>
+              </a:lnRef>
+              <a:fillRef idx="1">
+                <a:schemeClr val="accent1"/>
+              </a:fillRef>
+              <a:effectRef idx="0">
+                <a:schemeClr val="accent1"/>
+              </a:effectRef>
+              <a:fontRef idx="minor">
+                <a:schemeClr val="lt1"/>
+              </a:fontRef>
+            </p:style>
+            <p:txBody>
+              <a:bodyPr rtlCol="0" anchor="ctr"/>
+              <a:lstStyle/>
+              <a:p>
+                <a:pPr algn="ctr"/>
+                <a:endParaRPr kumimoji="1" lang="ja-JP" altLang="en-US" u="sng"/>
+              </a:p>
+            </p:txBody>
+          </p:sp>
+          <p:sp>
+            <p:nvSpPr>
+              <p:cNvPr id="55" name="円弧 54"/>
+              <p:cNvSpPr/>
+              <p:nvPr/>
+            </p:nvSpPr>
+            <p:spPr>
+              <a:xfrm flipV="1">
+                <a:off x="1331586" y="188586"/>
+                <a:ext cx="3600461" cy="3600461"/>
+              </a:xfrm>
+              <a:prstGeom prst="arc">
+                <a:avLst>
+                  <a:gd name="adj1" fmla="val 17941978"/>
+                  <a:gd name="adj2" fmla="val 20207625"/>
+                </a:avLst>
+              </a:prstGeom>
+              <a:ln w="38100">
+                <a:solidFill>
+                  <a:schemeClr val="tx1"/>
+                </a:solidFill>
+              </a:ln>
+            </p:spPr>
+            <p:style>
+              <a:lnRef idx="1">
+                <a:schemeClr val="accent1"/>
+              </a:lnRef>
+              <a:fillRef idx="0">
+                <a:schemeClr val="accent1"/>
+              </a:fillRef>
+              <a:effectRef idx="0">
+                <a:schemeClr val="accent1"/>
+              </a:effectRef>
+              <a:fontRef idx="minor">
+                <a:schemeClr val="tx1"/>
+              </a:fontRef>
+            </p:style>
+            <p:txBody>
+              <a:bodyPr rtlCol="0" anchor="ctr"/>
+              <a:lstStyle/>
+              <a:p>
+                <a:pPr algn="ctr"/>
+                <a:endParaRPr kumimoji="1" lang="ja-JP" altLang="en-US" u="sng"/>
+              </a:p>
+            </p:txBody>
+          </p:sp>
+          <p:sp>
+            <p:nvSpPr>
+              <p:cNvPr id="52" name="円弧 51"/>
+              <p:cNvSpPr/>
+              <p:nvPr/>
+            </p:nvSpPr>
+            <p:spPr>
+              <a:xfrm flipH="1">
+                <a:off x="2771771" y="1628770"/>
+                <a:ext cx="3600461" cy="3600461"/>
+              </a:xfrm>
+              <a:prstGeom prst="arc">
+                <a:avLst>
+                  <a:gd name="adj1" fmla="val 17937390"/>
+                  <a:gd name="adj2" fmla="val 20207625"/>
+                </a:avLst>
+              </a:prstGeom>
+              <a:ln w="38100">
+                <a:solidFill>
+                  <a:schemeClr val="tx1"/>
+                </a:solidFill>
+              </a:ln>
+            </p:spPr>
+            <p:style>
+              <a:lnRef idx="1">
+                <a:schemeClr val="accent1"/>
+              </a:lnRef>
+              <a:fillRef idx="0">
+                <a:schemeClr val="accent1"/>
+              </a:fillRef>
+              <a:effectRef idx="0">
+                <a:schemeClr val="accent1"/>
+              </a:effectRef>
+              <a:fontRef idx="minor">
+                <a:schemeClr val="tx1"/>
+              </a:fontRef>
+            </p:style>
+            <p:txBody>
+              <a:bodyPr rtlCol="0" anchor="ctr"/>
+              <a:lstStyle/>
+              <a:p>
+                <a:pPr algn="ctr"/>
+                <a:endParaRPr kumimoji="1" lang="ja-JP" altLang="en-US" u="sng"/>
+              </a:p>
+            </p:txBody>
+          </p:sp>
+          <p:cxnSp>
+            <p:nvCxnSpPr>
+              <p:cNvPr id="50" name="直線矢印コネクタ 49"/>
+              <p:cNvCxnSpPr>
+                <a:stCxn id="42" idx="1"/>
+              </p:cNvCxnSpPr>
+              <p:nvPr/>
+            </p:nvCxnSpPr>
+            <p:spPr>
+              <a:xfrm>
+                <a:off x="3342726" y="2199726"/>
+                <a:ext cx="329159" cy="329159"/>
+              </a:xfrm>
+              <a:prstGeom prst="straightConnector1">
+                <a:avLst/>
+              </a:prstGeom>
+              <a:ln w="38100">
+                <a:solidFill>
+                  <a:srgbClr val="FF0000"/>
+                </a:solidFill>
+                <a:headEnd type="none" w="med" len="med"/>
+                <a:tailEnd type="triangle" w="med" len="med"/>
+              </a:ln>
+            </p:spPr>
+            <p:style>
+              <a:lnRef idx="1">
+                <a:schemeClr val="accent1"/>
+              </a:lnRef>
+              <a:fillRef idx="0">
+                <a:schemeClr val="accent1"/>
+              </a:fillRef>
+              <a:effectRef idx="0">
+                <a:schemeClr val="accent1"/>
+              </a:effectRef>
+              <a:fontRef idx="minor">
+                <a:schemeClr val="tx1"/>
+              </a:fontRef>
+            </p:style>
+          </p:cxnSp>
+          <p:cxnSp>
+            <p:nvCxnSpPr>
+              <p:cNvPr id="48" name="直線矢印コネクタ 47"/>
+              <p:cNvCxnSpPr>
+                <a:stCxn id="42" idx="5"/>
+              </p:cNvCxnSpPr>
+              <p:nvPr/>
+            </p:nvCxnSpPr>
+            <p:spPr>
+              <a:xfrm flipH="1" flipV="1">
+                <a:off x="4031931" y="2888931"/>
+                <a:ext cx="329159" cy="329159"/>
+              </a:xfrm>
+              <a:prstGeom prst="straightConnector1">
+                <a:avLst/>
+              </a:prstGeom>
+              <a:ln w="38100">
+                <a:solidFill>
+                  <a:srgbClr val="FF0000"/>
+                </a:solidFill>
+                <a:headEnd type="none" w="med" len="med"/>
+                <a:tailEnd type="triangle" w="med" len="med"/>
+              </a:ln>
+            </p:spPr>
+            <p:style>
+              <a:lnRef idx="1">
+                <a:schemeClr val="accent1"/>
+              </a:lnRef>
+              <a:fillRef idx="0">
+                <a:schemeClr val="accent1"/>
+              </a:fillRef>
+              <a:effectRef idx="0">
+                <a:schemeClr val="accent1"/>
+              </a:effectRef>
+              <a:fontRef idx="minor">
+                <a:schemeClr val="tx1"/>
+              </a:fontRef>
+            </p:style>
+          </p:cxnSp>
+        </p:grpSp>
+        <p:cxnSp>
+          <p:nvCxnSpPr>
+            <p:cNvPr id="11" name="直線コネクタ 10"/>
+            <p:cNvCxnSpPr/>
+            <p:nvPr/>
+          </p:nvCxnSpPr>
+          <p:spPr>
+            <a:xfrm flipH="1">
+              <a:off x="3491862" y="2243135"/>
+              <a:ext cx="1800231" cy="1800230"/>
+            </a:xfrm>
+            <a:prstGeom prst="line">
+              <a:avLst/>
+            </a:prstGeom>
+            <a:ln w="38100">
+              <a:solidFill>
+                <a:srgbClr val="00B050"/>
+              </a:solidFill>
+              <a:prstDash val="dash"/>
+            </a:ln>
+          </p:spPr>
+          <p:style>
+            <a:lnRef idx="1">
+              <a:schemeClr val="accent1"/>
+            </a:lnRef>
+            <a:fillRef idx="0">
+              <a:schemeClr val="accent1"/>
+            </a:fillRef>
+            <a:effectRef idx="0">
+              <a:schemeClr val="accent1"/>
+            </a:effectRef>
+            <a:fontRef idx="minor">
+              <a:schemeClr val="tx1"/>
+            </a:fontRef>
+          </p:style>
+        </p:cxnSp>
+        <p:sp>
+          <p:nvSpPr>
+            <p:cNvPr id="19" name="円弧 18"/>
+            <p:cNvSpPr/>
+            <p:nvPr/>
+          </p:nvSpPr>
+          <p:spPr>
+            <a:xfrm rot="18900000">
+              <a:off x="4941164" y="2109687"/>
+              <a:ext cx="360000" cy="720000"/>
+            </a:xfrm>
+            <a:prstGeom prst="arc">
+              <a:avLst>
+                <a:gd name="adj1" fmla="val 14123662"/>
+                <a:gd name="adj2" fmla="val 7797343"/>
+              </a:avLst>
+            </a:prstGeom>
+            <a:ln w="19050">
+              <a:solidFill>
+                <a:srgbClr val="00B050"/>
+              </a:solidFill>
+              <a:headEnd type="none" w="med" len="med"/>
+              <a:tailEnd type="triangle" w="med" len="med"/>
+            </a:ln>
+          </p:spPr>
+          <p:style>
+            <a:lnRef idx="1">
+              <a:schemeClr val="accent1"/>
+            </a:lnRef>
+            <a:fillRef idx="0">
+              <a:schemeClr val="accent1"/>
+            </a:fillRef>
+            <a:effectRef idx="0">
+              <a:schemeClr val="accent1"/>
+            </a:effectRef>
+            <a:fontRef idx="minor">
+              <a:schemeClr val="tx1"/>
+            </a:fontRef>
+          </p:style>
+          <p:txBody>
+            <a:bodyPr rtlCol="0" anchor="ctr"/>
+            <a:lstStyle/>
+            <a:p>
+              <a:pPr algn="ctr"/>
+              <a:endParaRPr kumimoji="1" lang="ja-JP" altLang="en-US"/>
+            </a:p>
+          </p:txBody>
+        </p:sp>
+      </p:grpSp>
+      <p:grpSp>
+        <p:nvGrpSpPr>
+          <p:cNvPr id="90" name="グループ化 89"/>
+          <p:cNvGrpSpPr/>
+          <p:nvPr/>
+        </p:nvGrpSpPr>
+        <p:grpSpPr>
+          <a:xfrm>
+            <a:off x="3641000" y="622927"/>
+            <a:ext cx="5040647" cy="5040645"/>
+            <a:chOff x="1331585" y="188586"/>
+            <a:chExt cx="5040647" cy="5040645"/>
+          </a:xfrm>
+        </p:grpSpPr>
+        <p:sp>
+          <p:nvSpPr>
+            <p:cNvPr id="91" name="円/楕円 90"/>
+            <p:cNvSpPr/>
+            <p:nvPr/>
+          </p:nvSpPr>
+          <p:spPr>
+            <a:xfrm>
+              <a:off x="3131816" y="1988816"/>
+              <a:ext cx="1440184" cy="1440184"/>
+            </a:xfrm>
+            <a:prstGeom prst="ellipse">
+              <a:avLst/>
+            </a:prstGeom>
+            <a:noFill/>
+            <a:ln>
+              <a:solidFill>
+                <a:schemeClr val="bg1">
+                  <a:lumMod val="50000"/>
+                </a:schemeClr>
+              </a:solidFill>
+            </a:ln>
+          </p:spPr>
+          <p:style>
+            <a:lnRef idx="2">
+              <a:schemeClr val="accent1">
+                <a:shade val="50000"/>
+              </a:schemeClr>
+            </a:lnRef>
+            <a:fillRef idx="1">
+              <a:schemeClr val="accent1"/>
+            </a:fillRef>
+            <a:effectRef idx="0">
+              <a:schemeClr val="accent1"/>
+            </a:effectRef>
+            <a:fontRef idx="minor">
+              <a:schemeClr val="lt1"/>
+            </a:fontRef>
+          </p:style>
+          <p:txBody>
+            <a:bodyPr rtlCol="0" anchor="ctr"/>
+            <a:lstStyle/>
+            <a:p>
+              <a:pPr algn="ctr"/>
+              <a:endParaRPr kumimoji="1" lang="ja-JP" altLang="en-US"/>
+            </a:p>
+          </p:txBody>
+        </p:sp>
+        <p:grpSp>
+          <p:nvGrpSpPr>
+            <p:cNvPr id="92" name="グループ化 91"/>
+            <p:cNvGrpSpPr/>
+            <p:nvPr/>
+          </p:nvGrpSpPr>
+          <p:grpSpPr>
+            <a:xfrm>
+              <a:off x="1331585" y="188586"/>
+              <a:ext cx="3600462" cy="5040645"/>
+              <a:chOff x="1331585" y="188586"/>
+              <a:chExt cx="3600462" cy="5040645"/>
+            </a:xfrm>
+          </p:grpSpPr>
+          <p:sp>
+            <p:nvSpPr>
+              <p:cNvPr id="103" name="円弧 102"/>
+              <p:cNvSpPr/>
+              <p:nvPr/>
+            </p:nvSpPr>
+            <p:spPr>
+              <a:xfrm>
+                <a:off x="1331585" y="1628770"/>
+                <a:ext cx="3600461" cy="3600461"/>
+              </a:xfrm>
+              <a:prstGeom prst="arc">
+                <a:avLst>
+                  <a:gd name="adj1" fmla="val 17937390"/>
+                  <a:gd name="adj2" fmla="val 20207625"/>
+                </a:avLst>
+              </a:prstGeom>
+              <a:ln w="38100">
+                <a:solidFill>
+                  <a:schemeClr val="tx1"/>
+                </a:solidFill>
+              </a:ln>
+            </p:spPr>
+            <p:style>
+              <a:lnRef idx="1">
+                <a:schemeClr val="accent1"/>
+              </a:lnRef>
+              <a:fillRef idx="0">
+                <a:schemeClr val="accent1"/>
+              </a:fillRef>
+              <a:effectRef idx="0">
+                <a:schemeClr val="accent1"/>
+              </a:effectRef>
+              <a:fontRef idx="minor">
+                <a:schemeClr val="tx1"/>
+              </a:fontRef>
+            </p:style>
+            <p:txBody>
+              <a:bodyPr rtlCol="0" anchor="ctr"/>
+              <a:lstStyle/>
+              <a:p>
+                <a:pPr algn="ctr"/>
+                <a:endParaRPr kumimoji="1" lang="ja-JP" altLang="en-US"/>
+              </a:p>
+            </p:txBody>
+          </p:sp>
+          <p:sp>
+            <p:nvSpPr>
+              <p:cNvPr id="104" name="円弧 103"/>
+              <p:cNvSpPr/>
+              <p:nvPr/>
+            </p:nvSpPr>
+            <p:spPr>
+              <a:xfrm flipV="1">
+                <a:off x="1331586" y="188586"/>
+                <a:ext cx="3600461" cy="3600461"/>
+              </a:xfrm>
+              <a:prstGeom prst="arc">
+                <a:avLst>
+                  <a:gd name="adj1" fmla="val 17941978"/>
+                  <a:gd name="adj2" fmla="val 20207625"/>
+                </a:avLst>
+              </a:prstGeom>
+              <a:ln w="38100">
+                <a:solidFill>
+                  <a:schemeClr val="tx1"/>
+                </a:solidFill>
+              </a:ln>
+            </p:spPr>
+            <p:style>
+              <a:lnRef idx="1">
+                <a:schemeClr val="accent1"/>
+              </a:lnRef>
+              <a:fillRef idx="0">
+                <a:schemeClr val="accent1"/>
+              </a:fillRef>
+              <a:effectRef idx="0">
+                <a:schemeClr val="accent1"/>
+              </a:effectRef>
+              <a:fontRef idx="minor">
+                <a:schemeClr val="tx1"/>
+              </a:fontRef>
+            </p:style>
+            <p:txBody>
+              <a:bodyPr rtlCol="0" anchor="ctr"/>
+              <a:lstStyle/>
+              <a:p>
+                <a:pPr algn="ctr"/>
+                <a:endParaRPr kumimoji="1" lang="ja-JP" altLang="en-US"/>
+              </a:p>
+            </p:txBody>
+          </p:sp>
+        </p:grpSp>
+        <p:grpSp>
+          <p:nvGrpSpPr>
+            <p:cNvPr id="93" name="グループ化 92"/>
+            <p:cNvGrpSpPr/>
+            <p:nvPr/>
+          </p:nvGrpSpPr>
+          <p:grpSpPr>
+            <a:xfrm flipH="1">
+              <a:off x="2771770" y="188586"/>
+              <a:ext cx="3600462" cy="5040645"/>
+              <a:chOff x="1331585" y="188586"/>
+              <a:chExt cx="3600462" cy="5040645"/>
+            </a:xfrm>
+          </p:grpSpPr>
+          <p:sp>
+            <p:nvSpPr>
+              <p:cNvPr id="101" name="円弧 100"/>
+              <p:cNvSpPr/>
+              <p:nvPr/>
+            </p:nvSpPr>
+            <p:spPr>
+              <a:xfrm>
+                <a:off x="1331585" y="1628770"/>
+                <a:ext cx="3600461" cy="3600461"/>
+              </a:xfrm>
+              <a:prstGeom prst="arc">
+                <a:avLst>
+                  <a:gd name="adj1" fmla="val 17937390"/>
+                  <a:gd name="adj2" fmla="val 20207625"/>
+                </a:avLst>
+              </a:prstGeom>
+              <a:ln w="38100">
+                <a:solidFill>
+                  <a:schemeClr val="tx1"/>
+                </a:solidFill>
+              </a:ln>
+            </p:spPr>
+            <p:style>
+              <a:lnRef idx="1">
+                <a:schemeClr val="accent1"/>
+              </a:lnRef>
+              <a:fillRef idx="0">
+                <a:schemeClr val="accent1"/>
+              </a:fillRef>
+              <a:effectRef idx="0">
+                <a:schemeClr val="accent1"/>
+              </a:effectRef>
+              <a:fontRef idx="minor">
+                <a:schemeClr val="tx1"/>
+              </a:fontRef>
+            </p:style>
+            <p:txBody>
+              <a:bodyPr rtlCol="0" anchor="ctr"/>
+              <a:lstStyle/>
+              <a:p>
+                <a:pPr algn="ctr"/>
+                <a:endParaRPr kumimoji="1" lang="ja-JP" altLang="en-US"/>
+              </a:p>
+            </p:txBody>
+          </p:sp>
+          <p:sp>
+            <p:nvSpPr>
+              <p:cNvPr id="102" name="円弧 101"/>
+              <p:cNvSpPr/>
+              <p:nvPr/>
+            </p:nvSpPr>
+            <p:spPr>
+              <a:xfrm flipV="1">
+                <a:off x="1331586" y="188586"/>
+                <a:ext cx="3600461" cy="3600461"/>
+              </a:xfrm>
+              <a:prstGeom prst="arc">
+                <a:avLst>
+                  <a:gd name="adj1" fmla="val 17941978"/>
+                  <a:gd name="adj2" fmla="val 20207625"/>
+                </a:avLst>
+              </a:prstGeom>
+              <a:ln w="38100">
+                <a:solidFill>
+                  <a:schemeClr val="tx1"/>
+                </a:solidFill>
+              </a:ln>
+            </p:spPr>
+            <p:style>
+              <a:lnRef idx="1">
+                <a:schemeClr val="accent1"/>
+              </a:lnRef>
+              <a:fillRef idx="0">
+                <a:schemeClr val="accent1"/>
+              </a:fillRef>
+              <a:effectRef idx="0">
+                <a:schemeClr val="accent1"/>
+              </a:effectRef>
+              <a:fontRef idx="minor">
+                <a:schemeClr val="tx1"/>
+              </a:fontRef>
+            </p:style>
+            <p:txBody>
+              <a:bodyPr rtlCol="0" anchor="ctr"/>
+              <a:lstStyle/>
+              <a:p>
+                <a:pPr algn="ctr"/>
+                <a:endParaRPr kumimoji="1" lang="ja-JP" altLang="en-US"/>
+              </a:p>
+            </p:txBody>
+          </p:sp>
+        </p:grpSp>
+        <p:cxnSp>
+          <p:nvCxnSpPr>
+            <p:cNvPr id="96" name="直線矢印コネクタ 95"/>
+            <p:cNvCxnSpPr>
+              <a:stCxn id="91" idx="7"/>
+            </p:cNvCxnSpPr>
+            <p:nvPr/>
+          </p:nvCxnSpPr>
+          <p:spPr>
+            <a:xfrm flipH="1">
+              <a:off x="4031931" y="2199726"/>
+              <a:ext cx="329159" cy="329159"/>
+            </a:xfrm>
+            <a:prstGeom prst="straightConnector1">
+              <a:avLst/>
+            </a:prstGeom>
+            <a:ln w="38100">
+              <a:solidFill>
+                <a:srgbClr val="FF0000"/>
+              </a:solidFill>
+              <a:headEnd type="none" w="med" len="med"/>
+              <a:tailEnd type="triangle" w="med" len="med"/>
+            </a:ln>
+          </p:spPr>
+          <p:style>
+            <a:lnRef idx="1">
+              <a:schemeClr val="accent1"/>
+            </a:lnRef>
+            <a:fillRef idx="0">
+              <a:schemeClr val="accent1"/>
+            </a:fillRef>
+            <a:effectRef idx="0">
+              <a:schemeClr val="accent1"/>
+            </a:effectRef>
+            <a:fontRef idx="minor">
+              <a:schemeClr val="tx1"/>
+            </a:fontRef>
+          </p:style>
+        </p:cxnSp>
+      </p:grpSp>
+      <p:cxnSp>
+        <p:nvCxnSpPr>
+          <p:cNvPr id="105" name="直線コネクタ 104"/>
+          <p:cNvCxnSpPr/>
+          <p:nvPr/>
+        </p:nvCxnSpPr>
+        <p:spPr>
+          <a:xfrm>
+            <a:off x="5261208" y="2243135"/>
+            <a:ext cx="1800230" cy="1800000"/>
+          </a:xfrm>
+          <a:prstGeom prst="line">
+            <a:avLst/>
+          </a:prstGeom>
+          <a:ln w="38100">
+            <a:solidFill>
+              <a:schemeClr val="accent6"/>
+            </a:solidFill>
+            <a:prstDash val="dash"/>
+          </a:ln>
+        </p:spPr>
+        <p:style>
+          <a:lnRef idx="1">
+            <a:schemeClr val="accent1"/>
+          </a:lnRef>
+          <a:fillRef idx="0">
+            <a:schemeClr val="accent1"/>
+          </a:fillRef>
+          <a:effectRef idx="0">
+            <a:schemeClr val="accent1"/>
+          </a:effectRef>
+          <a:fontRef idx="minor">
+            <a:schemeClr val="tx1"/>
+          </a:fontRef>
+        </p:style>
+      </p:cxnSp>
+      <p:sp>
+        <p:nvSpPr>
+          <p:cNvPr id="106" name="円弧 105"/>
+          <p:cNvSpPr/>
+          <p:nvPr/>
+        </p:nvSpPr>
+        <p:spPr>
+          <a:xfrm rot="13500000">
+            <a:off x="5261229" y="2084948"/>
+            <a:ext cx="360000" cy="720000"/>
+          </a:xfrm>
+          <a:prstGeom prst="arc">
+            <a:avLst>
+              <a:gd name="adj1" fmla="val 14123662"/>
+              <a:gd name="adj2" fmla="val 7797343"/>
+            </a:avLst>
+          </a:prstGeom>
+          <a:ln w="19050">
+            <a:solidFill>
+              <a:schemeClr val="accent6"/>
+            </a:solidFill>
+            <a:headEnd type="none" w="med" len="med"/>
+            <a:tailEnd type="triangle" w="med" len="med"/>
+          </a:ln>
+        </p:spPr>
+        <p:style>
+          <a:lnRef idx="1">
+            <a:schemeClr val="accent1"/>
+          </a:lnRef>
+          <a:fillRef idx="0">
+            <a:schemeClr val="accent1"/>
+          </a:fillRef>
+          <a:effectRef idx="0">
+            <a:schemeClr val="accent1"/>
+          </a:effectRef>
+          <a:fontRef idx="minor">
+            <a:schemeClr val="tx1"/>
+          </a:fontRef>
+        </p:style>
+        <p:txBody>
+          <a:bodyPr rtlCol="0" anchor="ctr"/>
+          <a:lstStyle/>
+          <a:p>
+            <a:pPr algn="ctr"/>
+            <a:endParaRPr kumimoji="1" lang="ja-JP" altLang="en-US">
+              <a:solidFill>
+                <a:schemeClr val="accent6"/>
+              </a:solidFill>
+            </a:endParaRPr>
+          </a:p>
+        </p:txBody>
+      </p:sp>
+      <p:sp>
+        <p:nvSpPr>
+          <p:cNvPr id="22" name="テキスト ボックス 21"/>
+          <p:cNvSpPr txBox="1"/>
+          <p:nvPr/>
+        </p:nvSpPr>
+        <p:spPr>
+          <a:xfrm>
+            <a:off x="2339598" y="4139806"/>
+            <a:ext cx="864339" cy="369332"/>
+          </a:xfrm>
+          <a:prstGeom prst="rect">
+            <a:avLst/>
+          </a:prstGeom>
+          <a:noFill/>
+        </p:spPr>
+        <p:txBody>
+          <a:bodyPr wrap="none" rtlCol="0">
+            <a:spAutoFit/>
+          </a:bodyPr>
+          <a:lstStyle/>
+          <a:p>
+            <a:r>
+              <a:rPr kumimoji="1" lang="en-US" altLang="ja-JP" dirty="0" smtClean="0">
+                <a:latin typeface="Arial" panose="020B0604020202020204" pitchFamily="34" charset="0"/>
+                <a:cs typeface="Arial" panose="020B0604020202020204" pitchFamily="34" charset="0"/>
+              </a:rPr>
+              <a:t>Strong</a:t>
+            </a:r>
+            <a:endParaRPr kumimoji="1" lang="ja-JP" altLang="en-US" dirty="0">
+              <a:latin typeface="Arial" panose="020B0604020202020204" pitchFamily="34" charset="0"/>
+              <a:cs typeface="Arial" panose="020B0604020202020204" pitchFamily="34" charset="0"/>
+            </a:endParaRPr>
+          </a:p>
+        </p:txBody>
+      </p:sp>
+      <p:sp>
+        <p:nvSpPr>
+          <p:cNvPr id="111" name="テキスト ボックス 110"/>
+          <p:cNvSpPr txBox="1"/>
+          <p:nvPr/>
+        </p:nvSpPr>
+        <p:spPr>
+          <a:xfrm>
+            <a:off x="5729153" y="4139806"/>
+            <a:ext cx="770404" cy="369332"/>
+          </a:xfrm>
+          <a:prstGeom prst="rect">
+            <a:avLst/>
+          </a:prstGeom>
+          <a:noFill/>
+        </p:spPr>
+        <p:txBody>
+          <a:bodyPr wrap="none" rtlCol="0">
+            <a:spAutoFit/>
+          </a:bodyPr>
+          <a:lstStyle/>
+          <a:p>
+            <a:r>
+              <a:rPr kumimoji="1" lang="en-US" altLang="ja-JP" dirty="0" smtClean="0">
+                <a:latin typeface="Arial" panose="020B0604020202020204" pitchFamily="34" charset="0"/>
+                <a:cs typeface="Arial" panose="020B0604020202020204" pitchFamily="34" charset="0"/>
+              </a:rPr>
+              <a:t>Weak</a:t>
+            </a:r>
+            <a:endParaRPr kumimoji="1" lang="ja-JP" altLang="en-US" dirty="0">
+              <a:latin typeface="Arial" panose="020B0604020202020204" pitchFamily="34" charset="0"/>
+              <a:cs typeface="Arial" panose="020B0604020202020204" pitchFamily="34" charset="0"/>
+            </a:endParaRPr>
+          </a:p>
+        </p:txBody>
+      </p:sp>
+      <p:sp>
+        <p:nvSpPr>
+          <p:cNvPr id="24" name="十字形 23"/>
+          <p:cNvSpPr/>
+          <p:nvPr/>
+        </p:nvSpPr>
+        <p:spPr>
+          <a:xfrm>
+            <a:off x="4392023" y="3069000"/>
+            <a:ext cx="360000" cy="360000"/>
+          </a:xfrm>
+          <a:prstGeom prst="plus">
+            <a:avLst>
+              <a:gd name="adj" fmla="val 50000"/>
+            </a:avLst>
+          </a:prstGeom>
+        </p:spPr>
+        <p:style>
+          <a:lnRef idx="2">
+            <a:schemeClr val="dk1">
+              <a:shade val="50000"/>
+            </a:schemeClr>
+          </a:lnRef>
+          <a:fillRef idx="1">
+            <a:schemeClr val="dk1"/>
+          </a:fillRef>
+          <a:effectRef idx="0">
+            <a:schemeClr val="dk1"/>
+          </a:effectRef>
+          <a:fontRef idx="minor">
+            <a:schemeClr val="lt1"/>
+          </a:fontRef>
+        </p:style>
+        <p:txBody>
+          <a:bodyPr rtlCol="0" anchor="ctr"/>
+          <a:lstStyle/>
+          <a:p>
+            <a:pPr algn="ctr"/>
+            <a:endParaRPr kumimoji="1" lang="ja-JP" altLang="en-US"/>
+          </a:p>
+        </p:txBody>
+      </p:sp>
+    </p:spTree>
+    <p:extLst>
+      <p:ext uri="{BB962C8B-B14F-4D97-AF65-F5344CB8AC3E}">
+        <p14:creationId xmlns:p14="http://schemas.microsoft.com/office/powerpoint/2010/main" val="2428495539"/>
+      </p:ext>
+    </p:extLst>
+  </p:cSld>
+  <p:clrMapOvr>
+    <a:masterClrMapping/>
+  </p:clrMapOvr>
+</p:sld>
+</file>
+
+<file path=ppt/slides/slide5.xml><?xml version="1.0" encoding="utf-8"?>
+<p:sld xmlns:a="http://schemas.openxmlformats.org/drawingml/2006/main" xmlns:r="http://schemas.openxmlformats.org/officeDocument/2006/relationships" xmlns:p="http://schemas.openxmlformats.org/presentationml/2006/main">
+  <p:cSld>
+    <p:spTree>
+      <p:nvGrpSpPr>
+        <p:cNvPr id="1" name=""/>
+        <p:cNvGrpSpPr/>
+        <p:nvPr/>
+      </p:nvGrpSpPr>
+      <p:grpSpPr>
+        <a:xfrm>
+          <a:off x="0" y="0"/>
+          <a:ext cx="0" cy="0"/>
+          <a:chOff x="0" y="0"/>
+          <a:chExt cx="0" cy="0"/>
+        </a:xfrm>
+      </p:grpSpPr>
+      <p:grpSp>
+        <p:nvGrpSpPr>
           <p:cNvPr id="36" name="グループ化 35"/>
           <p:cNvGrpSpPr/>
           <p:nvPr/>
@@ -6092,214 +7119,6 @@
           </p:txBody>
         </p:sp>
       </p:grpSp>
-      <p:grpSp>
-        <p:nvGrpSpPr>
-          <p:cNvPr id="59" name="グループ化 58"/>
-          <p:cNvGrpSpPr/>
-          <p:nvPr/>
-        </p:nvGrpSpPr>
-        <p:grpSpPr>
-          <a:xfrm>
-            <a:off x="6552253" y="1628816"/>
-            <a:ext cx="360000" cy="360000"/>
-            <a:chOff x="6552253" y="545180"/>
-            <a:chExt cx="360000" cy="360000"/>
-          </a:xfrm>
-        </p:grpSpPr>
-        <p:sp>
-          <p:nvSpPr>
-            <p:cNvPr id="57" name="円/楕円 56"/>
-            <p:cNvSpPr/>
-            <p:nvPr/>
-          </p:nvSpPr>
-          <p:spPr>
-            <a:xfrm>
-              <a:off x="6552253" y="545180"/>
-              <a:ext cx="360000" cy="360000"/>
-            </a:xfrm>
-            <a:prstGeom prst="ellipse">
-              <a:avLst/>
-            </a:prstGeom>
-          </p:spPr>
-          <p:style>
-            <a:lnRef idx="2">
-              <a:schemeClr val="dk1"/>
-            </a:lnRef>
-            <a:fillRef idx="1">
-              <a:schemeClr val="lt1"/>
-            </a:fillRef>
-            <a:effectRef idx="0">
-              <a:schemeClr val="dk1"/>
-            </a:effectRef>
-            <a:fontRef idx="minor">
-              <a:schemeClr val="dk1"/>
-            </a:fontRef>
-          </p:style>
-          <p:txBody>
-            <a:bodyPr rtlCol="0" anchor="ctr"/>
-            <a:lstStyle/>
-            <a:p>
-              <a:pPr algn="ctr"/>
-              <a:endParaRPr kumimoji="1" lang="ja-JP" altLang="en-US"/>
-            </a:p>
-          </p:txBody>
-        </p:sp>
-        <p:sp>
-          <p:nvSpPr>
-            <p:cNvPr id="58" name="円/楕円 57"/>
-            <p:cNvSpPr/>
-            <p:nvPr/>
-          </p:nvSpPr>
-          <p:spPr>
-            <a:xfrm>
-              <a:off x="6660275" y="653180"/>
-              <a:ext cx="144000" cy="144000"/>
-            </a:xfrm>
-            <a:prstGeom prst="ellipse">
-              <a:avLst/>
-            </a:prstGeom>
-            <a:solidFill>
-              <a:schemeClr val="tx1"/>
-            </a:solidFill>
-          </p:spPr>
-          <p:style>
-            <a:lnRef idx="2">
-              <a:schemeClr val="dk1"/>
-            </a:lnRef>
-            <a:fillRef idx="1">
-              <a:schemeClr val="lt1"/>
-            </a:fillRef>
-            <a:effectRef idx="0">
-              <a:schemeClr val="dk1"/>
-            </a:effectRef>
-            <a:fontRef idx="minor">
-              <a:schemeClr val="dk1"/>
-            </a:fontRef>
-          </p:style>
-          <p:txBody>
-            <a:bodyPr rtlCol="0" anchor="ctr"/>
-            <a:lstStyle/>
-            <a:p>
-              <a:pPr algn="ctr"/>
-              <a:endParaRPr kumimoji="1" lang="ja-JP" altLang="en-US"/>
-            </a:p>
-          </p:txBody>
-        </p:sp>
-      </p:grpSp>
-      <p:sp>
-        <p:nvSpPr>
-          <p:cNvPr id="76" name="円/楕円 75"/>
-          <p:cNvSpPr/>
-          <p:nvPr/>
-        </p:nvSpPr>
-        <p:spPr>
-          <a:xfrm>
-            <a:off x="971539" y="1628816"/>
-            <a:ext cx="360000" cy="360000"/>
-          </a:xfrm>
-          <a:prstGeom prst="ellipse">
-            <a:avLst/>
-          </a:prstGeom>
-        </p:spPr>
-        <p:style>
-          <a:lnRef idx="2">
-            <a:schemeClr val="dk1"/>
-          </a:lnRef>
-          <a:fillRef idx="1">
-            <a:schemeClr val="lt1"/>
-          </a:fillRef>
-          <a:effectRef idx="0">
-            <a:schemeClr val="dk1"/>
-          </a:effectRef>
-          <a:fontRef idx="minor">
-            <a:schemeClr val="dk1"/>
-          </a:fontRef>
-        </p:style>
-        <p:txBody>
-          <a:bodyPr rtlCol="0" anchor="ctr"/>
-          <a:lstStyle/>
-          <a:p>
-            <a:pPr algn="ctr"/>
-            <a:endParaRPr kumimoji="1" lang="ja-JP" altLang="en-US"/>
-          </a:p>
-        </p:txBody>
-      </p:sp>
-      <p:cxnSp>
-        <p:nvCxnSpPr>
-          <p:cNvPr id="79" name="直線コネクタ 78"/>
-          <p:cNvCxnSpPr>
-            <a:stCxn id="76" idx="1"/>
-            <a:endCxn id="76" idx="5"/>
-          </p:cNvCxnSpPr>
-          <p:nvPr/>
-        </p:nvCxnSpPr>
-        <p:spPr>
-          <a:xfrm>
-            <a:off x="1024260" y="1681537"/>
-            <a:ext cx="254558" cy="254558"/>
-          </a:xfrm>
-          <a:prstGeom prst="line">
-            <a:avLst/>
-          </a:prstGeom>
-          <a:ln w="19050">
-            <a:solidFill>
-              <a:schemeClr val="tx1"/>
-            </a:solidFill>
-          </a:ln>
-        </p:spPr>
-        <p:style>
-          <a:lnRef idx="1">
-            <a:schemeClr val="accent1"/>
-          </a:lnRef>
-          <a:fillRef idx="0">
-            <a:schemeClr val="accent1"/>
-          </a:fillRef>
-          <a:effectRef idx="0">
-            <a:schemeClr val="accent1"/>
-          </a:effectRef>
-          <a:fontRef idx="minor">
-            <a:schemeClr val="tx1"/>
-          </a:fontRef>
-        </p:style>
-      </p:cxnSp>
-      <p:cxnSp>
-        <p:nvCxnSpPr>
-          <p:cNvPr id="80" name="直線コネクタ 79"/>
-          <p:cNvCxnSpPr>
-            <a:stCxn id="76" idx="7"/>
-            <a:endCxn id="76" idx="3"/>
-          </p:cNvCxnSpPr>
-          <p:nvPr/>
-        </p:nvCxnSpPr>
-        <p:spPr>
-          <a:xfrm flipH="1">
-            <a:off x="1024260" y="1681537"/>
-            <a:ext cx="254558" cy="254558"/>
-          </a:xfrm>
-          <a:prstGeom prst="line">
-            <a:avLst/>
-          </a:prstGeom>
-          <a:ln w="19050">
-            <a:solidFill>
-              <a:schemeClr val="tx1"/>
-            </a:solidFill>
-          </a:ln>
-        </p:spPr>
-        <p:style>
-          <a:lnRef idx="1">
-            <a:schemeClr val="accent1"/>
-          </a:lnRef>
-          <a:fillRef idx="0">
-            <a:schemeClr val="accent1"/>
-          </a:fillRef>
-          <a:effectRef idx="0">
-            <a:schemeClr val="accent1"/>
-          </a:effectRef>
-          <a:fontRef idx="minor">
-            <a:schemeClr val="tx1"/>
-          </a:fontRef>
-        </p:style>
-      </p:cxnSp>
       <p:cxnSp>
         <p:nvCxnSpPr>
           <p:cNvPr id="56" name="直線矢印コネクタ 55"/>
@@ -7149,6 +7968,229 @@
           </a:fontRef>
         </p:style>
       </p:cxnSp>
+      <p:grpSp>
+        <p:nvGrpSpPr>
+          <p:cNvPr id="50" name="グループ化 49"/>
+          <p:cNvGrpSpPr/>
+          <p:nvPr/>
+        </p:nvGrpSpPr>
+        <p:grpSpPr>
+          <a:xfrm>
+            <a:off x="983216" y="1628816"/>
+            <a:ext cx="360000" cy="360000"/>
+            <a:chOff x="6552253" y="545180"/>
+            <a:chExt cx="360000" cy="360000"/>
+          </a:xfrm>
+        </p:grpSpPr>
+        <p:sp>
+          <p:nvSpPr>
+            <p:cNvPr id="51" name="円/楕円 50"/>
+            <p:cNvSpPr/>
+            <p:nvPr/>
+          </p:nvSpPr>
+          <p:spPr>
+            <a:xfrm>
+              <a:off x="6552253" y="545180"/>
+              <a:ext cx="360000" cy="360000"/>
+            </a:xfrm>
+            <a:prstGeom prst="ellipse">
+              <a:avLst/>
+            </a:prstGeom>
+          </p:spPr>
+          <p:style>
+            <a:lnRef idx="2">
+              <a:schemeClr val="dk1"/>
+            </a:lnRef>
+            <a:fillRef idx="1">
+              <a:schemeClr val="lt1"/>
+            </a:fillRef>
+            <a:effectRef idx="0">
+              <a:schemeClr val="dk1"/>
+            </a:effectRef>
+            <a:fontRef idx="minor">
+              <a:schemeClr val="dk1"/>
+            </a:fontRef>
+          </p:style>
+          <p:txBody>
+            <a:bodyPr rtlCol="0" anchor="ctr"/>
+            <a:lstStyle/>
+            <a:p>
+              <a:pPr algn="ctr"/>
+              <a:endParaRPr kumimoji="1" lang="ja-JP" altLang="en-US"/>
+            </a:p>
+          </p:txBody>
+        </p:sp>
+        <p:sp>
+          <p:nvSpPr>
+            <p:cNvPr id="52" name="円/楕円 51"/>
+            <p:cNvSpPr/>
+            <p:nvPr/>
+          </p:nvSpPr>
+          <p:spPr>
+            <a:xfrm>
+              <a:off x="6660275" y="653180"/>
+              <a:ext cx="144000" cy="144000"/>
+            </a:xfrm>
+            <a:prstGeom prst="ellipse">
+              <a:avLst/>
+            </a:prstGeom>
+            <a:solidFill>
+              <a:schemeClr val="tx1"/>
+            </a:solidFill>
+          </p:spPr>
+          <p:style>
+            <a:lnRef idx="2">
+              <a:schemeClr val="dk1"/>
+            </a:lnRef>
+            <a:fillRef idx="1">
+              <a:schemeClr val="lt1"/>
+            </a:fillRef>
+            <a:effectRef idx="0">
+              <a:schemeClr val="dk1"/>
+            </a:effectRef>
+            <a:fontRef idx="minor">
+              <a:schemeClr val="dk1"/>
+            </a:fontRef>
+          </p:style>
+          <p:txBody>
+            <a:bodyPr rtlCol="0" anchor="ctr"/>
+            <a:lstStyle/>
+            <a:p>
+              <a:pPr algn="ctr"/>
+              <a:endParaRPr kumimoji="1" lang="ja-JP" altLang="en-US"/>
+            </a:p>
+          </p:txBody>
+        </p:sp>
+      </p:grpSp>
+      <p:grpSp>
+        <p:nvGrpSpPr>
+          <p:cNvPr id="53" name="グループ化 52"/>
+          <p:cNvGrpSpPr/>
+          <p:nvPr/>
+        </p:nvGrpSpPr>
+        <p:grpSpPr>
+          <a:xfrm>
+            <a:off x="6547982" y="1628816"/>
+            <a:ext cx="360000" cy="360000"/>
+            <a:chOff x="971539" y="1628816"/>
+            <a:chExt cx="360000" cy="360000"/>
+          </a:xfrm>
+        </p:grpSpPr>
+        <p:sp>
+          <p:nvSpPr>
+            <p:cNvPr id="54" name="円/楕円 53"/>
+            <p:cNvSpPr/>
+            <p:nvPr/>
+          </p:nvSpPr>
+          <p:spPr>
+            <a:xfrm>
+              <a:off x="971539" y="1628816"/>
+              <a:ext cx="360000" cy="360000"/>
+            </a:xfrm>
+            <a:prstGeom prst="ellipse">
+              <a:avLst/>
+            </a:prstGeom>
+          </p:spPr>
+          <p:style>
+            <a:lnRef idx="2">
+              <a:schemeClr val="dk1"/>
+            </a:lnRef>
+            <a:fillRef idx="1">
+              <a:schemeClr val="lt1"/>
+            </a:fillRef>
+            <a:effectRef idx="0">
+              <a:schemeClr val="dk1"/>
+            </a:effectRef>
+            <a:fontRef idx="minor">
+              <a:schemeClr val="dk1"/>
+            </a:fontRef>
+          </p:style>
+          <p:txBody>
+            <a:bodyPr rtlCol="0" anchor="ctr"/>
+            <a:lstStyle/>
+            <a:p>
+              <a:pPr algn="ctr"/>
+              <a:endParaRPr kumimoji="1" lang="ja-JP" altLang="en-US"/>
+            </a:p>
+          </p:txBody>
+        </p:sp>
+        <p:cxnSp>
+          <p:nvCxnSpPr>
+            <p:cNvPr id="55" name="直線コネクタ 54"/>
+            <p:cNvCxnSpPr>
+              <a:stCxn id="54" idx="1"/>
+              <a:endCxn id="54" idx="5"/>
+            </p:cNvCxnSpPr>
+            <p:nvPr/>
+          </p:nvCxnSpPr>
+          <p:spPr>
+            <a:xfrm>
+              <a:off x="1024260" y="1681537"/>
+              <a:ext cx="254558" cy="254558"/>
+            </a:xfrm>
+            <a:prstGeom prst="line">
+              <a:avLst/>
+            </a:prstGeom>
+            <a:ln w="19050">
+              <a:solidFill>
+                <a:schemeClr val="tx1"/>
+              </a:solidFill>
+            </a:ln>
+          </p:spPr>
+          <p:style>
+            <a:lnRef idx="1">
+              <a:schemeClr val="accent1"/>
+            </a:lnRef>
+            <a:fillRef idx="0">
+              <a:schemeClr val="accent1"/>
+            </a:fillRef>
+            <a:effectRef idx="0">
+              <a:schemeClr val="accent1"/>
+            </a:effectRef>
+            <a:fontRef idx="minor">
+              <a:schemeClr val="tx1"/>
+            </a:fontRef>
+          </p:style>
+        </p:cxnSp>
+        <p:cxnSp>
+          <p:nvCxnSpPr>
+            <p:cNvPr id="60" name="直線コネクタ 59"/>
+            <p:cNvCxnSpPr>
+              <a:stCxn id="54" idx="7"/>
+              <a:endCxn id="54" idx="3"/>
+            </p:cNvCxnSpPr>
+            <p:nvPr/>
+          </p:nvCxnSpPr>
+          <p:spPr>
+            <a:xfrm flipH="1">
+              <a:off x="1024260" y="1681537"/>
+              <a:ext cx="254558" cy="254558"/>
+            </a:xfrm>
+            <a:prstGeom prst="line">
+              <a:avLst/>
+            </a:prstGeom>
+            <a:ln w="19050">
+              <a:solidFill>
+                <a:schemeClr val="tx1"/>
+              </a:solidFill>
+            </a:ln>
+          </p:spPr>
+          <p:style>
+            <a:lnRef idx="1">
+              <a:schemeClr val="accent1"/>
+            </a:lnRef>
+            <a:fillRef idx="0">
+              <a:schemeClr val="accent1"/>
+            </a:fillRef>
+            <a:effectRef idx="0">
+              <a:schemeClr val="accent1"/>
+            </a:effectRef>
+            <a:fontRef idx="minor">
+              <a:schemeClr val="tx1"/>
+            </a:fontRef>
+          </p:style>
+        </p:cxnSp>
+      </p:grpSp>
     </p:spTree>
     <p:extLst>
       <p:ext uri="{BB962C8B-B14F-4D97-AF65-F5344CB8AC3E}">
@@ -7162,7 +8204,745 @@
 </p:sld>
 </file>
 
-<file path=ppt/slides/slide5.xml><?xml version="1.0" encoding="utf-8"?>
+<file path=ppt/slides/slide6.xml><?xml version="1.0" encoding="utf-8"?>
+<p:sld xmlns:a="http://schemas.openxmlformats.org/drawingml/2006/main" xmlns:r="http://schemas.openxmlformats.org/officeDocument/2006/relationships" xmlns:p="http://schemas.openxmlformats.org/presentationml/2006/main">
+  <p:cSld>
+    <p:spTree>
+      <p:nvGrpSpPr>
+        <p:cNvPr id="1" name=""/>
+        <p:cNvGrpSpPr/>
+        <p:nvPr/>
+      </p:nvGrpSpPr>
+      <p:grpSpPr>
+        <a:xfrm>
+          <a:off x="0" y="0"/>
+          <a:ext cx="0" cy="0"/>
+          <a:chOff x="0" y="0"/>
+          <a:chExt cx="0" cy="0"/>
+        </a:xfrm>
+      </p:grpSpPr>
+      <p:grpSp>
+        <p:nvGrpSpPr>
+          <p:cNvPr id="36" name="グループ化 35"/>
+          <p:cNvGrpSpPr/>
+          <p:nvPr/>
+        </p:nvGrpSpPr>
+        <p:grpSpPr>
+          <a:xfrm>
+            <a:off x="2231697" y="188586"/>
+            <a:ext cx="5220671" cy="5040645"/>
+            <a:chOff x="1331585" y="188586"/>
+            <a:chExt cx="5220671" cy="5040645"/>
+          </a:xfrm>
+        </p:grpSpPr>
+        <p:grpSp>
+          <p:nvGrpSpPr>
+            <p:cNvPr id="7" name="グループ化 6"/>
+            <p:cNvGrpSpPr/>
+            <p:nvPr/>
+          </p:nvGrpSpPr>
+          <p:grpSpPr>
+            <a:xfrm>
+              <a:off x="1331585" y="188586"/>
+              <a:ext cx="3600462" cy="5040645"/>
+              <a:chOff x="1331585" y="188586"/>
+              <a:chExt cx="3600462" cy="5040645"/>
+            </a:xfrm>
+          </p:grpSpPr>
+          <p:sp>
+            <p:nvSpPr>
+              <p:cNvPr id="3" name="円弧 2"/>
+              <p:cNvSpPr/>
+              <p:nvPr/>
+            </p:nvSpPr>
+            <p:spPr>
+              <a:xfrm>
+                <a:off x="1331585" y="1628770"/>
+                <a:ext cx="3600461" cy="3600461"/>
+              </a:xfrm>
+              <a:prstGeom prst="arc">
+                <a:avLst>
+                  <a:gd name="adj1" fmla="val 17937390"/>
+                  <a:gd name="adj2" fmla="val 20207625"/>
+                </a:avLst>
+              </a:prstGeom>
+              <a:ln w="38100">
+                <a:solidFill>
+                  <a:schemeClr val="tx1"/>
+                </a:solidFill>
+              </a:ln>
+            </p:spPr>
+            <p:style>
+              <a:lnRef idx="1">
+                <a:schemeClr val="accent1"/>
+              </a:lnRef>
+              <a:fillRef idx="0">
+                <a:schemeClr val="accent1"/>
+              </a:fillRef>
+              <a:effectRef idx="0">
+                <a:schemeClr val="accent1"/>
+              </a:effectRef>
+              <a:fontRef idx="minor">
+                <a:schemeClr val="tx1"/>
+              </a:fontRef>
+            </p:style>
+            <p:txBody>
+              <a:bodyPr rtlCol="0" anchor="ctr"/>
+              <a:lstStyle/>
+              <a:p>
+                <a:pPr algn="ctr"/>
+                <a:endParaRPr kumimoji="1" lang="ja-JP" altLang="en-US"/>
+              </a:p>
+            </p:txBody>
+          </p:sp>
+          <p:sp>
+            <p:nvSpPr>
+              <p:cNvPr id="4" name="円弧 3"/>
+              <p:cNvSpPr/>
+              <p:nvPr/>
+            </p:nvSpPr>
+            <p:spPr>
+              <a:xfrm flipV="1">
+                <a:off x="1331586" y="188586"/>
+                <a:ext cx="3600461" cy="3600461"/>
+              </a:xfrm>
+              <a:prstGeom prst="arc">
+                <a:avLst>
+                  <a:gd name="adj1" fmla="val 17941978"/>
+                  <a:gd name="adj2" fmla="val 20207625"/>
+                </a:avLst>
+              </a:prstGeom>
+              <a:ln w="38100">
+                <a:solidFill>
+                  <a:schemeClr val="tx1"/>
+                </a:solidFill>
+              </a:ln>
+            </p:spPr>
+            <p:style>
+              <a:lnRef idx="1">
+                <a:schemeClr val="accent1"/>
+              </a:lnRef>
+              <a:fillRef idx="0">
+                <a:schemeClr val="accent1"/>
+              </a:fillRef>
+              <a:effectRef idx="0">
+                <a:schemeClr val="accent1"/>
+              </a:effectRef>
+              <a:fontRef idx="minor">
+                <a:schemeClr val="tx1"/>
+              </a:fontRef>
+            </p:style>
+            <p:txBody>
+              <a:bodyPr rtlCol="0" anchor="ctr"/>
+              <a:lstStyle/>
+              <a:p>
+                <a:pPr algn="ctr"/>
+                <a:endParaRPr kumimoji="1" lang="ja-JP" altLang="en-US"/>
+              </a:p>
+            </p:txBody>
+          </p:sp>
+        </p:grpSp>
+        <p:sp>
+          <p:nvSpPr>
+            <p:cNvPr id="9" name="円弧 8"/>
+            <p:cNvSpPr/>
+            <p:nvPr/>
+          </p:nvSpPr>
+          <p:spPr>
+            <a:xfrm flipH="1">
+              <a:off x="2951795" y="1268724"/>
+              <a:ext cx="3600461" cy="3600461"/>
+            </a:xfrm>
+            <a:prstGeom prst="arc">
+              <a:avLst>
+                <a:gd name="adj1" fmla="val 19376890"/>
+                <a:gd name="adj2" fmla="val 21495947"/>
+              </a:avLst>
+            </a:prstGeom>
+            <a:ln w="38100">
+              <a:solidFill>
+                <a:schemeClr val="tx1"/>
+              </a:solidFill>
+            </a:ln>
+          </p:spPr>
+          <p:style>
+            <a:lnRef idx="1">
+              <a:schemeClr val="accent1"/>
+            </a:lnRef>
+            <a:fillRef idx="0">
+              <a:schemeClr val="accent1"/>
+            </a:fillRef>
+            <a:effectRef idx="0">
+              <a:schemeClr val="accent1"/>
+            </a:effectRef>
+            <a:fontRef idx="minor">
+              <a:schemeClr val="tx1"/>
+            </a:fontRef>
+          </p:style>
+          <p:txBody>
+            <a:bodyPr rtlCol="0" anchor="ctr"/>
+            <a:lstStyle/>
+            <a:p>
+              <a:pPr algn="ctr"/>
+              <a:endParaRPr kumimoji="1" lang="ja-JP" altLang="en-US"/>
+            </a:p>
+          </p:txBody>
+        </p:sp>
+        <p:cxnSp>
+          <p:nvCxnSpPr>
+            <p:cNvPr id="12" name="直線矢印コネクタ 11"/>
+            <p:cNvCxnSpPr/>
+            <p:nvPr/>
+          </p:nvCxnSpPr>
+          <p:spPr>
+            <a:xfrm>
+              <a:off x="3131818" y="2528885"/>
+              <a:ext cx="540067" cy="180023"/>
+            </a:xfrm>
+            <a:prstGeom prst="straightConnector1">
+              <a:avLst/>
+            </a:prstGeom>
+            <a:ln w="38100">
+              <a:solidFill>
+                <a:srgbClr val="FF0000"/>
+              </a:solidFill>
+              <a:headEnd type="none" w="med" len="med"/>
+              <a:tailEnd type="triangle" w="med" len="med"/>
+            </a:ln>
+          </p:spPr>
+          <p:style>
+            <a:lnRef idx="1">
+              <a:schemeClr val="accent1"/>
+            </a:lnRef>
+            <a:fillRef idx="0">
+              <a:schemeClr val="accent1"/>
+            </a:fillRef>
+            <a:effectRef idx="0">
+              <a:schemeClr val="accent1"/>
+            </a:effectRef>
+            <a:fontRef idx="minor">
+              <a:schemeClr val="tx1"/>
+            </a:fontRef>
+          </p:style>
+        </p:cxnSp>
+        <p:cxnSp>
+          <p:nvCxnSpPr>
+            <p:cNvPr id="23" name="直線矢印コネクタ 22"/>
+            <p:cNvCxnSpPr>
+              <a:stCxn id="2" idx="5"/>
+            </p:cNvCxnSpPr>
+            <p:nvPr/>
+          </p:nvCxnSpPr>
+          <p:spPr>
+            <a:xfrm flipH="1" flipV="1">
+              <a:off x="4031931" y="2888931"/>
+              <a:ext cx="329159" cy="329159"/>
+            </a:xfrm>
+            <a:prstGeom prst="straightConnector1">
+              <a:avLst/>
+            </a:prstGeom>
+            <a:ln w="38100">
+              <a:solidFill>
+                <a:srgbClr val="FF0000"/>
+              </a:solidFill>
+              <a:headEnd type="none" w="med" len="med"/>
+              <a:tailEnd type="triangle" w="med" len="med"/>
+            </a:ln>
+          </p:spPr>
+          <p:style>
+            <a:lnRef idx="1">
+              <a:schemeClr val="accent1"/>
+            </a:lnRef>
+            <a:fillRef idx="0">
+              <a:schemeClr val="accent1"/>
+            </a:fillRef>
+            <a:effectRef idx="0">
+              <a:schemeClr val="accent1"/>
+            </a:effectRef>
+            <a:fontRef idx="minor">
+              <a:schemeClr val="tx1"/>
+            </a:fontRef>
+          </p:style>
+        </p:cxnSp>
+        <p:sp>
+          <p:nvSpPr>
+            <p:cNvPr id="2" name="円/楕円 1"/>
+            <p:cNvSpPr/>
+            <p:nvPr/>
+          </p:nvSpPr>
+          <p:spPr>
+            <a:xfrm>
+              <a:off x="3131816" y="1988816"/>
+              <a:ext cx="1440184" cy="1440184"/>
+            </a:xfrm>
+            <a:prstGeom prst="ellipse">
+              <a:avLst/>
+            </a:prstGeom>
+            <a:noFill/>
+            <a:ln>
+              <a:solidFill>
+                <a:schemeClr val="bg1">
+                  <a:lumMod val="50000"/>
+                </a:schemeClr>
+              </a:solidFill>
+            </a:ln>
+          </p:spPr>
+          <p:style>
+            <a:lnRef idx="2">
+              <a:schemeClr val="accent1">
+                <a:shade val="50000"/>
+              </a:schemeClr>
+            </a:lnRef>
+            <a:fillRef idx="1">
+              <a:schemeClr val="accent1"/>
+            </a:fillRef>
+            <a:effectRef idx="0">
+              <a:schemeClr val="accent1"/>
+            </a:effectRef>
+            <a:fontRef idx="minor">
+              <a:schemeClr val="lt1"/>
+            </a:fontRef>
+          </p:style>
+          <p:txBody>
+            <a:bodyPr rtlCol="0" anchor="ctr"/>
+            <a:lstStyle/>
+            <a:p>
+              <a:pPr algn="ctr"/>
+              <a:endParaRPr kumimoji="1" lang="ja-JP" altLang="en-US"/>
+            </a:p>
+          </p:txBody>
+        </p:sp>
+      </p:grpSp>
+      <p:cxnSp>
+        <p:nvCxnSpPr>
+          <p:cNvPr id="56" name="直線矢印コネクタ 55"/>
+          <p:cNvCxnSpPr>
+            <a:stCxn id="2" idx="7"/>
+          </p:cNvCxnSpPr>
+          <p:nvPr/>
+        </p:nvCxnSpPr>
+        <p:spPr>
+          <a:xfrm flipH="1">
+            <a:off x="5096622" y="2199726"/>
+            <a:ext cx="164580" cy="164579"/>
+          </a:xfrm>
+          <a:prstGeom prst="straightConnector1">
+            <a:avLst/>
+          </a:prstGeom>
+          <a:ln w="38100">
+            <a:solidFill>
+              <a:srgbClr val="FF0000"/>
+            </a:solidFill>
+            <a:headEnd type="none" w="med" len="med"/>
+            <a:tailEnd type="triangle" w="med" len="med"/>
+          </a:ln>
+        </p:spPr>
+        <p:style>
+          <a:lnRef idx="1">
+            <a:schemeClr val="accent1"/>
+          </a:lnRef>
+          <a:fillRef idx="0">
+            <a:schemeClr val="accent1"/>
+          </a:fillRef>
+          <a:effectRef idx="0">
+            <a:schemeClr val="accent1"/>
+          </a:effectRef>
+          <a:fontRef idx="minor">
+            <a:schemeClr val="tx1"/>
+          </a:fontRef>
+        </p:style>
+      </p:cxnSp>
+      <p:cxnSp>
+        <p:nvCxnSpPr>
+          <p:cNvPr id="44" name="直線コネクタ 43"/>
+          <p:cNvCxnSpPr/>
+          <p:nvPr/>
+        </p:nvCxnSpPr>
+        <p:spPr>
+          <a:xfrm flipH="1">
+            <a:off x="4031931" y="1448747"/>
+            <a:ext cx="1" cy="2520000"/>
+          </a:xfrm>
+          <a:prstGeom prst="line">
+            <a:avLst/>
+          </a:prstGeom>
+          <a:ln w="38100">
+            <a:solidFill>
+              <a:srgbClr val="00B050"/>
+            </a:solidFill>
+            <a:prstDash val="dash"/>
+          </a:ln>
+        </p:spPr>
+        <p:style>
+          <a:lnRef idx="1">
+            <a:schemeClr val="accent1"/>
+          </a:lnRef>
+          <a:fillRef idx="0">
+            <a:schemeClr val="accent1"/>
+          </a:fillRef>
+          <a:effectRef idx="0">
+            <a:schemeClr val="accent1"/>
+          </a:effectRef>
+          <a:fontRef idx="minor">
+            <a:schemeClr val="tx1"/>
+          </a:fontRef>
+        </p:style>
+      </p:cxnSp>
+      <p:cxnSp>
+        <p:nvCxnSpPr>
+          <p:cNvPr id="46" name="直線コネクタ 45"/>
+          <p:cNvCxnSpPr/>
+          <p:nvPr/>
+        </p:nvCxnSpPr>
+        <p:spPr>
+          <a:xfrm flipH="1">
+            <a:off x="5261202" y="1472741"/>
+            <a:ext cx="1" cy="2520000"/>
+          </a:xfrm>
+          <a:prstGeom prst="line">
+            <a:avLst/>
+          </a:prstGeom>
+          <a:ln w="38100">
+            <a:solidFill>
+              <a:srgbClr val="00B050"/>
+            </a:solidFill>
+            <a:prstDash val="dash"/>
+          </a:ln>
+        </p:spPr>
+        <p:style>
+          <a:lnRef idx="1">
+            <a:schemeClr val="accent1"/>
+          </a:lnRef>
+          <a:fillRef idx="0">
+            <a:schemeClr val="accent1"/>
+          </a:fillRef>
+          <a:effectRef idx="0">
+            <a:schemeClr val="accent1"/>
+          </a:effectRef>
+          <a:fontRef idx="minor">
+            <a:schemeClr val="tx1"/>
+          </a:fontRef>
+        </p:style>
+      </p:cxnSp>
+      <p:cxnSp>
+        <p:nvCxnSpPr>
+          <p:cNvPr id="47" name="直線コネクタ 46"/>
+          <p:cNvCxnSpPr/>
+          <p:nvPr/>
+        </p:nvCxnSpPr>
+        <p:spPr>
+          <a:xfrm flipH="1">
+            <a:off x="4652641" y="1472741"/>
+            <a:ext cx="1" cy="2520000"/>
+          </a:xfrm>
+          <a:prstGeom prst="line">
+            <a:avLst/>
+          </a:prstGeom>
+          <a:ln w="38100">
+            <a:solidFill>
+              <a:srgbClr val="00B050"/>
+            </a:solidFill>
+            <a:prstDash val="dash"/>
+          </a:ln>
+        </p:spPr>
+        <p:style>
+          <a:lnRef idx="1">
+            <a:schemeClr val="accent1"/>
+          </a:lnRef>
+          <a:fillRef idx="0">
+            <a:schemeClr val="accent1"/>
+          </a:fillRef>
+          <a:effectRef idx="0">
+            <a:schemeClr val="accent1"/>
+          </a:effectRef>
+          <a:fontRef idx="minor">
+            <a:schemeClr val="tx1"/>
+          </a:fontRef>
+        </p:style>
+      </p:cxnSp>
+      <p:cxnSp>
+        <p:nvCxnSpPr>
+          <p:cNvPr id="8" name="直線コネクタ 7"/>
+          <p:cNvCxnSpPr/>
+          <p:nvPr/>
+        </p:nvCxnSpPr>
+        <p:spPr>
+          <a:xfrm>
+            <a:off x="3851907" y="3789047"/>
+            <a:ext cx="1620205" cy="0"/>
+          </a:xfrm>
+          <a:prstGeom prst="line">
+            <a:avLst/>
+          </a:prstGeom>
+          <a:ln>
+            <a:solidFill>
+              <a:schemeClr val="tx1"/>
+            </a:solidFill>
+          </a:ln>
+        </p:spPr>
+        <p:style>
+          <a:lnRef idx="1">
+            <a:schemeClr val="accent1"/>
+          </a:lnRef>
+          <a:fillRef idx="0">
+            <a:schemeClr val="accent1"/>
+          </a:fillRef>
+          <a:effectRef idx="0">
+            <a:schemeClr val="accent1"/>
+          </a:effectRef>
+          <a:fontRef idx="minor">
+            <a:schemeClr val="tx1"/>
+          </a:fontRef>
+        </p:style>
+      </p:cxnSp>
+      <p:sp>
+        <p:nvSpPr>
+          <p:cNvPr id="10" name="円弧 9"/>
+          <p:cNvSpPr/>
+          <p:nvPr/>
+        </p:nvSpPr>
+        <p:spPr>
+          <a:xfrm>
+            <a:off x="4031931" y="3609023"/>
+            <a:ext cx="620710" cy="359724"/>
+          </a:xfrm>
+          <a:prstGeom prst="arc">
+            <a:avLst>
+              <a:gd name="adj1" fmla="val 46588"/>
+              <a:gd name="adj2" fmla="val 10873959"/>
+            </a:avLst>
+          </a:prstGeom>
+          <a:ln>
+            <a:solidFill>
+              <a:schemeClr val="tx1"/>
+            </a:solidFill>
+          </a:ln>
+        </p:spPr>
+        <p:style>
+          <a:lnRef idx="1">
+            <a:schemeClr val="accent1"/>
+          </a:lnRef>
+          <a:fillRef idx="0">
+            <a:schemeClr val="accent1"/>
+          </a:fillRef>
+          <a:effectRef idx="0">
+            <a:schemeClr val="accent1"/>
+          </a:effectRef>
+          <a:fontRef idx="minor">
+            <a:schemeClr val="tx1"/>
+          </a:fontRef>
+        </p:style>
+        <p:txBody>
+          <a:bodyPr rtlCol="0" anchor="ctr"/>
+          <a:lstStyle/>
+          <a:p>
+            <a:pPr algn="ctr"/>
+            <a:endParaRPr kumimoji="1" lang="ja-JP" altLang="en-US"/>
+          </a:p>
+        </p:txBody>
+      </p:sp>
+      <p:sp>
+        <p:nvSpPr>
+          <p:cNvPr id="57" name="円弧 56"/>
+          <p:cNvSpPr/>
+          <p:nvPr/>
+        </p:nvSpPr>
+        <p:spPr>
+          <a:xfrm>
+            <a:off x="4652641" y="3609023"/>
+            <a:ext cx="620710" cy="359724"/>
+          </a:xfrm>
+          <a:prstGeom prst="arc">
+            <a:avLst>
+              <a:gd name="adj1" fmla="val 46588"/>
+              <a:gd name="adj2" fmla="val 10873959"/>
+            </a:avLst>
+          </a:prstGeom>
+          <a:ln>
+            <a:solidFill>
+              <a:schemeClr val="tx1"/>
+            </a:solidFill>
+          </a:ln>
+        </p:spPr>
+        <p:style>
+          <a:lnRef idx="1">
+            <a:schemeClr val="accent1"/>
+          </a:lnRef>
+          <a:fillRef idx="0">
+            <a:schemeClr val="accent1"/>
+          </a:fillRef>
+          <a:effectRef idx="0">
+            <a:schemeClr val="accent1"/>
+          </a:effectRef>
+          <a:fontRef idx="minor">
+            <a:schemeClr val="tx1"/>
+          </a:fontRef>
+        </p:style>
+        <p:txBody>
+          <a:bodyPr rtlCol="0" anchor="ctr"/>
+          <a:lstStyle/>
+          <a:p>
+            <a:pPr algn="ctr"/>
+            <a:endParaRPr kumimoji="1" lang="ja-JP" altLang="en-US"/>
+          </a:p>
+        </p:txBody>
+      </p:sp>
+      <p:sp>
+        <p:nvSpPr>
+          <p:cNvPr id="11" name="等号 10"/>
+          <p:cNvSpPr/>
+          <p:nvPr/>
+        </p:nvSpPr>
+        <p:spPr>
+          <a:xfrm rot="5400000">
+            <a:off x="4258191" y="3881573"/>
+            <a:ext cx="168187" cy="180025"/>
+          </a:xfrm>
+          <a:prstGeom prst="mathEqual">
+            <a:avLst>
+              <a:gd name="adj1" fmla="val 23520"/>
+              <a:gd name="adj2" fmla="val 52960"/>
+            </a:avLst>
+          </a:prstGeom>
+        </p:spPr>
+        <p:style>
+          <a:lnRef idx="2">
+            <a:schemeClr val="dk1">
+              <a:shade val="50000"/>
+            </a:schemeClr>
+          </a:lnRef>
+          <a:fillRef idx="1">
+            <a:schemeClr val="dk1"/>
+          </a:fillRef>
+          <a:effectRef idx="0">
+            <a:schemeClr val="dk1"/>
+          </a:effectRef>
+          <a:fontRef idx="minor">
+            <a:schemeClr val="lt1"/>
+          </a:fontRef>
+        </p:style>
+        <p:txBody>
+          <a:bodyPr rtlCol="0" anchor="ctr"/>
+          <a:lstStyle/>
+          <a:p>
+            <a:pPr algn="ctr"/>
+            <a:endParaRPr kumimoji="1" lang="ja-JP" altLang="en-US">
+              <a:solidFill>
+                <a:schemeClr val="tx1"/>
+              </a:solidFill>
+            </a:endParaRPr>
+          </a:p>
+        </p:txBody>
+      </p:sp>
+      <p:sp>
+        <p:nvSpPr>
+          <p:cNvPr id="62" name="等号 61"/>
+          <p:cNvSpPr/>
+          <p:nvPr/>
+        </p:nvSpPr>
+        <p:spPr>
+          <a:xfrm rot="5400000">
+            <a:off x="4878902" y="3881573"/>
+            <a:ext cx="168187" cy="180025"/>
+          </a:xfrm>
+          <a:prstGeom prst="mathEqual">
+            <a:avLst>
+              <a:gd name="adj1" fmla="val 23520"/>
+              <a:gd name="adj2" fmla="val 52960"/>
+            </a:avLst>
+          </a:prstGeom>
+        </p:spPr>
+        <p:style>
+          <a:lnRef idx="2">
+            <a:schemeClr val="dk1">
+              <a:shade val="50000"/>
+            </a:schemeClr>
+          </a:lnRef>
+          <a:fillRef idx="1">
+            <a:schemeClr val="dk1"/>
+          </a:fillRef>
+          <a:effectRef idx="0">
+            <a:schemeClr val="dk1"/>
+          </a:effectRef>
+          <a:fontRef idx="minor">
+            <a:schemeClr val="lt1"/>
+          </a:fontRef>
+        </p:style>
+        <p:txBody>
+          <a:bodyPr rtlCol="0" anchor="ctr"/>
+          <a:lstStyle/>
+          <a:p>
+            <a:pPr algn="ctr"/>
+            <a:endParaRPr kumimoji="1" lang="ja-JP" altLang="en-US">
+              <a:solidFill>
+                <a:schemeClr val="tx1"/>
+              </a:solidFill>
+            </a:endParaRPr>
+          </a:p>
+        </p:txBody>
+      </p:sp>
+      <p:sp>
+        <p:nvSpPr>
+          <p:cNvPr id="63" name="円弧 62"/>
+          <p:cNvSpPr/>
+          <p:nvPr/>
+        </p:nvSpPr>
+        <p:spPr>
+          <a:xfrm rot="16200000">
+            <a:off x="4472641" y="1268747"/>
+            <a:ext cx="360000" cy="720000"/>
+          </a:xfrm>
+          <a:prstGeom prst="arc">
+            <a:avLst>
+              <a:gd name="adj1" fmla="val 14123662"/>
+              <a:gd name="adj2" fmla="val 7797343"/>
+            </a:avLst>
+          </a:prstGeom>
+          <a:ln w="19050">
+            <a:solidFill>
+              <a:srgbClr val="00B050"/>
+            </a:solidFill>
+            <a:headEnd type="none" w="med" len="med"/>
+            <a:tailEnd type="triangle" w="med" len="med"/>
+          </a:ln>
+        </p:spPr>
+        <p:style>
+          <a:lnRef idx="1">
+            <a:schemeClr val="accent1"/>
+          </a:lnRef>
+          <a:fillRef idx="0">
+            <a:schemeClr val="accent1"/>
+          </a:fillRef>
+          <a:effectRef idx="0">
+            <a:schemeClr val="accent1"/>
+          </a:effectRef>
+          <a:fontRef idx="minor">
+            <a:schemeClr val="tx1"/>
+          </a:fontRef>
+        </p:style>
+        <p:txBody>
+          <a:bodyPr rtlCol="0" anchor="ctr"/>
+          <a:lstStyle/>
+          <a:p>
+            <a:pPr algn="ctr"/>
+            <a:endParaRPr kumimoji="1" lang="ja-JP" altLang="en-US"/>
+          </a:p>
+        </p:txBody>
+      </p:sp>
+    </p:spTree>
+    <p:extLst>
+      <p:ext uri="{BB962C8B-B14F-4D97-AF65-F5344CB8AC3E}">
+        <p14:creationId xmlns:p14="http://schemas.microsoft.com/office/powerpoint/2010/main" val="2142415906"/>
+      </p:ext>
+    </p:extLst>
+  </p:cSld>
+  <p:clrMapOvr>
+    <a:masterClrMapping/>
+  </p:clrMapOvr>
+</p:sld>
+</file>
+
+<file path=ppt/slides/slide7.xml><?xml version="1.0" encoding="utf-8"?>
 <p:sld xmlns:a="http://schemas.openxmlformats.org/drawingml/2006/main" xmlns:r="http://schemas.openxmlformats.org/officeDocument/2006/relationships" xmlns:p="http://schemas.openxmlformats.org/presentationml/2006/main">
   <p:cSld>
     <p:spTree>
@@ -7893,214 +9673,6 @@
       </p:grpSp>
       <p:grpSp>
         <p:nvGrpSpPr>
-          <p:cNvPr id="59" name="グループ化 58"/>
-          <p:cNvGrpSpPr/>
-          <p:nvPr/>
-        </p:nvGrpSpPr>
-        <p:grpSpPr>
-          <a:xfrm>
-            <a:off x="6552253" y="1628816"/>
-            <a:ext cx="360000" cy="360000"/>
-            <a:chOff x="6552253" y="545180"/>
-            <a:chExt cx="360000" cy="360000"/>
-          </a:xfrm>
-        </p:grpSpPr>
-        <p:sp>
-          <p:nvSpPr>
-            <p:cNvPr id="57" name="円/楕円 56"/>
-            <p:cNvSpPr/>
-            <p:nvPr/>
-          </p:nvSpPr>
-          <p:spPr>
-            <a:xfrm>
-              <a:off x="6552253" y="545180"/>
-              <a:ext cx="360000" cy="360000"/>
-            </a:xfrm>
-            <a:prstGeom prst="ellipse">
-              <a:avLst/>
-            </a:prstGeom>
-          </p:spPr>
-          <p:style>
-            <a:lnRef idx="2">
-              <a:schemeClr val="dk1"/>
-            </a:lnRef>
-            <a:fillRef idx="1">
-              <a:schemeClr val="lt1"/>
-            </a:fillRef>
-            <a:effectRef idx="0">
-              <a:schemeClr val="dk1"/>
-            </a:effectRef>
-            <a:fontRef idx="minor">
-              <a:schemeClr val="dk1"/>
-            </a:fontRef>
-          </p:style>
-          <p:txBody>
-            <a:bodyPr rtlCol="0" anchor="ctr"/>
-            <a:lstStyle/>
-            <a:p>
-              <a:pPr algn="ctr"/>
-              <a:endParaRPr kumimoji="1" lang="ja-JP" altLang="en-US"/>
-            </a:p>
-          </p:txBody>
-        </p:sp>
-        <p:sp>
-          <p:nvSpPr>
-            <p:cNvPr id="58" name="円/楕円 57"/>
-            <p:cNvSpPr/>
-            <p:nvPr/>
-          </p:nvSpPr>
-          <p:spPr>
-            <a:xfrm>
-              <a:off x="6660275" y="653180"/>
-              <a:ext cx="144000" cy="144000"/>
-            </a:xfrm>
-            <a:prstGeom prst="ellipse">
-              <a:avLst/>
-            </a:prstGeom>
-            <a:solidFill>
-              <a:schemeClr val="tx1"/>
-            </a:solidFill>
-          </p:spPr>
-          <p:style>
-            <a:lnRef idx="2">
-              <a:schemeClr val="dk1"/>
-            </a:lnRef>
-            <a:fillRef idx="1">
-              <a:schemeClr val="lt1"/>
-            </a:fillRef>
-            <a:effectRef idx="0">
-              <a:schemeClr val="dk1"/>
-            </a:effectRef>
-            <a:fontRef idx="minor">
-              <a:schemeClr val="dk1"/>
-            </a:fontRef>
-          </p:style>
-          <p:txBody>
-            <a:bodyPr rtlCol="0" anchor="ctr"/>
-            <a:lstStyle/>
-            <a:p>
-              <a:pPr algn="ctr"/>
-              <a:endParaRPr kumimoji="1" lang="ja-JP" altLang="en-US"/>
-            </a:p>
-          </p:txBody>
-        </p:sp>
-      </p:grpSp>
-      <p:sp>
-        <p:nvSpPr>
-          <p:cNvPr id="76" name="円/楕円 75"/>
-          <p:cNvSpPr/>
-          <p:nvPr/>
-        </p:nvSpPr>
-        <p:spPr>
-          <a:xfrm>
-            <a:off x="971539" y="1628816"/>
-            <a:ext cx="360000" cy="360000"/>
-          </a:xfrm>
-          <a:prstGeom prst="ellipse">
-            <a:avLst/>
-          </a:prstGeom>
-        </p:spPr>
-        <p:style>
-          <a:lnRef idx="2">
-            <a:schemeClr val="dk1"/>
-          </a:lnRef>
-          <a:fillRef idx="1">
-            <a:schemeClr val="lt1"/>
-          </a:fillRef>
-          <a:effectRef idx="0">
-            <a:schemeClr val="dk1"/>
-          </a:effectRef>
-          <a:fontRef idx="minor">
-            <a:schemeClr val="dk1"/>
-          </a:fontRef>
-        </p:style>
-        <p:txBody>
-          <a:bodyPr rtlCol="0" anchor="ctr"/>
-          <a:lstStyle/>
-          <a:p>
-            <a:pPr algn="ctr"/>
-            <a:endParaRPr kumimoji="1" lang="ja-JP" altLang="en-US"/>
-          </a:p>
-        </p:txBody>
-      </p:sp>
-      <p:cxnSp>
-        <p:nvCxnSpPr>
-          <p:cNvPr id="79" name="直線コネクタ 78"/>
-          <p:cNvCxnSpPr>
-            <a:stCxn id="76" idx="1"/>
-            <a:endCxn id="76" idx="5"/>
-          </p:cNvCxnSpPr>
-          <p:nvPr/>
-        </p:nvCxnSpPr>
-        <p:spPr>
-          <a:xfrm>
-            <a:off x="1024260" y="1681537"/>
-            <a:ext cx="254558" cy="254558"/>
-          </a:xfrm>
-          <a:prstGeom prst="line">
-            <a:avLst/>
-          </a:prstGeom>
-          <a:ln w="19050">
-            <a:solidFill>
-              <a:schemeClr val="tx1"/>
-            </a:solidFill>
-          </a:ln>
-        </p:spPr>
-        <p:style>
-          <a:lnRef idx="1">
-            <a:schemeClr val="accent1"/>
-          </a:lnRef>
-          <a:fillRef idx="0">
-            <a:schemeClr val="accent1"/>
-          </a:fillRef>
-          <a:effectRef idx="0">
-            <a:schemeClr val="accent1"/>
-          </a:effectRef>
-          <a:fontRef idx="minor">
-            <a:schemeClr val="tx1"/>
-          </a:fontRef>
-        </p:style>
-      </p:cxnSp>
-      <p:cxnSp>
-        <p:nvCxnSpPr>
-          <p:cNvPr id="80" name="直線コネクタ 79"/>
-          <p:cNvCxnSpPr>
-            <a:stCxn id="76" idx="7"/>
-            <a:endCxn id="76" idx="3"/>
-          </p:cNvCxnSpPr>
-          <p:nvPr/>
-        </p:nvCxnSpPr>
-        <p:spPr>
-          <a:xfrm flipH="1">
-            <a:off x="1024260" y="1681537"/>
-            <a:ext cx="254558" cy="254558"/>
-          </a:xfrm>
-          <a:prstGeom prst="line">
-            <a:avLst/>
-          </a:prstGeom>
-          <a:ln w="19050">
-            <a:solidFill>
-              <a:schemeClr val="tx1"/>
-            </a:solidFill>
-          </a:ln>
-        </p:spPr>
-        <p:style>
-          <a:lnRef idx="1">
-            <a:schemeClr val="accent1"/>
-          </a:lnRef>
-          <a:fillRef idx="0">
-            <a:schemeClr val="accent1"/>
-          </a:fillRef>
-          <a:effectRef idx="0">
-            <a:schemeClr val="accent1"/>
-          </a:effectRef>
-          <a:fontRef idx="minor">
-            <a:schemeClr val="tx1"/>
-          </a:fontRef>
-        </p:style>
-      </p:cxnSp>
-      <p:grpSp>
-        <p:nvGrpSpPr>
           <p:cNvPr id="65" name="グループ化 64"/>
           <p:cNvGrpSpPr/>
           <p:nvPr/>
@@ -8432,10 +10004,2174 @@
           </p:cxnSp>
         </p:grpSp>
       </p:grpSp>
+      <p:grpSp>
+        <p:nvGrpSpPr>
+          <p:cNvPr id="38" name="グループ化 37"/>
+          <p:cNvGrpSpPr/>
+          <p:nvPr/>
+        </p:nvGrpSpPr>
+        <p:grpSpPr>
+          <a:xfrm>
+            <a:off x="983216" y="1628816"/>
+            <a:ext cx="360000" cy="360000"/>
+            <a:chOff x="6552253" y="545180"/>
+            <a:chExt cx="360000" cy="360000"/>
+          </a:xfrm>
+        </p:grpSpPr>
+        <p:sp>
+          <p:nvSpPr>
+            <p:cNvPr id="39" name="円/楕円 38"/>
+            <p:cNvSpPr/>
+            <p:nvPr/>
+          </p:nvSpPr>
+          <p:spPr>
+            <a:xfrm>
+              <a:off x="6552253" y="545180"/>
+              <a:ext cx="360000" cy="360000"/>
+            </a:xfrm>
+            <a:prstGeom prst="ellipse">
+              <a:avLst/>
+            </a:prstGeom>
+          </p:spPr>
+          <p:style>
+            <a:lnRef idx="2">
+              <a:schemeClr val="dk1"/>
+            </a:lnRef>
+            <a:fillRef idx="1">
+              <a:schemeClr val="lt1"/>
+            </a:fillRef>
+            <a:effectRef idx="0">
+              <a:schemeClr val="dk1"/>
+            </a:effectRef>
+            <a:fontRef idx="minor">
+              <a:schemeClr val="dk1"/>
+            </a:fontRef>
+          </p:style>
+          <p:txBody>
+            <a:bodyPr rtlCol="0" anchor="ctr"/>
+            <a:lstStyle/>
+            <a:p>
+              <a:pPr algn="ctr"/>
+              <a:endParaRPr kumimoji="1" lang="ja-JP" altLang="en-US"/>
+            </a:p>
+          </p:txBody>
+        </p:sp>
+        <p:sp>
+          <p:nvSpPr>
+            <p:cNvPr id="43" name="円/楕円 42"/>
+            <p:cNvSpPr/>
+            <p:nvPr/>
+          </p:nvSpPr>
+          <p:spPr>
+            <a:xfrm>
+              <a:off x="6660275" y="653180"/>
+              <a:ext cx="144000" cy="144000"/>
+            </a:xfrm>
+            <a:prstGeom prst="ellipse">
+              <a:avLst/>
+            </a:prstGeom>
+            <a:solidFill>
+              <a:schemeClr val="tx1"/>
+            </a:solidFill>
+          </p:spPr>
+          <p:style>
+            <a:lnRef idx="2">
+              <a:schemeClr val="dk1"/>
+            </a:lnRef>
+            <a:fillRef idx="1">
+              <a:schemeClr val="lt1"/>
+            </a:fillRef>
+            <a:effectRef idx="0">
+              <a:schemeClr val="dk1"/>
+            </a:effectRef>
+            <a:fontRef idx="minor">
+              <a:schemeClr val="dk1"/>
+            </a:fontRef>
+          </p:style>
+          <p:txBody>
+            <a:bodyPr rtlCol="0" anchor="ctr"/>
+            <a:lstStyle/>
+            <a:p>
+              <a:pPr algn="ctr"/>
+              <a:endParaRPr kumimoji="1" lang="ja-JP" altLang="en-US"/>
+            </a:p>
+          </p:txBody>
+        </p:sp>
+      </p:grpSp>
+      <p:grpSp>
+        <p:nvGrpSpPr>
+          <p:cNvPr id="44" name="グループ化 43"/>
+          <p:cNvGrpSpPr/>
+          <p:nvPr/>
+        </p:nvGrpSpPr>
+        <p:grpSpPr>
+          <a:xfrm>
+            <a:off x="6547982" y="1628816"/>
+            <a:ext cx="360000" cy="360000"/>
+            <a:chOff x="971539" y="1628816"/>
+            <a:chExt cx="360000" cy="360000"/>
+          </a:xfrm>
+        </p:grpSpPr>
+        <p:sp>
+          <p:nvSpPr>
+            <p:cNvPr id="45" name="円/楕円 44"/>
+            <p:cNvSpPr/>
+            <p:nvPr/>
+          </p:nvSpPr>
+          <p:spPr>
+            <a:xfrm>
+              <a:off x="971539" y="1628816"/>
+              <a:ext cx="360000" cy="360000"/>
+            </a:xfrm>
+            <a:prstGeom prst="ellipse">
+              <a:avLst/>
+            </a:prstGeom>
+          </p:spPr>
+          <p:style>
+            <a:lnRef idx="2">
+              <a:schemeClr val="dk1"/>
+            </a:lnRef>
+            <a:fillRef idx="1">
+              <a:schemeClr val="lt1"/>
+            </a:fillRef>
+            <a:effectRef idx="0">
+              <a:schemeClr val="dk1"/>
+            </a:effectRef>
+            <a:fontRef idx="minor">
+              <a:schemeClr val="dk1"/>
+            </a:fontRef>
+          </p:style>
+          <p:txBody>
+            <a:bodyPr rtlCol="0" anchor="ctr"/>
+            <a:lstStyle/>
+            <a:p>
+              <a:pPr algn="ctr"/>
+              <a:endParaRPr kumimoji="1" lang="ja-JP" altLang="en-US"/>
+            </a:p>
+          </p:txBody>
+        </p:sp>
+        <p:cxnSp>
+          <p:nvCxnSpPr>
+            <p:cNvPr id="46" name="直線コネクタ 45"/>
+            <p:cNvCxnSpPr>
+              <a:stCxn id="45" idx="1"/>
+              <a:endCxn id="45" idx="5"/>
+            </p:cNvCxnSpPr>
+            <p:nvPr/>
+          </p:nvCxnSpPr>
+          <p:spPr>
+            <a:xfrm>
+              <a:off x="1024260" y="1681537"/>
+              <a:ext cx="254558" cy="254558"/>
+            </a:xfrm>
+            <a:prstGeom prst="line">
+              <a:avLst/>
+            </a:prstGeom>
+            <a:ln w="19050">
+              <a:solidFill>
+                <a:schemeClr val="tx1"/>
+              </a:solidFill>
+            </a:ln>
+          </p:spPr>
+          <p:style>
+            <a:lnRef idx="1">
+              <a:schemeClr val="accent1"/>
+            </a:lnRef>
+            <a:fillRef idx="0">
+              <a:schemeClr val="accent1"/>
+            </a:fillRef>
+            <a:effectRef idx="0">
+              <a:schemeClr val="accent1"/>
+            </a:effectRef>
+            <a:fontRef idx="minor">
+              <a:schemeClr val="tx1"/>
+            </a:fontRef>
+          </p:style>
+        </p:cxnSp>
+        <p:cxnSp>
+          <p:nvCxnSpPr>
+            <p:cNvPr id="47" name="直線コネクタ 46"/>
+            <p:cNvCxnSpPr>
+              <a:stCxn id="45" idx="7"/>
+              <a:endCxn id="45" idx="3"/>
+            </p:cNvCxnSpPr>
+            <p:nvPr/>
+          </p:nvCxnSpPr>
+          <p:spPr>
+            <a:xfrm flipH="1">
+              <a:off x="1024260" y="1681537"/>
+              <a:ext cx="254558" cy="254558"/>
+            </a:xfrm>
+            <a:prstGeom prst="line">
+              <a:avLst/>
+            </a:prstGeom>
+            <a:ln w="19050">
+              <a:solidFill>
+                <a:schemeClr val="tx1"/>
+              </a:solidFill>
+            </a:ln>
+          </p:spPr>
+          <p:style>
+            <a:lnRef idx="1">
+              <a:schemeClr val="accent1"/>
+            </a:lnRef>
+            <a:fillRef idx="0">
+              <a:schemeClr val="accent1"/>
+            </a:fillRef>
+            <a:effectRef idx="0">
+              <a:schemeClr val="accent1"/>
+            </a:effectRef>
+            <a:fontRef idx="minor">
+              <a:schemeClr val="tx1"/>
+            </a:fontRef>
+          </p:style>
+        </p:cxnSp>
+      </p:grpSp>
     </p:spTree>
     <p:extLst>
       <p:ext uri="{BB962C8B-B14F-4D97-AF65-F5344CB8AC3E}">
         <p14:creationId xmlns:p14="http://schemas.microsoft.com/office/powerpoint/2010/main" val="717661797"/>
+      </p:ext>
+    </p:extLst>
+  </p:cSld>
+  <p:clrMapOvr>
+    <a:masterClrMapping/>
+  </p:clrMapOvr>
+</p:sld>
+</file>
+
+<file path=ppt/slides/slide8.xml><?xml version="1.0" encoding="utf-8"?>
+<p:sld xmlns:a="http://schemas.openxmlformats.org/drawingml/2006/main" xmlns:r="http://schemas.openxmlformats.org/officeDocument/2006/relationships" xmlns:p="http://schemas.openxmlformats.org/presentationml/2006/main">
+  <p:cSld>
+    <p:spTree>
+      <p:nvGrpSpPr>
+        <p:cNvPr id="1" name=""/>
+        <p:cNvGrpSpPr/>
+        <p:nvPr/>
+      </p:nvGrpSpPr>
+      <p:grpSpPr>
+        <a:xfrm>
+          <a:off x="0" y="0"/>
+          <a:ext cx="0" cy="0"/>
+          <a:chOff x="0" y="0"/>
+          <a:chExt cx="0" cy="0"/>
+        </a:xfrm>
+      </p:grpSpPr>
+      <p:grpSp>
+        <p:nvGrpSpPr>
+          <p:cNvPr id="37" name="グループ化 36"/>
+          <p:cNvGrpSpPr/>
+          <p:nvPr/>
+        </p:nvGrpSpPr>
+        <p:grpSpPr>
+          <a:xfrm>
+            <a:off x="-1308578" y="188586"/>
+            <a:ext cx="5040647" cy="5040645"/>
+            <a:chOff x="1331585" y="188586"/>
+            <a:chExt cx="5040647" cy="5040645"/>
+          </a:xfrm>
+        </p:grpSpPr>
+        <p:sp>
+          <p:nvSpPr>
+            <p:cNvPr id="42" name="円/楕円 41"/>
+            <p:cNvSpPr/>
+            <p:nvPr/>
+          </p:nvSpPr>
+          <p:spPr>
+            <a:xfrm>
+              <a:off x="3131816" y="1988816"/>
+              <a:ext cx="1440184" cy="1440184"/>
+            </a:xfrm>
+            <a:prstGeom prst="ellipse">
+              <a:avLst/>
+            </a:prstGeom>
+            <a:noFill/>
+            <a:ln>
+              <a:solidFill>
+                <a:schemeClr val="bg1">
+                  <a:lumMod val="50000"/>
+                </a:schemeClr>
+              </a:solidFill>
+            </a:ln>
+          </p:spPr>
+          <p:style>
+            <a:lnRef idx="2">
+              <a:schemeClr val="accent1">
+                <a:shade val="50000"/>
+              </a:schemeClr>
+            </a:lnRef>
+            <a:fillRef idx="1">
+              <a:schemeClr val="accent1"/>
+            </a:fillRef>
+            <a:effectRef idx="0">
+              <a:schemeClr val="accent1"/>
+            </a:effectRef>
+            <a:fontRef idx="minor">
+              <a:schemeClr val="lt1"/>
+            </a:fontRef>
+          </p:style>
+          <p:txBody>
+            <a:bodyPr rtlCol="0" anchor="ctr"/>
+            <a:lstStyle/>
+            <a:p>
+              <a:pPr algn="ctr"/>
+              <a:endParaRPr kumimoji="1" lang="ja-JP" altLang="en-US"/>
+            </a:p>
+          </p:txBody>
+        </p:sp>
+        <p:grpSp>
+          <p:nvGrpSpPr>
+            <p:cNvPr id="38" name="グループ化 37"/>
+            <p:cNvGrpSpPr/>
+            <p:nvPr/>
+          </p:nvGrpSpPr>
+          <p:grpSpPr>
+            <a:xfrm>
+              <a:off x="1331585" y="188586"/>
+              <a:ext cx="3600462" cy="5040645"/>
+              <a:chOff x="1331585" y="188586"/>
+              <a:chExt cx="3600462" cy="5040645"/>
+            </a:xfrm>
+          </p:grpSpPr>
+          <p:sp>
+            <p:nvSpPr>
+              <p:cNvPr id="54" name="円弧 53"/>
+              <p:cNvSpPr/>
+              <p:nvPr/>
+            </p:nvSpPr>
+            <p:spPr>
+              <a:xfrm>
+                <a:off x="1331585" y="1628770"/>
+                <a:ext cx="3600461" cy="3600461"/>
+              </a:xfrm>
+              <a:prstGeom prst="arc">
+                <a:avLst>
+                  <a:gd name="adj1" fmla="val 17937390"/>
+                  <a:gd name="adj2" fmla="val 20207625"/>
+                </a:avLst>
+              </a:prstGeom>
+              <a:ln w="38100">
+                <a:solidFill>
+                  <a:schemeClr val="tx1"/>
+                </a:solidFill>
+              </a:ln>
+            </p:spPr>
+            <p:style>
+              <a:lnRef idx="1">
+                <a:schemeClr val="accent1"/>
+              </a:lnRef>
+              <a:fillRef idx="0">
+                <a:schemeClr val="accent1"/>
+              </a:fillRef>
+              <a:effectRef idx="0">
+                <a:schemeClr val="accent1"/>
+              </a:effectRef>
+              <a:fontRef idx="minor">
+                <a:schemeClr val="tx1"/>
+              </a:fontRef>
+            </p:style>
+            <p:txBody>
+              <a:bodyPr rtlCol="0" anchor="ctr"/>
+              <a:lstStyle/>
+              <a:p>
+                <a:pPr algn="ctr"/>
+                <a:endParaRPr kumimoji="1" lang="ja-JP" altLang="en-US"/>
+              </a:p>
+            </p:txBody>
+          </p:sp>
+          <p:sp>
+            <p:nvSpPr>
+              <p:cNvPr id="55" name="円弧 54"/>
+              <p:cNvSpPr/>
+              <p:nvPr/>
+            </p:nvSpPr>
+            <p:spPr>
+              <a:xfrm flipV="1">
+                <a:off x="1331586" y="188586"/>
+                <a:ext cx="3600461" cy="3600461"/>
+              </a:xfrm>
+              <a:prstGeom prst="arc">
+                <a:avLst>
+                  <a:gd name="adj1" fmla="val 17941978"/>
+                  <a:gd name="adj2" fmla="val 20207625"/>
+                </a:avLst>
+              </a:prstGeom>
+              <a:ln w="38100">
+                <a:solidFill>
+                  <a:schemeClr val="tx1"/>
+                </a:solidFill>
+              </a:ln>
+            </p:spPr>
+            <p:style>
+              <a:lnRef idx="1">
+                <a:schemeClr val="accent1"/>
+              </a:lnRef>
+              <a:fillRef idx="0">
+                <a:schemeClr val="accent1"/>
+              </a:fillRef>
+              <a:effectRef idx="0">
+                <a:schemeClr val="accent1"/>
+              </a:effectRef>
+              <a:fontRef idx="minor">
+                <a:schemeClr val="tx1"/>
+              </a:fontRef>
+            </p:style>
+            <p:txBody>
+              <a:bodyPr rtlCol="0" anchor="ctr"/>
+              <a:lstStyle/>
+              <a:p>
+                <a:pPr algn="ctr"/>
+                <a:endParaRPr kumimoji="1" lang="ja-JP" altLang="en-US"/>
+              </a:p>
+            </p:txBody>
+          </p:sp>
+        </p:grpSp>
+        <p:grpSp>
+          <p:nvGrpSpPr>
+            <p:cNvPr id="39" name="グループ化 38"/>
+            <p:cNvGrpSpPr/>
+            <p:nvPr/>
+          </p:nvGrpSpPr>
+          <p:grpSpPr>
+            <a:xfrm flipH="1">
+              <a:off x="2771770" y="188586"/>
+              <a:ext cx="3600462" cy="5040645"/>
+              <a:chOff x="1331585" y="188586"/>
+              <a:chExt cx="3600462" cy="5040645"/>
+            </a:xfrm>
+          </p:grpSpPr>
+          <p:sp>
+            <p:nvSpPr>
+              <p:cNvPr id="52" name="円弧 51"/>
+              <p:cNvSpPr/>
+              <p:nvPr/>
+            </p:nvSpPr>
+            <p:spPr>
+              <a:xfrm>
+                <a:off x="1331585" y="1628770"/>
+                <a:ext cx="3600461" cy="3600461"/>
+              </a:xfrm>
+              <a:prstGeom prst="arc">
+                <a:avLst>
+                  <a:gd name="adj1" fmla="val 17937390"/>
+                  <a:gd name="adj2" fmla="val 20207625"/>
+                </a:avLst>
+              </a:prstGeom>
+              <a:ln w="38100">
+                <a:solidFill>
+                  <a:schemeClr val="tx1"/>
+                </a:solidFill>
+              </a:ln>
+            </p:spPr>
+            <p:style>
+              <a:lnRef idx="1">
+                <a:schemeClr val="accent1"/>
+              </a:lnRef>
+              <a:fillRef idx="0">
+                <a:schemeClr val="accent1"/>
+              </a:fillRef>
+              <a:effectRef idx="0">
+                <a:schemeClr val="accent1"/>
+              </a:effectRef>
+              <a:fontRef idx="minor">
+                <a:schemeClr val="tx1"/>
+              </a:fontRef>
+            </p:style>
+            <p:txBody>
+              <a:bodyPr rtlCol="0" anchor="ctr"/>
+              <a:lstStyle/>
+              <a:p>
+                <a:pPr algn="ctr"/>
+                <a:endParaRPr kumimoji="1" lang="ja-JP" altLang="en-US"/>
+              </a:p>
+            </p:txBody>
+          </p:sp>
+          <p:sp>
+            <p:nvSpPr>
+              <p:cNvPr id="53" name="円弧 52"/>
+              <p:cNvSpPr/>
+              <p:nvPr/>
+            </p:nvSpPr>
+            <p:spPr>
+              <a:xfrm flipV="1">
+                <a:off x="1331586" y="188586"/>
+                <a:ext cx="3600461" cy="3600461"/>
+              </a:xfrm>
+              <a:prstGeom prst="arc">
+                <a:avLst>
+                  <a:gd name="adj1" fmla="val 17941978"/>
+                  <a:gd name="adj2" fmla="val 20207625"/>
+                </a:avLst>
+              </a:prstGeom>
+              <a:ln w="38100">
+                <a:solidFill>
+                  <a:schemeClr val="tx1"/>
+                </a:solidFill>
+              </a:ln>
+            </p:spPr>
+            <p:style>
+              <a:lnRef idx="1">
+                <a:schemeClr val="accent1"/>
+              </a:lnRef>
+              <a:fillRef idx="0">
+                <a:schemeClr val="accent1"/>
+              </a:fillRef>
+              <a:effectRef idx="0">
+                <a:schemeClr val="accent1"/>
+              </a:effectRef>
+              <a:fontRef idx="minor">
+                <a:schemeClr val="tx1"/>
+              </a:fontRef>
+            </p:style>
+            <p:txBody>
+              <a:bodyPr rtlCol="0" anchor="ctr"/>
+              <a:lstStyle/>
+              <a:p>
+                <a:pPr algn="ctr"/>
+                <a:endParaRPr kumimoji="1" lang="ja-JP" altLang="en-US"/>
+              </a:p>
+            </p:txBody>
+          </p:sp>
+        </p:grpSp>
+        <p:grpSp>
+          <p:nvGrpSpPr>
+            <p:cNvPr id="40" name="グループ化 39"/>
+            <p:cNvGrpSpPr/>
+            <p:nvPr/>
+          </p:nvGrpSpPr>
+          <p:grpSpPr>
+            <a:xfrm>
+              <a:off x="3342725" y="1988816"/>
+              <a:ext cx="329160" cy="540069"/>
+              <a:chOff x="3342725" y="1988816"/>
+              <a:chExt cx="329160" cy="540069"/>
+            </a:xfrm>
+          </p:grpSpPr>
+          <p:cxnSp>
+            <p:nvCxnSpPr>
+              <p:cNvPr id="50" name="直線矢印コネクタ 49"/>
+              <p:cNvCxnSpPr>
+                <a:stCxn id="42" idx="1"/>
+              </p:cNvCxnSpPr>
+              <p:nvPr/>
+            </p:nvCxnSpPr>
+            <p:spPr>
+              <a:xfrm>
+                <a:off x="3342726" y="2199726"/>
+                <a:ext cx="329159" cy="329159"/>
+              </a:xfrm>
+              <a:prstGeom prst="straightConnector1">
+                <a:avLst/>
+              </a:prstGeom>
+              <a:ln w="38100">
+                <a:solidFill>
+                  <a:srgbClr val="FF0000"/>
+                </a:solidFill>
+                <a:headEnd type="none" w="med" len="med"/>
+                <a:tailEnd type="triangle" w="med" len="med"/>
+              </a:ln>
+            </p:spPr>
+            <p:style>
+              <a:lnRef idx="1">
+                <a:schemeClr val="accent1"/>
+              </a:lnRef>
+              <a:fillRef idx="0">
+                <a:schemeClr val="accent1"/>
+              </a:fillRef>
+              <a:effectRef idx="0">
+                <a:schemeClr val="accent1"/>
+              </a:effectRef>
+              <a:fontRef idx="minor">
+                <a:schemeClr val="tx1"/>
+              </a:fontRef>
+            </p:style>
+          </p:cxnSp>
+          <p:cxnSp>
+            <p:nvCxnSpPr>
+              <p:cNvPr id="51" name="直線矢印コネクタ 50"/>
+              <p:cNvCxnSpPr>
+                <a:stCxn id="42" idx="1"/>
+              </p:cNvCxnSpPr>
+              <p:nvPr/>
+            </p:nvCxnSpPr>
+            <p:spPr>
+              <a:xfrm flipV="1">
+                <a:off x="3342725" y="1988816"/>
+                <a:ext cx="216000" cy="216000"/>
+              </a:xfrm>
+              <a:prstGeom prst="straightConnector1">
+                <a:avLst/>
+              </a:prstGeom>
+              <a:ln w="38100">
+                <a:solidFill>
+                  <a:srgbClr val="0000FF"/>
+                </a:solidFill>
+                <a:headEnd type="none" w="med" len="med"/>
+                <a:tailEnd type="triangle" w="med" len="med"/>
+              </a:ln>
+            </p:spPr>
+            <p:style>
+              <a:lnRef idx="1">
+                <a:schemeClr val="accent1"/>
+              </a:lnRef>
+              <a:fillRef idx="0">
+                <a:schemeClr val="accent1"/>
+              </a:fillRef>
+              <a:effectRef idx="0">
+                <a:schemeClr val="accent1"/>
+              </a:effectRef>
+              <a:fontRef idx="minor">
+                <a:schemeClr val="tx1"/>
+              </a:fontRef>
+            </p:style>
+          </p:cxnSp>
+        </p:grpSp>
+        <p:grpSp>
+          <p:nvGrpSpPr>
+            <p:cNvPr id="41" name="グループ化 40"/>
+            <p:cNvGrpSpPr/>
+            <p:nvPr/>
+          </p:nvGrpSpPr>
+          <p:grpSpPr>
+            <a:xfrm flipH="1" flipV="1">
+              <a:off x="4031931" y="2888931"/>
+              <a:ext cx="545159" cy="329159"/>
+              <a:chOff x="3075306" y="2034307"/>
+              <a:chExt cx="545159" cy="329159"/>
+            </a:xfrm>
+          </p:grpSpPr>
+          <p:cxnSp>
+            <p:nvCxnSpPr>
+              <p:cNvPr id="48" name="直線矢印コネクタ 47"/>
+              <p:cNvCxnSpPr>
+                <a:stCxn id="42" idx="5"/>
+              </p:cNvCxnSpPr>
+              <p:nvPr/>
+            </p:nvCxnSpPr>
+            <p:spPr>
+              <a:xfrm>
+                <a:off x="3291306" y="2034307"/>
+                <a:ext cx="329159" cy="329159"/>
+              </a:xfrm>
+              <a:prstGeom prst="straightConnector1">
+                <a:avLst/>
+              </a:prstGeom>
+              <a:ln w="38100">
+                <a:solidFill>
+                  <a:srgbClr val="FF0000"/>
+                </a:solidFill>
+                <a:headEnd type="none" w="med" len="med"/>
+                <a:tailEnd type="triangle" w="med" len="med"/>
+              </a:ln>
+            </p:spPr>
+            <p:style>
+              <a:lnRef idx="1">
+                <a:schemeClr val="accent1"/>
+              </a:lnRef>
+              <a:fillRef idx="0">
+                <a:schemeClr val="accent1"/>
+              </a:fillRef>
+              <a:effectRef idx="0">
+                <a:schemeClr val="accent1"/>
+              </a:effectRef>
+              <a:fontRef idx="minor">
+                <a:schemeClr val="tx1"/>
+              </a:fontRef>
+            </p:style>
+          </p:cxnSp>
+          <p:cxnSp>
+            <p:nvCxnSpPr>
+              <p:cNvPr id="49" name="直線矢印コネクタ 48"/>
+              <p:cNvCxnSpPr/>
+              <p:nvPr/>
+            </p:nvCxnSpPr>
+            <p:spPr>
+              <a:xfrm flipH="1">
+                <a:off x="3075306" y="2034307"/>
+                <a:ext cx="216000" cy="216000"/>
+              </a:xfrm>
+              <a:prstGeom prst="straightConnector1">
+                <a:avLst/>
+              </a:prstGeom>
+              <a:ln w="38100">
+                <a:solidFill>
+                  <a:srgbClr val="0000FF"/>
+                </a:solidFill>
+                <a:headEnd type="none" w="med" len="med"/>
+                <a:tailEnd type="triangle" w="med" len="med"/>
+              </a:ln>
+            </p:spPr>
+            <p:style>
+              <a:lnRef idx="1">
+                <a:schemeClr val="accent1"/>
+              </a:lnRef>
+              <a:fillRef idx="0">
+                <a:schemeClr val="accent1"/>
+              </a:fillRef>
+              <a:effectRef idx="0">
+                <a:schemeClr val="accent1"/>
+              </a:effectRef>
+              <a:fontRef idx="minor">
+                <a:schemeClr val="tx1"/>
+              </a:fontRef>
+            </p:style>
+          </p:cxnSp>
+        </p:grpSp>
+        <p:cxnSp>
+          <p:nvCxnSpPr>
+            <p:cNvPr id="47" name="直線矢印コネクタ 46"/>
+            <p:cNvCxnSpPr>
+              <a:stCxn id="42" idx="7"/>
+            </p:cNvCxnSpPr>
+            <p:nvPr/>
+          </p:nvCxnSpPr>
+          <p:spPr>
+            <a:xfrm flipH="1">
+              <a:off x="4031931" y="2199726"/>
+              <a:ext cx="329159" cy="329159"/>
+            </a:xfrm>
+            <a:prstGeom prst="straightConnector1">
+              <a:avLst/>
+            </a:prstGeom>
+            <a:ln w="38100">
+              <a:solidFill>
+                <a:srgbClr val="FF0000"/>
+              </a:solidFill>
+              <a:headEnd type="none" w="med" len="med"/>
+              <a:tailEnd type="triangle" w="med" len="med"/>
+            </a:ln>
+          </p:spPr>
+          <p:style>
+            <a:lnRef idx="1">
+              <a:schemeClr val="accent1"/>
+            </a:lnRef>
+            <a:fillRef idx="0">
+              <a:schemeClr val="accent1"/>
+            </a:fillRef>
+            <a:effectRef idx="0">
+              <a:schemeClr val="accent1"/>
+            </a:effectRef>
+            <a:fontRef idx="minor">
+              <a:schemeClr val="tx1"/>
+            </a:fontRef>
+          </p:style>
+        </p:cxnSp>
+      </p:grpSp>
+      <p:grpSp>
+        <p:nvGrpSpPr>
+          <p:cNvPr id="104" name="グループ化 103"/>
+          <p:cNvGrpSpPr/>
+          <p:nvPr/>
+        </p:nvGrpSpPr>
+        <p:grpSpPr>
+          <a:xfrm>
+            <a:off x="3479254" y="1595609"/>
+            <a:ext cx="360000" cy="360000"/>
+            <a:chOff x="971539" y="1628816"/>
+            <a:chExt cx="360000" cy="360000"/>
+          </a:xfrm>
+        </p:grpSpPr>
+        <p:sp>
+          <p:nvSpPr>
+            <p:cNvPr id="105" name="円/楕円 104"/>
+            <p:cNvSpPr/>
+            <p:nvPr/>
+          </p:nvSpPr>
+          <p:spPr>
+            <a:xfrm>
+              <a:off x="971539" y="1628816"/>
+              <a:ext cx="360000" cy="360000"/>
+            </a:xfrm>
+            <a:prstGeom prst="ellipse">
+              <a:avLst/>
+            </a:prstGeom>
+          </p:spPr>
+          <p:style>
+            <a:lnRef idx="2">
+              <a:schemeClr val="dk1"/>
+            </a:lnRef>
+            <a:fillRef idx="1">
+              <a:schemeClr val="lt1"/>
+            </a:fillRef>
+            <a:effectRef idx="0">
+              <a:schemeClr val="dk1"/>
+            </a:effectRef>
+            <a:fontRef idx="minor">
+              <a:schemeClr val="dk1"/>
+            </a:fontRef>
+          </p:style>
+          <p:txBody>
+            <a:bodyPr rtlCol="0" anchor="ctr"/>
+            <a:lstStyle/>
+            <a:p>
+              <a:pPr algn="ctr"/>
+              <a:endParaRPr kumimoji="1" lang="ja-JP" altLang="en-US"/>
+            </a:p>
+          </p:txBody>
+        </p:sp>
+        <p:cxnSp>
+          <p:nvCxnSpPr>
+            <p:cNvPr id="106" name="直線コネクタ 105"/>
+            <p:cNvCxnSpPr>
+              <a:stCxn id="105" idx="1"/>
+              <a:endCxn id="105" idx="5"/>
+            </p:cNvCxnSpPr>
+            <p:nvPr/>
+          </p:nvCxnSpPr>
+          <p:spPr>
+            <a:xfrm>
+              <a:off x="1024260" y="1681537"/>
+              <a:ext cx="254558" cy="254558"/>
+            </a:xfrm>
+            <a:prstGeom prst="line">
+              <a:avLst/>
+            </a:prstGeom>
+            <a:ln w="19050">
+              <a:solidFill>
+                <a:schemeClr val="tx1"/>
+              </a:solidFill>
+            </a:ln>
+          </p:spPr>
+          <p:style>
+            <a:lnRef idx="1">
+              <a:schemeClr val="accent1"/>
+            </a:lnRef>
+            <a:fillRef idx="0">
+              <a:schemeClr val="accent1"/>
+            </a:fillRef>
+            <a:effectRef idx="0">
+              <a:schemeClr val="accent1"/>
+            </a:effectRef>
+            <a:fontRef idx="minor">
+              <a:schemeClr val="tx1"/>
+            </a:fontRef>
+          </p:style>
+        </p:cxnSp>
+        <p:cxnSp>
+          <p:nvCxnSpPr>
+            <p:cNvPr id="107" name="直線コネクタ 106"/>
+            <p:cNvCxnSpPr>
+              <a:stCxn id="105" idx="7"/>
+              <a:endCxn id="105" idx="3"/>
+            </p:cNvCxnSpPr>
+            <p:nvPr/>
+          </p:nvCxnSpPr>
+          <p:spPr>
+            <a:xfrm flipH="1">
+              <a:off x="1024260" y="1681537"/>
+              <a:ext cx="254558" cy="254558"/>
+            </a:xfrm>
+            <a:prstGeom prst="line">
+              <a:avLst/>
+            </a:prstGeom>
+            <a:ln w="19050">
+              <a:solidFill>
+                <a:schemeClr val="tx1"/>
+              </a:solidFill>
+            </a:ln>
+          </p:spPr>
+          <p:style>
+            <a:lnRef idx="1">
+              <a:schemeClr val="accent1"/>
+            </a:lnRef>
+            <a:fillRef idx="0">
+              <a:schemeClr val="accent1"/>
+            </a:fillRef>
+            <a:effectRef idx="0">
+              <a:schemeClr val="accent1"/>
+            </a:effectRef>
+            <a:fontRef idx="minor">
+              <a:schemeClr val="tx1"/>
+            </a:fontRef>
+          </p:style>
+        </p:cxnSp>
+      </p:grpSp>
+      <p:grpSp>
+        <p:nvGrpSpPr>
+          <p:cNvPr id="108" name="グループ化 107"/>
+          <p:cNvGrpSpPr/>
+          <p:nvPr/>
+        </p:nvGrpSpPr>
+        <p:grpSpPr>
+          <a:xfrm>
+            <a:off x="1859024" y="155425"/>
+            <a:ext cx="5040646" cy="5040645"/>
+            <a:chOff x="1902539" y="589767"/>
+            <a:chExt cx="5040646" cy="5040645"/>
+          </a:xfrm>
+        </p:grpSpPr>
+        <p:grpSp>
+          <p:nvGrpSpPr>
+            <p:cNvPr id="109" name="グループ化 108"/>
+            <p:cNvGrpSpPr/>
+            <p:nvPr/>
+          </p:nvGrpSpPr>
+          <p:grpSpPr>
+            <a:xfrm>
+              <a:off x="1902539" y="589767"/>
+              <a:ext cx="5040646" cy="5040645"/>
+              <a:chOff x="1331586" y="188586"/>
+              <a:chExt cx="5040646" cy="5040645"/>
+            </a:xfrm>
+          </p:grpSpPr>
+          <p:sp>
+            <p:nvSpPr>
+              <p:cNvPr id="112" name="円/楕円 111"/>
+              <p:cNvSpPr/>
+              <p:nvPr/>
+            </p:nvSpPr>
+            <p:spPr>
+              <a:xfrm>
+                <a:off x="3131816" y="1988816"/>
+                <a:ext cx="1440184" cy="1440184"/>
+              </a:xfrm>
+              <a:prstGeom prst="ellipse">
+                <a:avLst/>
+              </a:prstGeom>
+              <a:noFill/>
+              <a:ln>
+                <a:solidFill>
+                  <a:schemeClr val="bg1">
+                    <a:lumMod val="50000"/>
+                  </a:schemeClr>
+                </a:solidFill>
+              </a:ln>
+            </p:spPr>
+            <p:style>
+              <a:lnRef idx="2">
+                <a:schemeClr val="accent1">
+                  <a:shade val="50000"/>
+                </a:schemeClr>
+              </a:lnRef>
+              <a:fillRef idx="1">
+                <a:schemeClr val="accent1"/>
+              </a:fillRef>
+              <a:effectRef idx="0">
+                <a:schemeClr val="accent1"/>
+              </a:effectRef>
+              <a:fontRef idx="minor">
+                <a:schemeClr val="lt1"/>
+              </a:fontRef>
+            </p:style>
+            <p:txBody>
+              <a:bodyPr rtlCol="0" anchor="ctr"/>
+              <a:lstStyle/>
+              <a:p>
+                <a:pPr algn="ctr"/>
+                <a:endParaRPr kumimoji="1" lang="ja-JP" altLang="en-US" u="sng"/>
+              </a:p>
+            </p:txBody>
+          </p:sp>
+          <p:sp>
+            <p:nvSpPr>
+              <p:cNvPr id="113" name="円弧 112"/>
+              <p:cNvSpPr/>
+              <p:nvPr/>
+            </p:nvSpPr>
+            <p:spPr>
+              <a:xfrm flipV="1">
+                <a:off x="1331586" y="188586"/>
+                <a:ext cx="3600461" cy="3600461"/>
+              </a:xfrm>
+              <a:prstGeom prst="arc">
+                <a:avLst>
+                  <a:gd name="adj1" fmla="val 17941978"/>
+                  <a:gd name="adj2" fmla="val 20207625"/>
+                </a:avLst>
+              </a:prstGeom>
+              <a:ln w="38100">
+                <a:solidFill>
+                  <a:schemeClr val="tx1"/>
+                </a:solidFill>
+              </a:ln>
+            </p:spPr>
+            <p:style>
+              <a:lnRef idx="1">
+                <a:schemeClr val="accent1"/>
+              </a:lnRef>
+              <a:fillRef idx="0">
+                <a:schemeClr val="accent1"/>
+              </a:fillRef>
+              <a:effectRef idx="0">
+                <a:schemeClr val="accent1"/>
+              </a:effectRef>
+              <a:fontRef idx="minor">
+                <a:schemeClr val="tx1"/>
+              </a:fontRef>
+            </p:style>
+            <p:txBody>
+              <a:bodyPr rtlCol="0" anchor="ctr"/>
+              <a:lstStyle/>
+              <a:p>
+                <a:pPr algn="ctr"/>
+                <a:endParaRPr kumimoji="1" lang="ja-JP" altLang="en-US" u="sng"/>
+              </a:p>
+            </p:txBody>
+          </p:sp>
+          <p:sp>
+            <p:nvSpPr>
+              <p:cNvPr id="114" name="円弧 113"/>
+              <p:cNvSpPr/>
+              <p:nvPr/>
+            </p:nvSpPr>
+            <p:spPr>
+              <a:xfrm flipH="1">
+                <a:off x="2771771" y="1628770"/>
+                <a:ext cx="3600461" cy="3600461"/>
+              </a:xfrm>
+              <a:prstGeom prst="arc">
+                <a:avLst>
+                  <a:gd name="adj1" fmla="val 17937390"/>
+                  <a:gd name="adj2" fmla="val 20207625"/>
+                </a:avLst>
+              </a:prstGeom>
+              <a:ln w="38100">
+                <a:solidFill>
+                  <a:schemeClr val="tx1"/>
+                </a:solidFill>
+              </a:ln>
+            </p:spPr>
+            <p:style>
+              <a:lnRef idx="1">
+                <a:schemeClr val="accent1"/>
+              </a:lnRef>
+              <a:fillRef idx="0">
+                <a:schemeClr val="accent1"/>
+              </a:fillRef>
+              <a:effectRef idx="0">
+                <a:schemeClr val="accent1"/>
+              </a:effectRef>
+              <a:fontRef idx="minor">
+                <a:schemeClr val="tx1"/>
+              </a:fontRef>
+            </p:style>
+            <p:txBody>
+              <a:bodyPr rtlCol="0" anchor="ctr"/>
+              <a:lstStyle/>
+              <a:p>
+                <a:pPr algn="ctr"/>
+                <a:endParaRPr kumimoji="1" lang="ja-JP" altLang="en-US" u="sng"/>
+              </a:p>
+            </p:txBody>
+          </p:sp>
+          <p:cxnSp>
+            <p:nvCxnSpPr>
+              <p:cNvPr id="115" name="直線矢印コネクタ 114"/>
+              <p:cNvCxnSpPr>
+                <a:stCxn id="112" idx="1"/>
+              </p:cNvCxnSpPr>
+              <p:nvPr/>
+            </p:nvCxnSpPr>
+            <p:spPr>
+              <a:xfrm>
+                <a:off x="3342726" y="2199726"/>
+                <a:ext cx="329159" cy="329159"/>
+              </a:xfrm>
+              <a:prstGeom prst="straightConnector1">
+                <a:avLst/>
+              </a:prstGeom>
+              <a:ln w="38100">
+                <a:solidFill>
+                  <a:srgbClr val="FF0000"/>
+                </a:solidFill>
+                <a:headEnd type="none" w="med" len="med"/>
+                <a:tailEnd type="triangle" w="med" len="med"/>
+              </a:ln>
+            </p:spPr>
+            <p:style>
+              <a:lnRef idx="1">
+                <a:schemeClr val="accent1"/>
+              </a:lnRef>
+              <a:fillRef idx="0">
+                <a:schemeClr val="accent1"/>
+              </a:fillRef>
+              <a:effectRef idx="0">
+                <a:schemeClr val="accent1"/>
+              </a:effectRef>
+              <a:fontRef idx="minor">
+                <a:schemeClr val="tx1"/>
+              </a:fontRef>
+            </p:style>
+          </p:cxnSp>
+          <p:cxnSp>
+            <p:nvCxnSpPr>
+              <p:cNvPr id="116" name="直線矢印コネクタ 115"/>
+              <p:cNvCxnSpPr>
+                <a:stCxn id="112" idx="5"/>
+              </p:cNvCxnSpPr>
+              <p:nvPr/>
+            </p:nvCxnSpPr>
+            <p:spPr>
+              <a:xfrm flipH="1" flipV="1">
+                <a:off x="4031931" y="2888931"/>
+                <a:ext cx="329159" cy="329159"/>
+              </a:xfrm>
+              <a:prstGeom prst="straightConnector1">
+                <a:avLst/>
+              </a:prstGeom>
+              <a:ln w="38100">
+                <a:solidFill>
+                  <a:srgbClr val="FF0000"/>
+                </a:solidFill>
+                <a:headEnd type="none" w="med" len="med"/>
+                <a:tailEnd type="triangle" w="med" len="med"/>
+              </a:ln>
+            </p:spPr>
+            <p:style>
+              <a:lnRef idx="1">
+                <a:schemeClr val="accent1"/>
+              </a:lnRef>
+              <a:fillRef idx="0">
+                <a:schemeClr val="accent1"/>
+              </a:fillRef>
+              <a:effectRef idx="0">
+                <a:schemeClr val="accent1"/>
+              </a:effectRef>
+              <a:fontRef idx="minor">
+                <a:schemeClr val="tx1"/>
+              </a:fontRef>
+            </p:style>
+          </p:cxnSp>
+        </p:grpSp>
+        <p:cxnSp>
+          <p:nvCxnSpPr>
+            <p:cNvPr id="110" name="直線コネクタ 109"/>
+            <p:cNvCxnSpPr/>
+            <p:nvPr/>
+          </p:nvCxnSpPr>
+          <p:spPr>
+            <a:xfrm flipH="1">
+              <a:off x="3491862" y="2243135"/>
+              <a:ext cx="1800231" cy="1800230"/>
+            </a:xfrm>
+            <a:prstGeom prst="line">
+              <a:avLst/>
+            </a:prstGeom>
+            <a:ln w="38100">
+              <a:solidFill>
+                <a:srgbClr val="00B050"/>
+              </a:solidFill>
+              <a:prstDash val="dash"/>
+            </a:ln>
+          </p:spPr>
+          <p:style>
+            <a:lnRef idx="1">
+              <a:schemeClr val="accent1"/>
+            </a:lnRef>
+            <a:fillRef idx="0">
+              <a:schemeClr val="accent1"/>
+            </a:fillRef>
+            <a:effectRef idx="0">
+              <a:schemeClr val="accent1"/>
+            </a:effectRef>
+            <a:fontRef idx="minor">
+              <a:schemeClr val="tx1"/>
+            </a:fontRef>
+          </p:style>
+        </p:cxnSp>
+        <p:sp>
+          <p:nvSpPr>
+            <p:cNvPr id="111" name="円弧 110"/>
+            <p:cNvSpPr/>
+            <p:nvPr/>
+          </p:nvSpPr>
+          <p:spPr>
+            <a:xfrm rot="18900000">
+              <a:off x="4941164" y="2109687"/>
+              <a:ext cx="360000" cy="720000"/>
+            </a:xfrm>
+            <a:prstGeom prst="arc">
+              <a:avLst>
+                <a:gd name="adj1" fmla="val 14123662"/>
+                <a:gd name="adj2" fmla="val 7797343"/>
+              </a:avLst>
+            </a:prstGeom>
+            <a:ln w="19050">
+              <a:solidFill>
+                <a:srgbClr val="00B050"/>
+              </a:solidFill>
+              <a:headEnd type="none" w="med" len="med"/>
+              <a:tailEnd type="triangle" w="med" len="med"/>
+            </a:ln>
+          </p:spPr>
+          <p:style>
+            <a:lnRef idx="1">
+              <a:schemeClr val="accent1"/>
+            </a:lnRef>
+            <a:fillRef idx="0">
+              <a:schemeClr val="accent1"/>
+            </a:fillRef>
+            <a:effectRef idx="0">
+              <a:schemeClr val="accent1"/>
+            </a:effectRef>
+            <a:fontRef idx="minor">
+              <a:schemeClr val="tx1"/>
+            </a:fontRef>
+          </p:style>
+          <p:txBody>
+            <a:bodyPr rtlCol="0" anchor="ctr"/>
+            <a:lstStyle/>
+            <a:p>
+              <a:pPr algn="ctr"/>
+              <a:endParaRPr kumimoji="1" lang="ja-JP" altLang="en-US"/>
+            </a:p>
+          </p:txBody>
+        </p:sp>
+      </p:grpSp>
+      <p:grpSp>
+        <p:nvGrpSpPr>
+          <p:cNvPr id="117" name="グループ化 116"/>
+          <p:cNvGrpSpPr/>
+          <p:nvPr/>
+        </p:nvGrpSpPr>
+        <p:grpSpPr>
+          <a:xfrm>
+            <a:off x="5248578" y="188585"/>
+            <a:ext cx="5040647" cy="5040645"/>
+            <a:chOff x="1331585" y="188586"/>
+            <a:chExt cx="5040647" cy="5040645"/>
+          </a:xfrm>
+        </p:grpSpPr>
+        <p:sp>
+          <p:nvSpPr>
+            <p:cNvPr id="118" name="円/楕円 117"/>
+            <p:cNvSpPr/>
+            <p:nvPr/>
+          </p:nvSpPr>
+          <p:spPr>
+            <a:xfrm>
+              <a:off x="3131816" y="1988816"/>
+              <a:ext cx="1440184" cy="1440184"/>
+            </a:xfrm>
+            <a:prstGeom prst="ellipse">
+              <a:avLst/>
+            </a:prstGeom>
+            <a:noFill/>
+            <a:ln>
+              <a:solidFill>
+                <a:schemeClr val="bg1">
+                  <a:lumMod val="50000"/>
+                </a:schemeClr>
+              </a:solidFill>
+            </a:ln>
+          </p:spPr>
+          <p:style>
+            <a:lnRef idx="2">
+              <a:schemeClr val="accent1">
+                <a:shade val="50000"/>
+              </a:schemeClr>
+            </a:lnRef>
+            <a:fillRef idx="1">
+              <a:schemeClr val="accent1"/>
+            </a:fillRef>
+            <a:effectRef idx="0">
+              <a:schemeClr val="accent1"/>
+            </a:effectRef>
+            <a:fontRef idx="minor">
+              <a:schemeClr val="lt1"/>
+            </a:fontRef>
+          </p:style>
+          <p:txBody>
+            <a:bodyPr rtlCol="0" anchor="ctr"/>
+            <a:lstStyle/>
+            <a:p>
+              <a:pPr algn="ctr"/>
+              <a:endParaRPr kumimoji="1" lang="ja-JP" altLang="en-US"/>
+            </a:p>
+          </p:txBody>
+        </p:sp>
+        <p:grpSp>
+          <p:nvGrpSpPr>
+            <p:cNvPr id="119" name="グループ化 118"/>
+            <p:cNvGrpSpPr/>
+            <p:nvPr/>
+          </p:nvGrpSpPr>
+          <p:grpSpPr>
+            <a:xfrm>
+              <a:off x="1331585" y="188586"/>
+              <a:ext cx="3600462" cy="5040645"/>
+              <a:chOff x="1331585" y="188586"/>
+              <a:chExt cx="3600462" cy="5040645"/>
+            </a:xfrm>
+          </p:grpSpPr>
+          <p:sp>
+            <p:nvSpPr>
+              <p:cNvPr id="124" name="円弧 123"/>
+              <p:cNvSpPr/>
+              <p:nvPr/>
+            </p:nvSpPr>
+            <p:spPr>
+              <a:xfrm>
+                <a:off x="1331585" y="1628770"/>
+                <a:ext cx="3600461" cy="3600461"/>
+              </a:xfrm>
+              <a:prstGeom prst="arc">
+                <a:avLst>
+                  <a:gd name="adj1" fmla="val 17937390"/>
+                  <a:gd name="adj2" fmla="val 20207625"/>
+                </a:avLst>
+              </a:prstGeom>
+              <a:ln w="38100">
+                <a:solidFill>
+                  <a:schemeClr val="tx1"/>
+                </a:solidFill>
+              </a:ln>
+            </p:spPr>
+            <p:style>
+              <a:lnRef idx="1">
+                <a:schemeClr val="accent1"/>
+              </a:lnRef>
+              <a:fillRef idx="0">
+                <a:schemeClr val="accent1"/>
+              </a:fillRef>
+              <a:effectRef idx="0">
+                <a:schemeClr val="accent1"/>
+              </a:effectRef>
+              <a:fontRef idx="minor">
+                <a:schemeClr val="tx1"/>
+              </a:fontRef>
+            </p:style>
+            <p:txBody>
+              <a:bodyPr rtlCol="0" anchor="ctr"/>
+              <a:lstStyle/>
+              <a:p>
+                <a:pPr algn="ctr"/>
+                <a:endParaRPr kumimoji="1" lang="ja-JP" altLang="en-US"/>
+              </a:p>
+            </p:txBody>
+          </p:sp>
+          <p:sp>
+            <p:nvSpPr>
+              <p:cNvPr id="125" name="円弧 124"/>
+              <p:cNvSpPr/>
+              <p:nvPr/>
+            </p:nvSpPr>
+            <p:spPr>
+              <a:xfrm flipV="1">
+                <a:off x="1331586" y="188586"/>
+                <a:ext cx="3600461" cy="3600461"/>
+              </a:xfrm>
+              <a:prstGeom prst="arc">
+                <a:avLst>
+                  <a:gd name="adj1" fmla="val 17941978"/>
+                  <a:gd name="adj2" fmla="val 20207625"/>
+                </a:avLst>
+              </a:prstGeom>
+              <a:ln w="38100">
+                <a:solidFill>
+                  <a:schemeClr val="tx1"/>
+                </a:solidFill>
+              </a:ln>
+            </p:spPr>
+            <p:style>
+              <a:lnRef idx="1">
+                <a:schemeClr val="accent1"/>
+              </a:lnRef>
+              <a:fillRef idx="0">
+                <a:schemeClr val="accent1"/>
+              </a:fillRef>
+              <a:effectRef idx="0">
+                <a:schemeClr val="accent1"/>
+              </a:effectRef>
+              <a:fontRef idx="minor">
+                <a:schemeClr val="tx1"/>
+              </a:fontRef>
+            </p:style>
+            <p:txBody>
+              <a:bodyPr rtlCol="0" anchor="ctr"/>
+              <a:lstStyle/>
+              <a:p>
+                <a:pPr algn="ctr"/>
+                <a:endParaRPr kumimoji="1" lang="ja-JP" altLang="en-US"/>
+              </a:p>
+            </p:txBody>
+          </p:sp>
+        </p:grpSp>
+        <p:grpSp>
+          <p:nvGrpSpPr>
+            <p:cNvPr id="120" name="グループ化 119"/>
+            <p:cNvGrpSpPr/>
+            <p:nvPr/>
+          </p:nvGrpSpPr>
+          <p:grpSpPr>
+            <a:xfrm flipH="1">
+              <a:off x="2771770" y="188586"/>
+              <a:ext cx="3600462" cy="5040645"/>
+              <a:chOff x="1331585" y="188586"/>
+              <a:chExt cx="3600462" cy="5040645"/>
+            </a:xfrm>
+          </p:grpSpPr>
+          <p:sp>
+            <p:nvSpPr>
+              <p:cNvPr id="122" name="円弧 121"/>
+              <p:cNvSpPr/>
+              <p:nvPr/>
+            </p:nvSpPr>
+            <p:spPr>
+              <a:xfrm>
+                <a:off x="1331585" y="1628770"/>
+                <a:ext cx="3600461" cy="3600461"/>
+              </a:xfrm>
+              <a:prstGeom prst="arc">
+                <a:avLst>
+                  <a:gd name="adj1" fmla="val 17937390"/>
+                  <a:gd name="adj2" fmla="val 20207625"/>
+                </a:avLst>
+              </a:prstGeom>
+              <a:ln w="38100">
+                <a:solidFill>
+                  <a:schemeClr val="tx1"/>
+                </a:solidFill>
+              </a:ln>
+            </p:spPr>
+            <p:style>
+              <a:lnRef idx="1">
+                <a:schemeClr val="accent1"/>
+              </a:lnRef>
+              <a:fillRef idx="0">
+                <a:schemeClr val="accent1"/>
+              </a:fillRef>
+              <a:effectRef idx="0">
+                <a:schemeClr val="accent1"/>
+              </a:effectRef>
+              <a:fontRef idx="minor">
+                <a:schemeClr val="tx1"/>
+              </a:fontRef>
+            </p:style>
+            <p:txBody>
+              <a:bodyPr rtlCol="0" anchor="ctr"/>
+              <a:lstStyle/>
+              <a:p>
+                <a:pPr algn="ctr"/>
+                <a:endParaRPr kumimoji="1" lang="ja-JP" altLang="en-US"/>
+              </a:p>
+            </p:txBody>
+          </p:sp>
+          <p:sp>
+            <p:nvSpPr>
+              <p:cNvPr id="123" name="円弧 122"/>
+              <p:cNvSpPr/>
+              <p:nvPr/>
+            </p:nvSpPr>
+            <p:spPr>
+              <a:xfrm flipV="1">
+                <a:off x="1331586" y="188586"/>
+                <a:ext cx="3600461" cy="3600461"/>
+              </a:xfrm>
+              <a:prstGeom prst="arc">
+                <a:avLst>
+                  <a:gd name="adj1" fmla="val 17941978"/>
+                  <a:gd name="adj2" fmla="val 20207625"/>
+                </a:avLst>
+              </a:prstGeom>
+              <a:ln w="38100">
+                <a:solidFill>
+                  <a:schemeClr val="tx1"/>
+                </a:solidFill>
+              </a:ln>
+            </p:spPr>
+            <p:style>
+              <a:lnRef idx="1">
+                <a:schemeClr val="accent1"/>
+              </a:lnRef>
+              <a:fillRef idx="0">
+                <a:schemeClr val="accent1"/>
+              </a:fillRef>
+              <a:effectRef idx="0">
+                <a:schemeClr val="accent1"/>
+              </a:effectRef>
+              <a:fontRef idx="minor">
+                <a:schemeClr val="tx1"/>
+              </a:fontRef>
+            </p:style>
+            <p:txBody>
+              <a:bodyPr rtlCol="0" anchor="ctr"/>
+              <a:lstStyle/>
+              <a:p>
+                <a:pPr algn="ctr"/>
+                <a:endParaRPr kumimoji="1" lang="ja-JP" altLang="en-US"/>
+              </a:p>
+            </p:txBody>
+          </p:sp>
+        </p:grpSp>
+        <p:cxnSp>
+          <p:nvCxnSpPr>
+            <p:cNvPr id="121" name="直線矢印コネクタ 120"/>
+            <p:cNvCxnSpPr>
+              <a:stCxn id="118" idx="7"/>
+            </p:cNvCxnSpPr>
+            <p:nvPr/>
+          </p:nvCxnSpPr>
+          <p:spPr>
+            <a:xfrm flipH="1">
+              <a:off x="4031931" y="2199726"/>
+              <a:ext cx="329159" cy="329159"/>
+            </a:xfrm>
+            <a:prstGeom prst="straightConnector1">
+              <a:avLst/>
+            </a:prstGeom>
+            <a:ln w="38100">
+              <a:solidFill>
+                <a:srgbClr val="FF0000"/>
+              </a:solidFill>
+              <a:headEnd type="none" w="med" len="med"/>
+              <a:tailEnd type="triangle" w="med" len="med"/>
+            </a:ln>
+          </p:spPr>
+          <p:style>
+            <a:lnRef idx="1">
+              <a:schemeClr val="accent1"/>
+            </a:lnRef>
+            <a:fillRef idx="0">
+              <a:schemeClr val="accent1"/>
+            </a:fillRef>
+            <a:effectRef idx="0">
+              <a:schemeClr val="accent1"/>
+            </a:effectRef>
+            <a:fontRef idx="minor">
+              <a:schemeClr val="tx1"/>
+            </a:fontRef>
+          </p:style>
+        </p:cxnSp>
+      </p:grpSp>
+      <p:cxnSp>
+        <p:nvCxnSpPr>
+          <p:cNvPr id="126" name="直線コネクタ 125"/>
+          <p:cNvCxnSpPr/>
+          <p:nvPr/>
+        </p:nvCxnSpPr>
+        <p:spPr>
+          <a:xfrm>
+            <a:off x="6868786" y="1808793"/>
+            <a:ext cx="1800230" cy="1800000"/>
+          </a:xfrm>
+          <a:prstGeom prst="line">
+            <a:avLst/>
+          </a:prstGeom>
+          <a:ln w="38100">
+            <a:solidFill>
+              <a:schemeClr val="accent6"/>
+            </a:solidFill>
+            <a:prstDash val="dash"/>
+          </a:ln>
+        </p:spPr>
+        <p:style>
+          <a:lnRef idx="1">
+            <a:schemeClr val="accent1"/>
+          </a:lnRef>
+          <a:fillRef idx="0">
+            <a:schemeClr val="accent1"/>
+          </a:fillRef>
+          <a:effectRef idx="0">
+            <a:schemeClr val="accent1"/>
+          </a:effectRef>
+          <a:fontRef idx="minor">
+            <a:schemeClr val="tx1"/>
+          </a:fontRef>
+        </p:style>
+      </p:cxnSp>
+      <p:sp>
+        <p:nvSpPr>
+          <p:cNvPr id="127" name="円弧 126"/>
+          <p:cNvSpPr/>
+          <p:nvPr/>
+        </p:nvSpPr>
+        <p:spPr>
+          <a:xfrm rot="13500000">
+            <a:off x="6868807" y="1650606"/>
+            <a:ext cx="360000" cy="720000"/>
+          </a:xfrm>
+          <a:prstGeom prst="arc">
+            <a:avLst>
+              <a:gd name="adj1" fmla="val 14123662"/>
+              <a:gd name="adj2" fmla="val 7797343"/>
+            </a:avLst>
+          </a:prstGeom>
+          <a:ln w="19050">
+            <a:solidFill>
+              <a:schemeClr val="accent6"/>
+            </a:solidFill>
+            <a:headEnd type="none" w="med" len="med"/>
+            <a:tailEnd type="triangle" w="med" len="med"/>
+          </a:ln>
+        </p:spPr>
+        <p:style>
+          <a:lnRef idx="1">
+            <a:schemeClr val="accent1"/>
+          </a:lnRef>
+          <a:fillRef idx="0">
+            <a:schemeClr val="accent1"/>
+          </a:fillRef>
+          <a:effectRef idx="0">
+            <a:schemeClr val="accent1"/>
+          </a:effectRef>
+          <a:fontRef idx="minor">
+            <a:schemeClr val="tx1"/>
+          </a:fontRef>
+        </p:style>
+        <p:txBody>
+          <a:bodyPr rtlCol="0" anchor="ctr"/>
+          <a:lstStyle/>
+          <a:p>
+            <a:pPr algn="ctr"/>
+            <a:endParaRPr kumimoji="1" lang="ja-JP" altLang="en-US">
+              <a:solidFill>
+                <a:schemeClr val="accent6"/>
+              </a:solidFill>
+            </a:endParaRPr>
+          </a:p>
+        </p:txBody>
+      </p:sp>
+      <p:sp>
+        <p:nvSpPr>
+          <p:cNvPr id="128" name="テキスト ボックス 127"/>
+          <p:cNvSpPr txBox="1"/>
+          <p:nvPr/>
+        </p:nvSpPr>
+        <p:spPr>
+          <a:xfrm>
+            <a:off x="3947176" y="3705464"/>
+            <a:ext cx="864339" cy="369332"/>
+          </a:xfrm>
+          <a:prstGeom prst="rect">
+            <a:avLst/>
+          </a:prstGeom>
+          <a:noFill/>
+        </p:spPr>
+        <p:txBody>
+          <a:bodyPr wrap="none" rtlCol="0">
+            <a:spAutoFit/>
+          </a:bodyPr>
+          <a:lstStyle/>
+          <a:p>
+            <a:r>
+              <a:rPr kumimoji="1" lang="en-US" altLang="ja-JP" dirty="0" smtClean="0">
+                <a:latin typeface="Arial" panose="020B0604020202020204" pitchFamily="34" charset="0"/>
+                <a:cs typeface="Arial" panose="020B0604020202020204" pitchFamily="34" charset="0"/>
+              </a:rPr>
+              <a:t>Strong</a:t>
+            </a:r>
+            <a:endParaRPr kumimoji="1" lang="ja-JP" altLang="en-US" dirty="0">
+              <a:latin typeface="Arial" panose="020B0604020202020204" pitchFamily="34" charset="0"/>
+              <a:cs typeface="Arial" panose="020B0604020202020204" pitchFamily="34" charset="0"/>
+            </a:endParaRPr>
+          </a:p>
+        </p:txBody>
+      </p:sp>
+      <p:sp>
+        <p:nvSpPr>
+          <p:cNvPr id="129" name="テキスト ボックス 128"/>
+          <p:cNvSpPr txBox="1"/>
+          <p:nvPr/>
+        </p:nvSpPr>
+        <p:spPr>
+          <a:xfrm>
+            <a:off x="7336731" y="3705464"/>
+            <a:ext cx="770404" cy="369332"/>
+          </a:xfrm>
+          <a:prstGeom prst="rect">
+            <a:avLst/>
+          </a:prstGeom>
+          <a:noFill/>
+        </p:spPr>
+        <p:txBody>
+          <a:bodyPr wrap="none" rtlCol="0">
+            <a:spAutoFit/>
+          </a:bodyPr>
+          <a:lstStyle/>
+          <a:p>
+            <a:r>
+              <a:rPr kumimoji="1" lang="en-US" altLang="ja-JP" dirty="0" smtClean="0">
+                <a:latin typeface="Arial" panose="020B0604020202020204" pitchFamily="34" charset="0"/>
+                <a:cs typeface="Arial" panose="020B0604020202020204" pitchFamily="34" charset="0"/>
+              </a:rPr>
+              <a:t>Weak</a:t>
+            </a:r>
+            <a:endParaRPr kumimoji="1" lang="ja-JP" altLang="en-US" dirty="0">
+              <a:latin typeface="Arial" panose="020B0604020202020204" pitchFamily="34" charset="0"/>
+              <a:cs typeface="Arial" panose="020B0604020202020204" pitchFamily="34" charset="0"/>
+            </a:endParaRPr>
+          </a:p>
+        </p:txBody>
+      </p:sp>
+      <p:sp>
+        <p:nvSpPr>
+          <p:cNvPr id="130" name="十字形 129"/>
+          <p:cNvSpPr/>
+          <p:nvPr/>
+        </p:nvSpPr>
+        <p:spPr>
+          <a:xfrm>
+            <a:off x="5999601" y="2634658"/>
+            <a:ext cx="360000" cy="360000"/>
+          </a:xfrm>
+          <a:prstGeom prst="plus">
+            <a:avLst>
+              <a:gd name="adj" fmla="val 50000"/>
+            </a:avLst>
+          </a:prstGeom>
+        </p:spPr>
+        <p:style>
+          <a:lnRef idx="2">
+            <a:schemeClr val="dk1">
+              <a:shade val="50000"/>
+            </a:schemeClr>
+          </a:lnRef>
+          <a:fillRef idx="1">
+            <a:schemeClr val="dk1"/>
+          </a:fillRef>
+          <a:effectRef idx="0">
+            <a:schemeClr val="dk1"/>
+          </a:effectRef>
+          <a:fontRef idx="minor">
+            <a:schemeClr val="lt1"/>
+          </a:fontRef>
+        </p:style>
+        <p:txBody>
+          <a:bodyPr rtlCol="0" anchor="ctr"/>
+          <a:lstStyle/>
+          <a:p>
+            <a:pPr algn="ctr"/>
+            <a:endParaRPr kumimoji="1" lang="ja-JP" altLang="en-US"/>
+          </a:p>
+        </p:txBody>
+      </p:sp>
+      <p:sp>
+        <p:nvSpPr>
+          <p:cNvPr id="5" name="右矢印 4"/>
+          <p:cNvSpPr/>
+          <p:nvPr/>
+        </p:nvSpPr>
+        <p:spPr>
+          <a:xfrm>
+            <a:off x="2411724" y="2528931"/>
+            <a:ext cx="720000" cy="360000"/>
+          </a:xfrm>
+          <a:prstGeom prst="rightArrow">
+            <a:avLst/>
+          </a:prstGeom>
+        </p:spPr>
+        <p:style>
+          <a:lnRef idx="2">
+            <a:schemeClr val="dk1">
+              <a:shade val="50000"/>
+            </a:schemeClr>
+          </a:lnRef>
+          <a:fillRef idx="1">
+            <a:schemeClr val="dk1"/>
+          </a:fillRef>
+          <a:effectRef idx="0">
+            <a:schemeClr val="dk1"/>
+          </a:effectRef>
+          <a:fontRef idx="minor">
+            <a:schemeClr val="lt1"/>
+          </a:fontRef>
+        </p:style>
+        <p:txBody>
+          <a:bodyPr rtlCol="0" anchor="ctr"/>
+          <a:lstStyle/>
+          <a:p>
+            <a:pPr algn="ctr"/>
+            <a:endParaRPr kumimoji="1" lang="ja-JP" altLang="en-US"/>
+          </a:p>
+        </p:txBody>
+      </p:sp>
+      <p:grpSp>
+        <p:nvGrpSpPr>
+          <p:cNvPr id="6" name="グループ化 5"/>
+          <p:cNvGrpSpPr/>
+          <p:nvPr/>
+        </p:nvGrpSpPr>
+        <p:grpSpPr>
+          <a:xfrm>
+            <a:off x="581667" y="1467864"/>
+            <a:ext cx="1260156" cy="2606932"/>
+            <a:chOff x="1500279" y="3918062"/>
+            <a:chExt cx="1620205" cy="2606932"/>
+          </a:xfrm>
+        </p:grpSpPr>
+        <p:cxnSp>
+          <p:nvCxnSpPr>
+            <p:cNvPr id="132" name="直線コネクタ 131"/>
+            <p:cNvCxnSpPr/>
+            <p:nvPr/>
+          </p:nvCxnSpPr>
+          <p:spPr>
+            <a:xfrm flipH="1">
+              <a:off x="1680303" y="3918062"/>
+              <a:ext cx="1" cy="2520000"/>
+            </a:xfrm>
+            <a:prstGeom prst="line">
+              <a:avLst/>
+            </a:prstGeom>
+            <a:ln w="38100">
+              <a:solidFill>
+                <a:srgbClr val="00B050"/>
+              </a:solidFill>
+              <a:prstDash val="dash"/>
+            </a:ln>
+          </p:spPr>
+          <p:style>
+            <a:lnRef idx="1">
+              <a:schemeClr val="accent1"/>
+            </a:lnRef>
+            <a:fillRef idx="0">
+              <a:schemeClr val="accent1"/>
+            </a:fillRef>
+            <a:effectRef idx="0">
+              <a:schemeClr val="accent1"/>
+            </a:effectRef>
+            <a:fontRef idx="minor">
+              <a:schemeClr val="tx1"/>
+            </a:fontRef>
+          </p:style>
+        </p:cxnSp>
+        <p:cxnSp>
+          <p:nvCxnSpPr>
+            <p:cNvPr id="133" name="直線コネクタ 132"/>
+            <p:cNvCxnSpPr/>
+            <p:nvPr/>
+          </p:nvCxnSpPr>
+          <p:spPr>
+            <a:xfrm flipH="1">
+              <a:off x="2909574" y="3942056"/>
+              <a:ext cx="1" cy="2520000"/>
+            </a:xfrm>
+            <a:prstGeom prst="line">
+              <a:avLst/>
+            </a:prstGeom>
+            <a:ln w="38100">
+              <a:solidFill>
+                <a:srgbClr val="00B050"/>
+              </a:solidFill>
+              <a:prstDash val="dash"/>
+            </a:ln>
+          </p:spPr>
+          <p:style>
+            <a:lnRef idx="1">
+              <a:schemeClr val="accent1"/>
+            </a:lnRef>
+            <a:fillRef idx="0">
+              <a:schemeClr val="accent1"/>
+            </a:fillRef>
+            <a:effectRef idx="0">
+              <a:schemeClr val="accent1"/>
+            </a:effectRef>
+            <a:fontRef idx="minor">
+              <a:schemeClr val="tx1"/>
+            </a:fontRef>
+          </p:style>
+        </p:cxnSp>
+        <p:cxnSp>
+          <p:nvCxnSpPr>
+            <p:cNvPr id="134" name="直線コネクタ 133"/>
+            <p:cNvCxnSpPr/>
+            <p:nvPr/>
+          </p:nvCxnSpPr>
+          <p:spPr>
+            <a:xfrm flipH="1">
+              <a:off x="2301013" y="3942056"/>
+              <a:ext cx="1" cy="2520000"/>
+            </a:xfrm>
+            <a:prstGeom prst="line">
+              <a:avLst/>
+            </a:prstGeom>
+            <a:ln w="38100">
+              <a:solidFill>
+                <a:srgbClr val="00B050"/>
+              </a:solidFill>
+              <a:prstDash val="dash"/>
+            </a:ln>
+          </p:spPr>
+          <p:style>
+            <a:lnRef idx="1">
+              <a:schemeClr val="accent1"/>
+            </a:lnRef>
+            <a:fillRef idx="0">
+              <a:schemeClr val="accent1"/>
+            </a:fillRef>
+            <a:effectRef idx="0">
+              <a:schemeClr val="accent1"/>
+            </a:effectRef>
+            <a:fontRef idx="minor">
+              <a:schemeClr val="tx1"/>
+            </a:fontRef>
+          </p:style>
+        </p:cxnSp>
+        <p:cxnSp>
+          <p:nvCxnSpPr>
+            <p:cNvPr id="135" name="直線コネクタ 134"/>
+            <p:cNvCxnSpPr/>
+            <p:nvPr/>
+          </p:nvCxnSpPr>
+          <p:spPr>
+            <a:xfrm>
+              <a:off x="1500279" y="6258362"/>
+              <a:ext cx="1620205" cy="0"/>
+            </a:xfrm>
+            <a:prstGeom prst="line">
+              <a:avLst/>
+            </a:prstGeom>
+            <a:ln>
+              <a:solidFill>
+                <a:schemeClr val="tx1"/>
+              </a:solidFill>
+            </a:ln>
+          </p:spPr>
+          <p:style>
+            <a:lnRef idx="1">
+              <a:schemeClr val="accent1"/>
+            </a:lnRef>
+            <a:fillRef idx="0">
+              <a:schemeClr val="accent1"/>
+            </a:fillRef>
+            <a:effectRef idx="0">
+              <a:schemeClr val="accent1"/>
+            </a:effectRef>
+            <a:fontRef idx="minor">
+              <a:schemeClr val="tx1"/>
+            </a:fontRef>
+          </p:style>
+        </p:cxnSp>
+        <p:sp>
+          <p:nvSpPr>
+            <p:cNvPr id="136" name="円弧 135"/>
+            <p:cNvSpPr/>
+            <p:nvPr/>
+          </p:nvSpPr>
+          <p:spPr>
+            <a:xfrm>
+              <a:off x="1680303" y="6078338"/>
+              <a:ext cx="620710" cy="359724"/>
+            </a:xfrm>
+            <a:prstGeom prst="arc">
+              <a:avLst>
+                <a:gd name="adj1" fmla="val 46588"/>
+                <a:gd name="adj2" fmla="val 10873959"/>
+              </a:avLst>
+            </a:prstGeom>
+            <a:ln>
+              <a:solidFill>
+                <a:schemeClr val="tx1"/>
+              </a:solidFill>
+            </a:ln>
+          </p:spPr>
+          <p:style>
+            <a:lnRef idx="1">
+              <a:schemeClr val="accent1"/>
+            </a:lnRef>
+            <a:fillRef idx="0">
+              <a:schemeClr val="accent1"/>
+            </a:fillRef>
+            <a:effectRef idx="0">
+              <a:schemeClr val="accent1"/>
+            </a:effectRef>
+            <a:fontRef idx="minor">
+              <a:schemeClr val="tx1"/>
+            </a:fontRef>
+          </p:style>
+          <p:txBody>
+            <a:bodyPr rtlCol="0" anchor="ctr"/>
+            <a:lstStyle/>
+            <a:p>
+              <a:pPr algn="ctr"/>
+              <a:endParaRPr kumimoji="1" lang="ja-JP" altLang="en-US"/>
+            </a:p>
+          </p:txBody>
+        </p:sp>
+        <p:sp>
+          <p:nvSpPr>
+            <p:cNvPr id="137" name="円弧 136"/>
+            <p:cNvSpPr/>
+            <p:nvPr/>
+          </p:nvSpPr>
+          <p:spPr>
+            <a:xfrm>
+              <a:off x="2301013" y="6078338"/>
+              <a:ext cx="620710" cy="359724"/>
+            </a:xfrm>
+            <a:prstGeom prst="arc">
+              <a:avLst>
+                <a:gd name="adj1" fmla="val 46588"/>
+                <a:gd name="adj2" fmla="val 10873959"/>
+              </a:avLst>
+            </a:prstGeom>
+            <a:ln>
+              <a:solidFill>
+                <a:schemeClr val="tx1"/>
+              </a:solidFill>
+            </a:ln>
+          </p:spPr>
+          <p:style>
+            <a:lnRef idx="1">
+              <a:schemeClr val="accent1"/>
+            </a:lnRef>
+            <a:fillRef idx="0">
+              <a:schemeClr val="accent1"/>
+            </a:fillRef>
+            <a:effectRef idx="0">
+              <a:schemeClr val="accent1"/>
+            </a:effectRef>
+            <a:fontRef idx="minor">
+              <a:schemeClr val="tx1"/>
+            </a:fontRef>
+          </p:style>
+          <p:txBody>
+            <a:bodyPr rtlCol="0" anchor="ctr"/>
+            <a:lstStyle/>
+            <a:p>
+              <a:pPr algn="ctr"/>
+              <a:endParaRPr kumimoji="1" lang="ja-JP" altLang="en-US"/>
+            </a:p>
+          </p:txBody>
+        </p:sp>
+        <p:sp>
+          <p:nvSpPr>
+            <p:cNvPr id="138" name="等号 137"/>
+            <p:cNvSpPr/>
+            <p:nvPr/>
+          </p:nvSpPr>
+          <p:spPr>
+            <a:xfrm rot="5400000">
+              <a:off x="1906563" y="6350888"/>
+              <a:ext cx="168187" cy="180025"/>
+            </a:xfrm>
+            <a:prstGeom prst="mathEqual">
+              <a:avLst>
+                <a:gd name="adj1" fmla="val 23520"/>
+                <a:gd name="adj2" fmla="val 52960"/>
+              </a:avLst>
+            </a:prstGeom>
+          </p:spPr>
+          <p:style>
+            <a:lnRef idx="2">
+              <a:schemeClr val="dk1">
+                <a:shade val="50000"/>
+              </a:schemeClr>
+            </a:lnRef>
+            <a:fillRef idx="1">
+              <a:schemeClr val="dk1"/>
+            </a:fillRef>
+            <a:effectRef idx="0">
+              <a:schemeClr val="dk1"/>
+            </a:effectRef>
+            <a:fontRef idx="minor">
+              <a:schemeClr val="lt1"/>
+            </a:fontRef>
+          </p:style>
+          <p:txBody>
+            <a:bodyPr rtlCol="0" anchor="ctr"/>
+            <a:lstStyle/>
+            <a:p>
+              <a:pPr algn="ctr"/>
+              <a:endParaRPr kumimoji="1" lang="ja-JP" altLang="en-US">
+                <a:solidFill>
+                  <a:schemeClr val="tx1"/>
+                </a:solidFill>
+              </a:endParaRPr>
+            </a:p>
+          </p:txBody>
+        </p:sp>
+        <p:sp>
+          <p:nvSpPr>
+            <p:cNvPr id="139" name="等号 138"/>
+            <p:cNvSpPr/>
+            <p:nvPr/>
+          </p:nvSpPr>
+          <p:spPr>
+            <a:xfrm rot="5400000">
+              <a:off x="2527274" y="6350888"/>
+              <a:ext cx="168187" cy="180025"/>
+            </a:xfrm>
+            <a:prstGeom prst="mathEqual">
+              <a:avLst>
+                <a:gd name="adj1" fmla="val 23520"/>
+                <a:gd name="adj2" fmla="val 52960"/>
+              </a:avLst>
+            </a:prstGeom>
+          </p:spPr>
+          <p:style>
+            <a:lnRef idx="2">
+              <a:schemeClr val="dk1">
+                <a:shade val="50000"/>
+              </a:schemeClr>
+            </a:lnRef>
+            <a:fillRef idx="1">
+              <a:schemeClr val="dk1"/>
+            </a:fillRef>
+            <a:effectRef idx="0">
+              <a:schemeClr val="dk1"/>
+            </a:effectRef>
+            <a:fontRef idx="minor">
+              <a:schemeClr val="lt1"/>
+            </a:fontRef>
+          </p:style>
+          <p:txBody>
+            <a:bodyPr rtlCol="0" anchor="ctr"/>
+            <a:lstStyle/>
+            <a:p>
+              <a:pPr algn="ctr"/>
+              <a:endParaRPr kumimoji="1" lang="ja-JP" altLang="en-US">
+                <a:solidFill>
+                  <a:schemeClr val="tx1"/>
+                </a:solidFill>
+              </a:endParaRPr>
+            </a:p>
+          </p:txBody>
+        </p:sp>
+        <p:sp>
+          <p:nvSpPr>
+            <p:cNvPr id="140" name="円弧 139"/>
+            <p:cNvSpPr/>
+            <p:nvPr/>
+          </p:nvSpPr>
+          <p:spPr>
+            <a:xfrm rot="16200000">
+              <a:off x="2121013" y="3789114"/>
+              <a:ext cx="360000" cy="720000"/>
+            </a:xfrm>
+            <a:prstGeom prst="arc">
+              <a:avLst>
+                <a:gd name="adj1" fmla="val 14123662"/>
+                <a:gd name="adj2" fmla="val 7797343"/>
+              </a:avLst>
+            </a:prstGeom>
+            <a:ln w="19050">
+              <a:solidFill>
+                <a:srgbClr val="00B050"/>
+              </a:solidFill>
+              <a:headEnd type="none" w="med" len="med"/>
+              <a:tailEnd type="triangle" w="med" len="med"/>
+            </a:ln>
+          </p:spPr>
+          <p:style>
+            <a:lnRef idx="1">
+              <a:schemeClr val="accent1"/>
+            </a:lnRef>
+            <a:fillRef idx="0">
+              <a:schemeClr val="accent1"/>
+            </a:fillRef>
+            <a:effectRef idx="0">
+              <a:schemeClr val="accent1"/>
+            </a:effectRef>
+            <a:fontRef idx="minor">
+              <a:schemeClr val="tx1"/>
+            </a:fontRef>
+          </p:style>
+          <p:txBody>
+            <a:bodyPr rtlCol="0" anchor="ctr"/>
+            <a:lstStyle/>
+            <a:p>
+              <a:pPr algn="ctr"/>
+              <a:endParaRPr kumimoji="1" lang="ja-JP" altLang="en-US"/>
+            </a:p>
+          </p:txBody>
+        </p:sp>
+      </p:grpSp>
+    </p:spTree>
+    <p:extLst>
+      <p:ext uri="{BB962C8B-B14F-4D97-AF65-F5344CB8AC3E}">
+        <p14:creationId xmlns:p14="http://schemas.microsoft.com/office/powerpoint/2010/main" val="1276688487"/>
       </p:ext>
     </p:extLst>
   </p:cSld>
